--- a/ipetro-ga-extractor-version-3/backend/templates/inspection_plan_template.pptx
+++ b/ipetro-ga-extractor-version-3/backend/templates/inspection_plan_template.pptx
@@ -5,9 +5,9 @@
     <p:sldMasterId id="2147483648" r:id="rId1"/>
   </p:sldMasterIdLst>
   <p:sldIdLst>
-    <p:sldId id="256" r:id="rId7"/>
+    <p:sldId id="256" r:id="rId2"/>
   </p:sldIdLst>
-  <p:sldSz cx="10689336" cy="7562088" type="screen4x3"/>
+  <p:sldSz cx="10688638" cy="7562850"/>
   <p:notesSz cx="6858000" cy="9144000"/>
   <p:defaultTextStyle>
     <a:defPPr>
@@ -104,6 +104,22 @@
       </a:defRPr>
     </a:lvl9pPr>
   </p:defaultTextStyle>
+  <p:extLst>
+    <p:ext uri="{EFAFB233-063F-42B5-8137-9DF3F51BA10A}">
+      <p15:sldGuideLst xmlns:p15="http://schemas.microsoft.com/office/powerpoint/2012/main">
+        <p15:guide id="1" orient="horz" pos="2160">
+          <p15:clr>
+            <a:srgbClr val="A4A3A4"/>
+          </p15:clr>
+        </p15:guide>
+        <p15:guide id="2" pos="2880">
+          <p15:clr>
+            <a:srgbClr val="A4A3A4"/>
+          </p15:clr>
+        </p15:guide>
+      </p15:sldGuideLst>
+    </p:ext>
+  </p:extLst>
 </p:presentation>
 </file>
 
@@ -145,10 +161,9 @@
           <a:lstStyle/>
           <a:p>
             <a:r>
-              <a:rPr lang="en-US" smtClean="0"/>
+              <a:rPr lang="en-US"/>
               <a:t>Click to edit Master title style</a:t>
             </a:r>
-            <a:endParaRPr lang="en-US"/>
           </a:p>
         </p:txBody>
       </p:sp>
@@ -264,10 +279,9 @@
           </a:lstStyle>
           <a:p>
             <a:r>
-              <a:rPr lang="en-US" smtClean="0"/>
+              <a:rPr lang="en-US"/>
               <a:t>Click to edit Master subtitle style</a:t>
             </a:r>
-            <a:endParaRPr lang="en-US"/>
           </a:p>
         </p:txBody>
       </p:sp>
@@ -288,7 +302,7 @@
           <a:p>
             <a:fld id="{5BCAD085-E8A6-8845-BD4E-CB4CCA059FC4}" type="datetimeFigureOut">
               <a:rPr lang="en-US" smtClean="0"/>
-              <a:t>1/27/13</a:t>
+              <a:t>12/26/25</a:t>
             </a:fld>
             <a:endParaRPr lang="en-US"/>
           </a:p>
@@ -382,10 +396,9 @@
           <a:lstStyle/>
           <a:p>
             <a:r>
-              <a:rPr lang="en-US" smtClean="0"/>
+              <a:rPr lang="en-US"/>
               <a:t>Click to edit Master title style</a:t>
             </a:r>
-            <a:endParaRPr lang="en-US"/>
           </a:p>
         </p:txBody>
       </p:sp>
@@ -406,38 +419,37 @@
           <a:p>
             <a:pPr lvl="0"/>
             <a:r>
-              <a:rPr lang="en-US" smtClean="0"/>
+              <a:rPr lang="en-US"/>
               <a:t>Click to edit Master text styles</a:t>
             </a:r>
           </a:p>
           <a:p>
             <a:pPr lvl="1"/>
             <a:r>
-              <a:rPr lang="en-US" smtClean="0"/>
+              <a:rPr lang="en-US"/>
               <a:t>Second level</a:t>
             </a:r>
           </a:p>
           <a:p>
             <a:pPr lvl="2"/>
             <a:r>
-              <a:rPr lang="en-US" smtClean="0"/>
+              <a:rPr lang="en-US"/>
               <a:t>Third level</a:t>
             </a:r>
           </a:p>
           <a:p>
             <a:pPr lvl="3"/>
             <a:r>
-              <a:rPr lang="en-US" smtClean="0"/>
+              <a:rPr lang="en-US"/>
               <a:t>Fourth level</a:t>
             </a:r>
           </a:p>
           <a:p>
             <a:pPr lvl="4"/>
             <a:r>
-              <a:rPr lang="en-US" smtClean="0"/>
+              <a:rPr lang="en-US"/>
               <a:t>Fifth level</a:t>
             </a:r>
-            <a:endParaRPr lang="en-US"/>
           </a:p>
         </p:txBody>
       </p:sp>
@@ -458,7 +470,7 @@
           <a:p>
             <a:fld id="{5BCAD085-E8A6-8845-BD4E-CB4CCA059FC4}" type="datetimeFigureOut">
               <a:rPr lang="en-US" smtClean="0"/>
-              <a:t>1/27/13</a:t>
+              <a:t>12/26/25</a:t>
             </a:fld>
             <a:endParaRPr lang="en-US"/>
           </a:p>
@@ -557,10 +569,9 @@
           <a:lstStyle/>
           <a:p>
             <a:r>
-              <a:rPr lang="en-US" smtClean="0"/>
+              <a:rPr lang="en-US"/>
               <a:t>Click to edit Master title style</a:t>
             </a:r>
-            <a:endParaRPr lang="en-US"/>
           </a:p>
         </p:txBody>
       </p:sp>
@@ -586,38 +597,37 @@
           <a:p>
             <a:pPr lvl="0"/>
             <a:r>
-              <a:rPr lang="en-US" smtClean="0"/>
+              <a:rPr lang="en-US"/>
               <a:t>Click to edit Master text styles</a:t>
             </a:r>
           </a:p>
           <a:p>
             <a:pPr lvl="1"/>
             <a:r>
-              <a:rPr lang="en-US" smtClean="0"/>
+              <a:rPr lang="en-US"/>
               <a:t>Second level</a:t>
             </a:r>
           </a:p>
           <a:p>
             <a:pPr lvl="2"/>
             <a:r>
-              <a:rPr lang="en-US" smtClean="0"/>
+              <a:rPr lang="en-US"/>
               <a:t>Third level</a:t>
             </a:r>
           </a:p>
           <a:p>
             <a:pPr lvl="3"/>
             <a:r>
-              <a:rPr lang="en-US" smtClean="0"/>
+              <a:rPr lang="en-US"/>
               <a:t>Fourth level</a:t>
             </a:r>
           </a:p>
           <a:p>
             <a:pPr lvl="4"/>
             <a:r>
-              <a:rPr lang="en-US" smtClean="0"/>
+              <a:rPr lang="en-US"/>
               <a:t>Fifth level</a:t>
             </a:r>
-            <a:endParaRPr lang="en-US"/>
           </a:p>
         </p:txBody>
       </p:sp>
@@ -638,7 +648,7 @@
           <a:p>
             <a:fld id="{5BCAD085-E8A6-8845-BD4E-CB4CCA059FC4}" type="datetimeFigureOut">
               <a:rPr lang="en-US" smtClean="0"/>
-              <a:t>1/27/13</a:t>
+              <a:t>12/26/25</a:t>
             </a:fld>
             <a:endParaRPr lang="en-US"/>
           </a:p>
@@ -732,10 +742,9 @@
           <a:lstStyle/>
           <a:p>
             <a:r>
-              <a:rPr lang="en-US" smtClean="0"/>
+              <a:rPr lang="en-US"/>
               <a:t>Click to edit Master title style</a:t>
             </a:r>
-            <a:endParaRPr lang="en-US"/>
           </a:p>
         </p:txBody>
       </p:sp>
@@ -756,38 +765,37 @@
           <a:p>
             <a:pPr lvl="0"/>
             <a:r>
-              <a:rPr lang="en-US" smtClean="0"/>
+              <a:rPr lang="en-US"/>
               <a:t>Click to edit Master text styles</a:t>
             </a:r>
           </a:p>
           <a:p>
             <a:pPr lvl="1"/>
             <a:r>
-              <a:rPr lang="en-US" smtClean="0"/>
+              <a:rPr lang="en-US"/>
               <a:t>Second level</a:t>
             </a:r>
           </a:p>
           <a:p>
             <a:pPr lvl="2"/>
             <a:r>
-              <a:rPr lang="en-US" smtClean="0"/>
+              <a:rPr lang="en-US"/>
               <a:t>Third level</a:t>
             </a:r>
           </a:p>
           <a:p>
             <a:pPr lvl="3"/>
             <a:r>
-              <a:rPr lang="en-US" smtClean="0"/>
+              <a:rPr lang="en-US"/>
               <a:t>Fourth level</a:t>
             </a:r>
           </a:p>
           <a:p>
             <a:pPr lvl="4"/>
             <a:r>
-              <a:rPr lang="en-US" smtClean="0"/>
+              <a:rPr lang="en-US"/>
               <a:t>Fifth level</a:t>
             </a:r>
-            <a:endParaRPr lang="en-US"/>
           </a:p>
         </p:txBody>
       </p:sp>
@@ -808,7 +816,7 @@
           <a:p>
             <a:fld id="{5BCAD085-E8A6-8845-BD4E-CB4CCA059FC4}" type="datetimeFigureOut">
               <a:rPr lang="en-US" smtClean="0"/>
-              <a:t>1/27/13</a:t>
+              <a:t>12/26/25</a:t>
             </a:fld>
             <a:endParaRPr lang="en-US"/>
           </a:p>
@@ -911,10 +919,9 @@
           </a:lstStyle>
           <a:p>
             <a:r>
-              <a:rPr lang="en-US" smtClean="0"/>
+              <a:rPr lang="en-US"/>
               <a:t>Click to edit Master title style</a:t>
             </a:r>
-            <a:endParaRPr lang="en-US"/>
           </a:p>
         </p:txBody>
       </p:sp>
@@ -1031,7 +1038,7 @@
           <a:p>
             <a:pPr lvl="0"/>
             <a:r>
-              <a:rPr lang="en-US" smtClean="0"/>
+              <a:rPr lang="en-US"/>
               <a:t>Click to edit Master text styles</a:t>
             </a:r>
           </a:p>
@@ -1054,7 +1061,7 @@
           <a:p>
             <a:fld id="{5BCAD085-E8A6-8845-BD4E-CB4CCA059FC4}" type="datetimeFigureOut">
               <a:rPr lang="en-US" smtClean="0"/>
-              <a:t>1/27/13</a:t>
+              <a:t>12/26/25</a:t>
             </a:fld>
             <a:endParaRPr lang="en-US"/>
           </a:p>
@@ -1148,10 +1155,9 @@
           <a:lstStyle/>
           <a:p>
             <a:r>
-              <a:rPr lang="en-US" smtClean="0"/>
+              <a:rPr lang="en-US"/>
               <a:t>Click to edit Master title style</a:t>
             </a:r>
-            <a:endParaRPr lang="en-US"/>
           </a:p>
         </p:txBody>
       </p:sp>
@@ -1205,38 +1211,37 @@
           <a:p>
             <a:pPr lvl="0"/>
             <a:r>
-              <a:rPr lang="en-US" smtClean="0"/>
+              <a:rPr lang="en-US"/>
               <a:t>Click to edit Master text styles</a:t>
             </a:r>
           </a:p>
           <a:p>
             <a:pPr lvl="1"/>
             <a:r>
-              <a:rPr lang="en-US" smtClean="0"/>
+              <a:rPr lang="en-US"/>
               <a:t>Second level</a:t>
             </a:r>
           </a:p>
           <a:p>
             <a:pPr lvl="2"/>
             <a:r>
-              <a:rPr lang="en-US" smtClean="0"/>
+              <a:rPr lang="en-US"/>
               <a:t>Third level</a:t>
             </a:r>
           </a:p>
           <a:p>
             <a:pPr lvl="3"/>
             <a:r>
-              <a:rPr lang="en-US" smtClean="0"/>
+              <a:rPr lang="en-US"/>
               <a:t>Fourth level</a:t>
             </a:r>
           </a:p>
           <a:p>
             <a:pPr lvl="4"/>
             <a:r>
-              <a:rPr lang="en-US" smtClean="0"/>
+              <a:rPr lang="en-US"/>
               <a:t>Fifth level</a:t>
             </a:r>
-            <a:endParaRPr lang="en-US"/>
           </a:p>
         </p:txBody>
       </p:sp>
@@ -1290,38 +1295,37 @@
           <a:p>
             <a:pPr lvl="0"/>
             <a:r>
-              <a:rPr lang="en-US" smtClean="0"/>
+              <a:rPr lang="en-US"/>
               <a:t>Click to edit Master text styles</a:t>
             </a:r>
           </a:p>
           <a:p>
             <a:pPr lvl="1"/>
             <a:r>
-              <a:rPr lang="en-US" smtClean="0"/>
+              <a:rPr lang="en-US"/>
               <a:t>Second level</a:t>
             </a:r>
           </a:p>
           <a:p>
             <a:pPr lvl="2"/>
             <a:r>
-              <a:rPr lang="en-US" smtClean="0"/>
+              <a:rPr lang="en-US"/>
               <a:t>Third level</a:t>
             </a:r>
           </a:p>
           <a:p>
             <a:pPr lvl="3"/>
             <a:r>
-              <a:rPr lang="en-US" smtClean="0"/>
+              <a:rPr lang="en-US"/>
               <a:t>Fourth level</a:t>
             </a:r>
           </a:p>
           <a:p>
             <a:pPr lvl="4"/>
             <a:r>
-              <a:rPr lang="en-US" smtClean="0"/>
+              <a:rPr lang="en-US"/>
               <a:t>Fifth level</a:t>
             </a:r>
-            <a:endParaRPr lang="en-US"/>
           </a:p>
         </p:txBody>
       </p:sp>
@@ -1342,7 +1346,7 @@
           <a:p>
             <a:fld id="{5BCAD085-E8A6-8845-BD4E-CB4CCA059FC4}" type="datetimeFigureOut">
               <a:rPr lang="en-US" smtClean="0"/>
-              <a:t>1/27/13</a:t>
+              <a:t>12/26/25</a:t>
             </a:fld>
             <a:endParaRPr lang="en-US"/>
           </a:p>
@@ -1440,10 +1444,9 @@
           </a:lstStyle>
           <a:p>
             <a:r>
-              <a:rPr lang="en-US" smtClean="0"/>
+              <a:rPr lang="en-US"/>
               <a:t>Click to edit Master title style</a:t>
             </a:r>
-            <a:endParaRPr lang="en-US"/>
           </a:p>
         </p:txBody>
       </p:sp>
@@ -1506,7 +1509,7 @@
           <a:p>
             <a:pPr lvl="0"/>
             <a:r>
-              <a:rPr lang="en-US" smtClean="0"/>
+              <a:rPr lang="en-US"/>
               <a:t>Click to edit Master text styles</a:t>
             </a:r>
           </a:p>
@@ -1562,38 +1565,37 @@
           <a:p>
             <a:pPr lvl="0"/>
             <a:r>
-              <a:rPr lang="en-US" smtClean="0"/>
+              <a:rPr lang="en-US"/>
               <a:t>Click to edit Master text styles</a:t>
             </a:r>
           </a:p>
           <a:p>
             <a:pPr lvl="1"/>
             <a:r>
-              <a:rPr lang="en-US" smtClean="0"/>
+              <a:rPr lang="en-US"/>
               <a:t>Second level</a:t>
             </a:r>
           </a:p>
           <a:p>
             <a:pPr lvl="2"/>
             <a:r>
-              <a:rPr lang="en-US" smtClean="0"/>
+              <a:rPr lang="en-US"/>
               <a:t>Third level</a:t>
             </a:r>
           </a:p>
           <a:p>
             <a:pPr lvl="3"/>
             <a:r>
-              <a:rPr lang="en-US" smtClean="0"/>
+              <a:rPr lang="en-US"/>
               <a:t>Fourth level</a:t>
             </a:r>
           </a:p>
           <a:p>
             <a:pPr lvl="4"/>
             <a:r>
-              <a:rPr lang="en-US" smtClean="0"/>
+              <a:rPr lang="en-US"/>
               <a:t>Fifth level</a:t>
             </a:r>
-            <a:endParaRPr lang="en-US"/>
           </a:p>
         </p:txBody>
       </p:sp>
@@ -1656,7 +1658,7 @@
           <a:p>
             <a:pPr lvl="0"/>
             <a:r>
-              <a:rPr lang="en-US" smtClean="0"/>
+              <a:rPr lang="en-US"/>
               <a:t>Click to edit Master text styles</a:t>
             </a:r>
           </a:p>
@@ -1712,38 +1714,37 @@
           <a:p>
             <a:pPr lvl="0"/>
             <a:r>
-              <a:rPr lang="en-US" smtClean="0"/>
+              <a:rPr lang="en-US"/>
               <a:t>Click to edit Master text styles</a:t>
             </a:r>
           </a:p>
           <a:p>
             <a:pPr lvl="1"/>
             <a:r>
-              <a:rPr lang="en-US" smtClean="0"/>
+              <a:rPr lang="en-US"/>
               <a:t>Second level</a:t>
             </a:r>
           </a:p>
           <a:p>
             <a:pPr lvl="2"/>
             <a:r>
-              <a:rPr lang="en-US" smtClean="0"/>
+              <a:rPr lang="en-US"/>
               <a:t>Third level</a:t>
             </a:r>
           </a:p>
           <a:p>
             <a:pPr lvl="3"/>
             <a:r>
-              <a:rPr lang="en-US" smtClean="0"/>
+              <a:rPr lang="en-US"/>
               <a:t>Fourth level</a:t>
             </a:r>
           </a:p>
           <a:p>
             <a:pPr lvl="4"/>
             <a:r>
-              <a:rPr lang="en-US" smtClean="0"/>
+              <a:rPr lang="en-US"/>
               <a:t>Fifth level</a:t>
             </a:r>
-            <a:endParaRPr lang="en-US"/>
           </a:p>
         </p:txBody>
       </p:sp>
@@ -1764,7 +1765,7 @@
           <a:p>
             <a:fld id="{5BCAD085-E8A6-8845-BD4E-CB4CCA059FC4}" type="datetimeFigureOut">
               <a:rPr lang="en-US" smtClean="0"/>
-              <a:t>1/27/13</a:t>
+              <a:t>12/26/25</a:t>
             </a:fld>
             <a:endParaRPr lang="en-US"/>
           </a:p>
@@ -1858,10 +1859,9 @@
           <a:lstStyle/>
           <a:p>
             <a:r>
-              <a:rPr lang="en-US" smtClean="0"/>
+              <a:rPr lang="en-US"/>
               <a:t>Click to edit Master title style</a:t>
             </a:r>
-            <a:endParaRPr lang="en-US"/>
           </a:p>
         </p:txBody>
       </p:sp>
@@ -1882,7 +1882,7 @@
           <a:p>
             <a:fld id="{5BCAD085-E8A6-8845-BD4E-CB4CCA059FC4}" type="datetimeFigureOut">
               <a:rPr lang="en-US" smtClean="0"/>
-              <a:t>1/27/13</a:t>
+              <a:t>12/26/25</a:t>
             </a:fld>
             <a:endParaRPr lang="en-US"/>
           </a:p>
@@ -1977,7 +1977,7 @@
           <a:p>
             <a:fld id="{5BCAD085-E8A6-8845-BD4E-CB4CCA059FC4}" type="datetimeFigureOut">
               <a:rPr lang="en-US" smtClean="0"/>
-              <a:t>1/27/13</a:t>
+              <a:t>12/26/25</a:t>
             </a:fld>
             <a:endParaRPr lang="en-US"/>
           </a:p>
@@ -2080,10 +2080,9 @@
           </a:lstStyle>
           <a:p>
             <a:r>
-              <a:rPr lang="en-US" smtClean="0"/>
+              <a:rPr lang="en-US"/>
               <a:t>Click to edit Master title style</a:t>
             </a:r>
-            <a:endParaRPr lang="en-US"/>
           </a:p>
         </p:txBody>
       </p:sp>
@@ -2137,38 +2136,37 @@
           <a:p>
             <a:pPr lvl="0"/>
             <a:r>
-              <a:rPr lang="en-US" smtClean="0"/>
+              <a:rPr lang="en-US"/>
               <a:t>Click to edit Master text styles</a:t>
             </a:r>
           </a:p>
           <a:p>
             <a:pPr lvl="1"/>
             <a:r>
-              <a:rPr lang="en-US" smtClean="0"/>
+              <a:rPr lang="en-US"/>
               <a:t>Second level</a:t>
             </a:r>
           </a:p>
           <a:p>
             <a:pPr lvl="2"/>
             <a:r>
-              <a:rPr lang="en-US" smtClean="0"/>
+              <a:rPr lang="en-US"/>
               <a:t>Third level</a:t>
             </a:r>
           </a:p>
           <a:p>
             <a:pPr lvl="3"/>
             <a:r>
-              <a:rPr lang="en-US" smtClean="0"/>
+              <a:rPr lang="en-US"/>
               <a:t>Fourth level</a:t>
             </a:r>
           </a:p>
           <a:p>
             <a:pPr lvl="4"/>
             <a:r>
-              <a:rPr lang="en-US" smtClean="0"/>
+              <a:rPr lang="en-US"/>
               <a:t>Fifth level</a:t>
             </a:r>
-            <a:endParaRPr lang="en-US"/>
           </a:p>
         </p:txBody>
       </p:sp>
@@ -2231,7 +2229,7 @@
           <a:p>
             <a:pPr lvl="0"/>
             <a:r>
-              <a:rPr lang="en-US" smtClean="0"/>
+              <a:rPr lang="en-US"/>
               <a:t>Click to edit Master text styles</a:t>
             </a:r>
           </a:p>
@@ -2254,7 +2252,7 @@
           <a:p>
             <a:fld id="{5BCAD085-E8A6-8845-BD4E-CB4CCA059FC4}" type="datetimeFigureOut">
               <a:rPr lang="en-US" smtClean="0"/>
-              <a:t>1/27/13</a:t>
+              <a:t>12/26/25</a:t>
             </a:fld>
             <a:endParaRPr lang="en-US"/>
           </a:p>
@@ -2357,10 +2355,9 @@
           </a:lstStyle>
           <a:p>
             <a:r>
-              <a:rPr lang="en-US" smtClean="0"/>
+              <a:rPr lang="en-US"/>
               <a:t>Click to edit Master title style</a:t>
             </a:r>
-            <a:endParaRPr lang="en-US"/>
           </a:p>
         </p:txBody>
       </p:sp>
@@ -2484,7 +2481,7 @@
           <a:p>
             <a:pPr lvl="0"/>
             <a:r>
-              <a:rPr lang="en-US" smtClean="0"/>
+              <a:rPr lang="en-US"/>
               <a:t>Click to edit Master text styles</a:t>
             </a:r>
           </a:p>
@@ -2507,7 +2504,7 @@
           <a:p>
             <a:fld id="{5BCAD085-E8A6-8845-BD4E-CB4CCA059FC4}" type="datetimeFigureOut">
               <a:rPr lang="en-US" smtClean="0"/>
-              <a:t>1/27/13</a:t>
+              <a:t>12/26/25</a:t>
             </a:fld>
             <a:endParaRPr lang="en-US"/>
           </a:p>
@@ -2616,10 +2613,9 @@
           <a:lstStyle/>
           <a:p>
             <a:r>
-              <a:rPr lang="en-US" smtClean="0"/>
+              <a:rPr lang="en-US"/>
               <a:t>Click to edit Master title style</a:t>
             </a:r>
-            <a:endParaRPr lang="en-US"/>
           </a:p>
         </p:txBody>
       </p:sp>
@@ -2650,38 +2646,37 @@
           <a:p>
             <a:pPr lvl="0"/>
             <a:r>
-              <a:rPr lang="en-US" smtClean="0"/>
+              <a:rPr lang="en-US"/>
               <a:t>Click to edit Master text styles</a:t>
             </a:r>
           </a:p>
           <a:p>
             <a:pPr lvl="1"/>
             <a:r>
-              <a:rPr lang="en-US" smtClean="0"/>
+              <a:rPr lang="en-US"/>
               <a:t>Second level</a:t>
             </a:r>
           </a:p>
           <a:p>
             <a:pPr lvl="2"/>
             <a:r>
-              <a:rPr lang="en-US" smtClean="0"/>
+              <a:rPr lang="en-US"/>
               <a:t>Third level</a:t>
             </a:r>
           </a:p>
           <a:p>
             <a:pPr lvl="3"/>
             <a:r>
-              <a:rPr lang="en-US" smtClean="0"/>
+              <a:rPr lang="en-US"/>
               <a:t>Fourth level</a:t>
             </a:r>
           </a:p>
           <a:p>
             <a:pPr lvl="4"/>
             <a:r>
-              <a:rPr lang="en-US" smtClean="0"/>
+              <a:rPr lang="en-US"/>
               <a:t>Fifth level</a:t>
             </a:r>
-            <a:endParaRPr lang="en-US"/>
           </a:p>
         </p:txBody>
       </p:sp>
@@ -2720,7 +2715,7 @@
           <a:p>
             <a:fld id="{5BCAD085-E8A6-8845-BD4E-CB4CCA059FC4}" type="datetimeFigureOut">
               <a:rPr lang="en-US" smtClean="0"/>
-              <a:t>1/27/13</a:t>
+              <a:t>12/26/25</a:t>
             </a:fld>
             <a:endParaRPr lang="en-US"/>
           </a:p>
@@ -3079,7 +3074,7 @@
 </file>
 
 <file path=ppt/slides/slide1.xml><?xml version="1.0" encoding="utf-8"?>
-<p:sld xmlns:a="http://schemas.openxmlformats.org/drawingml/2006/main" xmlns:p="http://schemas.openxmlformats.org/presentationml/2006/main" xmlns:r="http://schemas.openxmlformats.org/officeDocument/2006/relationships">
+<p:sld xmlns:a="http://schemas.openxmlformats.org/drawingml/2006/main" xmlns:r="http://schemas.openxmlformats.org/officeDocument/2006/relationships" xmlns:p="http://schemas.openxmlformats.org/presentationml/2006/main">
   <p:cSld>
     <p:bg>
       <p:bgPr>
@@ -3095,7 +3090,14 @@
         <p:cNvGrpSpPr/>
         <p:nvPr/>
       </p:nvGrpSpPr>
-      <p:grpSpPr/>
+      <p:grpSpPr>
+        <a:xfrm>
+          <a:off x="0" y="0"/>
+          <a:ext cx="0" cy="0"/>
+          <a:chOff x="0" y="0"/>
+          <a:chExt cx="0" cy="0"/>
+        </a:xfrm>
+      </p:grpSpPr>
       <p:sp>
         <p:nvSpPr>
           <p:cNvPr id="2" name="TextBox 1"/>
@@ -3104,8 +3106,8 @@
         </p:nvSpPr>
         <p:spPr>
           <a:xfrm>
-            <a:off x="457200" y="182880"/>
-            <a:ext cx="9774936" cy="457200"/>
+            <a:off x="3640968" y="54985"/>
+            <a:ext cx="3406702" cy="369332"/>
           </a:xfrm>
           <a:prstGeom prst="rect">
             <a:avLst/>
@@ -3119,11 +3121,12 @@
           <a:lstStyle/>
           <a:p>
             <a:pPr algn="ctr">
-              <a:defRPr b="1" sz="1800">
+              <a:defRPr sz="1800" b="1">
                 <a:latin typeface="Emirates"/>
               </a:defRPr>
             </a:pPr>
             <a:r>
+              <a:rPr dirty="0"/>
               <a:t>INSPECTION PLAN (ON-STREAM)</a:t>
             </a:r>
           </a:p>
@@ -3131,68 +3134,248 @@
       </p:sp>
       <p:graphicFrame>
         <p:nvGraphicFramePr>
-          <p:cNvPr id="3" name="Table 2"/>
+          <p:cNvPr id="11" name="Table 10">
+            <a:extLst>
+              <a:ext uri="{FF2B5EF4-FFF2-40B4-BE49-F238E27FC236}">
+                <a16:creationId xmlns:a16="http://schemas.microsoft.com/office/drawing/2014/main" id="{37C567FF-EAFB-51D1-ED2E-E2D1D06AD7A6}"/>
+              </a:ext>
+            </a:extLst>
+          </p:cNvPr>
           <p:cNvGraphicFramePr>
             <a:graphicFrameLocks noGrp="1"/>
           </p:cNvGraphicFramePr>
-          <p:nvPr/>
+          <p:nvPr>
+            <p:extLst>
+              <p:ext uri="{D42A27DB-BD31-4B8C-83A1-F6EECF244321}">
+                <p14:modId xmlns:p14="http://schemas.microsoft.com/office/powerpoint/2010/main" val="813225769"/>
+              </p:ext>
+            </p:extLst>
+          </p:nvPr>
         </p:nvGraphicFramePr>
         <p:xfrm>
-          <a:off x="457200" y="640080"/>
-          <a:ext cx="9774936" cy="731520"/>
+          <a:off x="273554" y="424317"/>
+          <a:ext cx="10141529" cy="502920"/>
         </p:xfrm>
         <a:graphic>
           <a:graphicData uri="http://schemas.openxmlformats.org/drawingml/2006/table">
             <a:tbl>
               <a:tblPr firstRow="1" bandRow="1">
-                <a:tableStyleId>{5C22544A-7EE6-4342-B048-85BDC9FD1C3A}</a:tableStyleId>
+                <a:tableStyleId>{2D5ABB26-0587-4C30-8999-92F81FD0307C}</a:tableStyleId>
               </a:tblPr>
               <a:tblGrid>
-                <a:gridCol w="3657600"/>
-                <a:gridCol w="1828800"/>
-                <a:gridCol w="1828800"/>
-                <a:gridCol w="914400"/>
-                <a:gridCol w="1545336"/>
+                <a:gridCol w="1093022">
+                  <a:extLst>
+                    <a:ext uri="{9D8B030D-6E8A-4147-A177-3AD203B41FA5}">
+                      <a16:colId xmlns:a16="http://schemas.microsoft.com/office/drawing/2014/main" val="1775927507"/>
+                    </a:ext>
+                  </a:extLst>
+                </a:gridCol>
+                <a:gridCol w="1075173">
+                  <a:extLst>
+                    <a:ext uri="{9D8B030D-6E8A-4147-A177-3AD203B41FA5}">
+                      <a16:colId xmlns:a16="http://schemas.microsoft.com/office/drawing/2014/main" val="2407969366"/>
+                    </a:ext>
+                  </a:extLst>
+                </a:gridCol>
+                <a:gridCol w="2210638">
+                  <a:extLst>
+                    <a:ext uri="{9D8B030D-6E8A-4147-A177-3AD203B41FA5}">
+                      <a16:colId xmlns:a16="http://schemas.microsoft.com/office/drawing/2014/main" val="410764386"/>
+                    </a:ext>
+                  </a:extLst>
+                </a:gridCol>
+                <a:gridCol w="793820">
+                  <a:extLst>
+                    <a:ext uri="{9D8B030D-6E8A-4147-A177-3AD203B41FA5}">
+                      <a16:colId xmlns:a16="http://schemas.microsoft.com/office/drawing/2014/main" val="97015912"/>
+                    </a:ext>
+                  </a:extLst>
+                </a:gridCol>
+                <a:gridCol w="874206">
+                  <a:extLst>
+                    <a:ext uri="{9D8B030D-6E8A-4147-A177-3AD203B41FA5}">
+                      <a16:colId xmlns:a16="http://schemas.microsoft.com/office/drawing/2014/main" val="1587814153"/>
+                    </a:ext>
+                  </a:extLst>
+                </a:gridCol>
+                <a:gridCol w="1175657">
+                  <a:extLst>
+                    <a:ext uri="{9D8B030D-6E8A-4147-A177-3AD203B41FA5}">
+                      <a16:colId xmlns:a16="http://schemas.microsoft.com/office/drawing/2014/main" val="3710630776"/>
+                    </a:ext>
+                  </a:extLst>
+                </a:gridCol>
+                <a:gridCol w="1587640">
+                  <a:extLst>
+                    <a:ext uri="{9D8B030D-6E8A-4147-A177-3AD203B41FA5}">
+                      <a16:colId xmlns:a16="http://schemas.microsoft.com/office/drawing/2014/main" val="2869101307"/>
+                    </a:ext>
+                  </a:extLst>
+                </a:gridCol>
+                <a:gridCol w="690896">
+                  <a:extLst>
+                    <a:ext uri="{9D8B030D-6E8A-4147-A177-3AD203B41FA5}">
+                      <a16:colId xmlns:a16="http://schemas.microsoft.com/office/drawing/2014/main" val="3665611448"/>
+                    </a:ext>
+                  </a:extLst>
+                </a:gridCol>
+                <a:gridCol w="640477">
+                  <a:extLst>
+                    <a:ext uri="{9D8B030D-6E8A-4147-A177-3AD203B41FA5}">
+                      <a16:colId xmlns:a16="http://schemas.microsoft.com/office/drawing/2014/main" val="367087455"/>
+                    </a:ext>
+                  </a:extLst>
+                </a:gridCol>
               </a:tblGrid>
-              <a:tr h="365760">
-                <a:tc gridSpan="3">
+              <a:tr h="140568">
+                <a:tc rowSpan="2">
+                  <a:txBody>
+                    <a:bodyPr/>
+                    <a:lstStyle/>
+                    <a:p>
+                      <a:endParaRPr lang="en-US" sz="1050" b="1" dirty="0">
+                        <a:latin typeface="Arial" panose="020B0604020202020204" pitchFamily="34" charset="0"/>
+                        <a:cs typeface="Arial" panose="020B0604020202020204" pitchFamily="34" charset="0"/>
+                      </a:endParaRPr>
+                    </a:p>
+                  </a:txBody>
+                  <a:tcPr anchor="ctr">
+                    <a:lnL w="12700" cap="flat" cmpd="sng" algn="ctr">
+                      <a:solidFill>
+                        <a:schemeClr val="tx1"/>
+                      </a:solidFill>
+                      <a:prstDash val="solid"/>
+                      <a:round/>
+                      <a:headEnd type="none" w="med" len="med"/>
+                      <a:tailEnd type="none" w="med" len="med"/>
+                    </a:lnL>
+                    <a:lnR w="12700" cap="flat" cmpd="sng" algn="ctr">
+                      <a:solidFill>
+                        <a:schemeClr val="tx1"/>
+                      </a:solidFill>
+                      <a:prstDash val="solid"/>
+                      <a:round/>
+                      <a:headEnd type="none" w="med" len="med"/>
+                      <a:tailEnd type="none" w="med" len="med"/>
+                    </a:lnR>
+                    <a:lnT w="12700" cap="flat" cmpd="sng" algn="ctr">
+                      <a:solidFill>
+                        <a:schemeClr val="tx1"/>
+                      </a:solidFill>
+                      <a:prstDash val="solid"/>
+                      <a:round/>
+                      <a:headEnd type="none" w="med" len="med"/>
+                      <a:tailEnd type="none" w="med" len="med"/>
+                    </a:lnT>
+                    <a:lnB w="12700" cap="flat" cmpd="sng" algn="ctr">
+                      <a:solidFill>
+                        <a:schemeClr val="tx1"/>
+                      </a:solidFill>
+                      <a:prstDash val="solid"/>
+                      <a:round/>
+                      <a:headEnd type="none" w="med" len="med"/>
+                      <a:tailEnd type="none" w="med" len="med"/>
+                    </a:lnB>
+                  </a:tcPr>
+                </a:tc>
+                <a:tc gridSpan="4">
                   <a:txBody>
                     <a:bodyPr/>
                     <a:lstStyle/>
                     <a:p>
                       <a:pPr algn="ctr"/>
                       <a:r>
-                        <a:rPr sz="900" b="1">
-                          <a:latin typeface="Arial"/>
+                        <a:rPr lang="en-US" sz="1050" b="1" dirty="0">
+                          <a:latin typeface="Arial" panose="020B0604020202020204" pitchFamily="34" charset="0"/>
+                          <a:cs typeface="Arial" panose="020B0604020202020204" pitchFamily="34" charset="0"/>
                         </a:rPr>
                         <a:t>GENERAL INFORMATION</a:t>
                       </a:r>
                     </a:p>
                   </a:txBody>
+                  <a:tcPr anchor="ctr">
+                    <a:lnL w="12700" cap="flat" cmpd="sng" algn="ctr">
+                      <a:solidFill>
+                        <a:schemeClr val="tx1"/>
+                      </a:solidFill>
+                      <a:prstDash val="solid"/>
+                      <a:round/>
+                      <a:headEnd type="none" w="med" len="med"/>
+                      <a:tailEnd type="none" w="med" len="med"/>
+                    </a:lnL>
+                    <a:lnR w="12700" cap="flat" cmpd="sng" algn="ctr">
+                      <a:solidFill>
+                        <a:schemeClr val="tx1"/>
+                      </a:solidFill>
+                      <a:prstDash val="solid"/>
+                      <a:round/>
+                      <a:headEnd type="none" w="med" len="med"/>
+                      <a:tailEnd type="none" w="med" len="med"/>
+                    </a:lnR>
+                    <a:lnT w="12700" cap="flat" cmpd="sng" algn="ctr">
+                      <a:solidFill>
+                        <a:schemeClr val="tx1"/>
+                      </a:solidFill>
+                      <a:prstDash val="solid"/>
+                      <a:round/>
+                      <a:headEnd type="none" w="med" len="med"/>
+                      <a:tailEnd type="none" w="med" len="med"/>
+                    </a:lnT>
+                    <a:lnB w="12700" cap="flat" cmpd="sng" algn="ctr">
+                      <a:solidFill>
+                        <a:schemeClr val="tx1"/>
+                      </a:solidFill>
+                      <a:prstDash val="solid"/>
+                      <a:round/>
+                      <a:headEnd type="none" w="med" len="med"/>
+                      <a:tailEnd type="none" w="med" len="med"/>
+                    </a:lnB>
+                  </a:tcPr>
+                </a:tc>
+                <a:tc hMerge="1">
+                  <a:txBody>
+                    <a:bodyPr/>
+                    <a:lstStyle/>
+                    <a:p>
+                      <a:endParaRPr lang="en-US" dirty="0"/>
+                    </a:p>
+                  </a:txBody>
                   <a:tcPr>
                     <a:lnL w="12700" cap="flat" cmpd="sng" algn="ctr">
                       <a:solidFill>
-                        <a:srgbClr val="000000"/>
-                      </a:solidFill>
-                      <a:prstDash val="solid"/>
-                    </a:lnL>
-                    <a:lnR w="12700" cap="flat" cmpd="sng" algn="ctr">
-                      <a:solidFill>
-                        <a:srgbClr val="000000"/>
-                      </a:solidFill>
-                      <a:prstDash val="solid"/>
-                    </a:lnR>
-                    <a:lnT w="12700" cap="flat" cmpd="sng" algn="ctr">
-                      <a:solidFill>
-                        <a:srgbClr val="000000"/>
-                      </a:solidFill>
-                      <a:prstDash val="solid"/>
-                    </a:lnT>
-                    <a:lnB w="12700" cap="flat" cmpd="sng" algn="ctr">
-                      <a:solidFill>
-                        <a:srgbClr val="000000"/>
-                      </a:solidFill>
-                      <a:prstDash val="solid"/>
+                        <a:schemeClr val="tx1"/>
+                      </a:solidFill>
+                      <a:prstDash val="solid"/>
+                      <a:round/>
+                      <a:headEnd type="none" w="med" len="med"/>
+                      <a:tailEnd type="none" w="med" len="med"/>
+                    </a:lnL>
+                    <a:lnR w="12700" cap="flat" cmpd="sng" algn="ctr">
+                      <a:solidFill>
+                        <a:schemeClr val="tx1"/>
+                      </a:solidFill>
+                      <a:prstDash val="solid"/>
+                      <a:round/>
+                      <a:headEnd type="none" w="med" len="med"/>
+                      <a:tailEnd type="none" w="med" len="med"/>
+                    </a:lnR>
+                    <a:lnT w="12700" cap="flat" cmpd="sng" algn="ctr">
+                      <a:solidFill>
+                        <a:schemeClr val="tx1"/>
+                      </a:solidFill>
+                      <a:prstDash val="solid"/>
+                      <a:round/>
+                      <a:headEnd type="none" w="med" len="med"/>
+                      <a:tailEnd type="none" w="med" len="med"/>
+                    </a:lnT>
+                    <a:lnB w="12700" cap="flat" cmpd="sng" algn="ctr">
+                      <a:solidFill>
+                        <a:schemeClr val="tx1"/>
+                      </a:solidFill>
+                      <a:prstDash val="solid"/>
+                      <a:round/>
+                      <a:headEnd type="none" w="med" len="med"/>
+                      <a:tailEnd type="none" w="med" len="med"/>
                     </a:lnB>
                   </a:tcPr>
                 </a:tc>
@@ -3200,107 +3383,414 @@
                   <a:txBody>
                     <a:bodyPr/>
                     <a:lstStyle/>
-                    <a:p/>
-                  </a:txBody>
-                  <a:tcPr/>
+                    <a:p>
+                      <a:pPr algn="ctr"/>
+                      <a:endParaRPr lang="en-US" sz="1100" b="1" dirty="0">
+                        <a:latin typeface="Arial" panose="020B0604020202020204" pitchFamily="34" charset="0"/>
+                        <a:cs typeface="Arial" panose="020B0604020202020204" pitchFamily="34" charset="0"/>
+                      </a:endParaRPr>
+                    </a:p>
+                  </a:txBody>
+                  <a:tcPr anchor="ctr">
+                    <a:lnL w="12700" cap="flat" cmpd="sng" algn="ctr">
+                      <a:solidFill>
+                        <a:schemeClr val="tx1"/>
+                      </a:solidFill>
+                      <a:prstDash val="solid"/>
+                      <a:round/>
+                      <a:headEnd type="none" w="med" len="med"/>
+                      <a:tailEnd type="none" w="med" len="med"/>
+                    </a:lnL>
+                    <a:lnR w="12700" cap="flat" cmpd="sng" algn="ctr">
+                      <a:solidFill>
+                        <a:schemeClr val="tx1"/>
+                      </a:solidFill>
+                      <a:prstDash val="solid"/>
+                      <a:round/>
+                      <a:headEnd type="none" w="med" len="med"/>
+                      <a:tailEnd type="none" w="med" len="med"/>
+                    </a:lnR>
+                    <a:lnT w="12700" cap="flat" cmpd="sng" algn="ctr">
+                      <a:solidFill>
+                        <a:schemeClr val="tx1"/>
+                      </a:solidFill>
+                      <a:prstDash val="solid"/>
+                      <a:round/>
+                      <a:headEnd type="none" w="med" len="med"/>
+                      <a:tailEnd type="none" w="med" len="med"/>
+                    </a:lnT>
+                    <a:lnB w="12700" cap="flat" cmpd="sng" algn="ctr">
+                      <a:solidFill>
+                        <a:schemeClr val="tx1"/>
+                      </a:solidFill>
+                      <a:prstDash val="solid"/>
+                      <a:round/>
+                      <a:headEnd type="none" w="med" len="med"/>
+                      <a:tailEnd type="none" w="med" len="med"/>
+                    </a:lnB>
+                  </a:tcPr>
                 </a:tc>
                 <a:tc hMerge="1">
                   <a:txBody>
                     <a:bodyPr/>
                     <a:lstStyle/>
-                    <a:p/>
-                  </a:txBody>
-                  <a:tcPr/>
+                    <a:p>
+                      <a:pPr algn="ctr"/>
+                      <a:endParaRPr lang="en-US" sz="1100" b="1" dirty="0">
+                        <a:latin typeface="Arial" panose="020B0604020202020204" pitchFamily="34" charset="0"/>
+                        <a:cs typeface="Arial" panose="020B0604020202020204" pitchFamily="34" charset="0"/>
+                      </a:endParaRPr>
+                    </a:p>
+                  </a:txBody>
+                  <a:tcPr anchor="ctr">
+                    <a:lnL w="12700" cap="flat" cmpd="sng" algn="ctr">
+                      <a:solidFill>
+                        <a:schemeClr val="tx1"/>
+                      </a:solidFill>
+                      <a:prstDash val="solid"/>
+                      <a:round/>
+                      <a:headEnd type="none" w="med" len="med"/>
+                      <a:tailEnd type="none" w="med" len="med"/>
+                    </a:lnL>
+                    <a:lnR w="12700" cap="flat" cmpd="sng" algn="ctr">
+                      <a:solidFill>
+                        <a:schemeClr val="tx1"/>
+                      </a:solidFill>
+                      <a:prstDash val="solid"/>
+                      <a:round/>
+                      <a:headEnd type="none" w="med" len="med"/>
+                      <a:tailEnd type="none" w="med" len="med"/>
+                    </a:lnR>
+                    <a:lnT w="12700" cap="flat" cmpd="sng" algn="ctr">
+                      <a:solidFill>
+                        <a:schemeClr val="tx1"/>
+                      </a:solidFill>
+                      <a:prstDash val="solid"/>
+                      <a:round/>
+                      <a:headEnd type="none" w="med" len="med"/>
+                      <a:tailEnd type="none" w="med" len="med"/>
+                    </a:lnT>
+                    <a:lnB w="12700" cap="flat" cmpd="sng" algn="ctr">
+                      <a:solidFill>
+                        <a:schemeClr val="tx1"/>
+                      </a:solidFill>
+                      <a:prstDash val="solid"/>
+                      <a:round/>
+                      <a:headEnd type="none" w="med" len="med"/>
+                      <a:tailEnd type="none" w="med" len="med"/>
+                    </a:lnB>
+                  </a:tcPr>
+                </a:tc>
+                <a:tc>
+                  <a:txBody>
+                    <a:bodyPr/>
+                    <a:lstStyle/>
+                    <a:p>
+                      <a:r>
+                        <a:rPr lang="en-US" sz="1050" b="1" dirty="0">
+                          <a:latin typeface="Arial" panose="020B0604020202020204" pitchFamily="34" charset="0"/>
+                          <a:cs typeface="Arial" panose="020B0604020202020204" pitchFamily="34" charset="0"/>
+                        </a:rPr>
+                        <a:t>PLANT UNIT:</a:t>
+                      </a:r>
+                    </a:p>
+                  </a:txBody>
+                  <a:tcPr anchor="ctr">
+                    <a:lnL w="12700" cap="flat" cmpd="sng" algn="ctr">
+                      <a:solidFill>
+                        <a:schemeClr val="tx1"/>
+                      </a:solidFill>
+                      <a:prstDash val="solid"/>
+                      <a:round/>
+                      <a:headEnd type="none" w="med" len="med"/>
+                      <a:tailEnd type="none" w="med" len="med"/>
+                    </a:lnL>
+                    <a:lnR w="12700" cap="flat" cmpd="sng" algn="ctr">
+                      <a:solidFill>
+                        <a:schemeClr val="tx1"/>
+                      </a:solidFill>
+                      <a:prstDash val="solid"/>
+                      <a:round/>
+                      <a:headEnd type="none" w="med" len="med"/>
+                      <a:tailEnd type="none" w="med" len="med"/>
+                    </a:lnR>
+                    <a:lnT w="12700" cap="flat" cmpd="sng" algn="ctr">
+                      <a:solidFill>
+                        <a:schemeClr val="tx1"/>
+                      </a:solidFill>
+                      <a:prstDash val="solid"/>
+                      <a:round/>
+                      <a:headEnd type="none" w="med" len="med"/>
+                      <a:tailEnd type="none" w="med" len="med"/>
+                    </a:lnT>
+                    <a:lnB w="12700" cap="flat" cmpd="sng" algn="ctr">
+                      <a:solidFill>
+                        <a:schemeClr val="tx1"/>
+                      </a:solidFill>
+                      <a:prstDash val="solid"/>
+                      <a:round/>
+                      <a:headEnd type="none" w="med" len="med"/>
+                      <a:tailEnd type="none" w="med" len="med"/>
+                    </a:lnB>
+                  </a:tcPr>
                 </a:tc>
                 <a:tc gridSpan="2">
                   <a:txBody>
                     <a:bodyPr/>
                     <a:lstStyle/>
                     <a:p>
-                      <a:pPr algn="l"/>
                       <a:r>
-                        <a:rPr sz="900" b="1">
-                          <a:latin typeface="Arial"/>
+                        <a:rPr lang="en-US" sz="1050" b="0" dirty="0">
+                          <a:latin typeface="Arial" panose="020B0604020202020204" pitchFamily="34" charset="0"/>
+                          <a:cs typeface="Arial" panose="020B0604020202020204" pitchFamily="34" charset="0"/>
                         </a:rPr>
-                        <a:t>PLANT UNIT: {{UNIT}}</a:t>
+                        <a:t>{{PLANT_UNIT}}</a:t>
                       </a:r>
                     </a:p>
                   </a:txBody>
+                  <a:tcPr anchor="ctr">
+                    <a:lnL w="12700" cap="flat" cmpd="sng" algn="ctr">
+                      <a:solidFill>
+                        <a:schemeClr val="tx1"/>
+                      </a:solidFill>
+                      <a:prstDash val="solid"/>
+                      <a:round/>
+                      <a:headEnd type="none" w="med" len="med"/>
+                      <a:tailEnd type="none" w="med" len="med"/>
+                    </a:lnL>
+                    <a:lnR w="12700" cap="flat" cmpd="sng" algn="ctr">
+                      <a:solidFill>
+                        <a:schemeClr val="tx1"/>
+                      </a:solidFill>
+                      <a:prstDash val="solid"/>
+                      <a:round/>
+                      <a:headEnd type="none" w="med" len="med"/>
+                      <a:tailEnd type="none" w="med" len="med"/>
+                    </a:lnR>
+                    <a:lnT w="12700" cap="flat" cmpd="sng" algn="ctr">
+                      <a:solidFill>
+                        <a:schemeClr val="tx1"/>
+                      </a:solidFill>
+                      <a:prstDash val="solid"/>
+                      <a:round/>
+                      <a:headEnd type="none" w="med" len="med"/>
+                      <a:tailEnd type="none" w="med" len="med"/>
+                    </a:lnT>
+                    <a:lnB w="12700" cap="flat" cmpd="sng" algn="ctr">
+                      <a:solidFill>
+                        <a:schemeClr val="tx1"/>
+                      </a:solidFill>
+                      <a:prstDash val="solid"/>
+                      <a:round/>
+                      <a:headEnd type="none" w="med" len="med"/>
+                      <a:tailEnd type="none" w="med" len="med"/>
+                    </a:lnB>
+                  </a:tcPr>
+                </a:tc>
+                <a:tc hMerge="1">
+                  <a:txBody>
+                    <a:bodyPr/>
+                    <a:lstStyle/>
+                    <a:p>
+                      <a:endParaRPr lang="en-US" sz="1100" dirty="0">
+                        <a:latin typeface="Arial" panose="020B0604020202020204" pitchFamily="34" charset="0"/>
+                        <a:cs typeface="Arial" panose="020B0604020202020204" pitchFamily="34" charset="0"/>
+                      </a:endParaRPr>
+                    </a:p>
+                  </a:txBody>
+                  <a:tcPr anchor="ctr">
+                    <a:lnL w="12700" cap="flat" cmpd="sng" algn="ctr">
+                      <a:solidFill>
+                        <a:schemeClr val="tx1"/>
+                      </a:solidFill>
+                      <a:prstDash val="solid"/>
+                      <a:round/>
+                      <a:headEnd type="none" w="med" len="med"/>
+                      <a:tailEnd type="none" w="med" len="med"/>
+                    </a:lnL>
+                    <a:lnR w="12700" cap="flat" cmpd="sng" algn="ctr">
+                      <a:solidFill>
+                        <a:schemeClr val="tx1"/>
+                      </a:solidFill>
+                      <a:prstDash val="solid"/>
+                      <a:round/>
+                      <a:headEnd type="none" w="med" len="med"/>
+                      <a:tailEnd type="none" w="med" len="med"/>
+                    </a:lnR>
+                    <a:lnT w="12700" cap="flat" cmpd="sng" algn="ctr">
+                      <a:solidFill>
+                        <a:schemeClr val="tx1"/>
+                      </a:solidFill>
+                      <a:prstDash val="solid"/>
+                      <a:round/>
+                      <a:headEnd type="none" w="med" len="med"/>
+                      <a:tailEnd type="none" w="med" len="med"/>
+                    </a:lnT>
+                    <a:lnB w="12700" cap="flat" cmpd="sng" algn="ctr">
+                      <a:solidFill>
+                        <a:schemeClr val="tx1"/>
+                      </a:solidFill>
+                      <a:prstDash val="solid"/>
+                      <a:round/>
+                      <a:headEnd type="none" w="med" len="med"/>
+                      <a:tailEnd type="none" w="med" len="med"/>
+                    </a:lnB>
+                  </a:tcPr>
+                </a:tc>
+                <a:tc rowSpan="2">
+                  <a:txBody>
+                    <a:bodyPr/>
+                    <a:lstStyle/>
+                    <a:p>
+                      <a:endParaRPr lang="en-US" sz="1050" b="1" dirty="0">
+                        <a:latin typeface="Arial" panose="020B0604020202020204" pitchFamily="34" charset="0"/>
+                        <a:cs typeface="Arial" panose="020B0604020202020204" pitchFamily="34" charset="0"/>
+                      </a:endParaRPr>
+                    </a:p>
+                  </a:txBody>
+                  <a:tcPr anchor="ctr">
+                    <a:lnL w="12700" cap="flat" cmpd="sng" algn="ctr">
+                      <a:solidFill>
+                        <a:schemeClr val="tx1"/>
+                      </a:solidFill>
+                      <a:prstDash val="solid"/>
+                      <a:round/>
+                      <a:headEnd type="none" w="med" len="med"/>
+                      <a:tailEnd type="none" w="med" len="med"/>
+                    </a:lnL>
+                    <a:lnR w="12700" cap="flat" cmpd="sng" algn="ctr">
+                      <a:solidFill>
+                        <a:schemeClr val="tx1"/>
+                      </a:solidFill>
+                      <a:prstDash val="solid"/>
+                      <a:round/>
+                      <a:headEnd type="none" w="med" len="med"/>
+                      <a:tailEnd type="none" w="med" len="med"/>
+                    </a:lnR>
+                    <a:lnT w="12700" cap="flat" cmpd="sng" algn="ctr">
+                      <a:solidFill>
+                        <a:schemeClr val="tx1"/>
+                      </a:solidFill>
+                      <a:prstDash val="solid"/>
+                      <a:round/>
+                      <a:headEnd type="none" w="med" len="med"/>
+                      <a:tailEnd type="none" w="med" len="med"/>
+                    </a:lnT>
+                    <a:lnB w="12700" cap="flat" cmpd="sng" algn="ctr">
+                      <a:solidFill>
+                        <a:schemeClr val="tx1"/>
+                      </a:solidFill>
+                      <a:prstDash val="solid"/>
+                      <a:round/>
+                      <a:headEnd type="none" w="med" len="med"/>
+                      <a:tailEnd type="none" w="med" len="med"/>
+                    </a:lnB>
+                  </a:tcPr>
+                </a:tc>
+                <a:extLst>
+                  <a:ext uri="{0D108BD9-81ED-4DB2-BD59-A6C34878D82A}">
+                    <a16:rowId xmlns:a16="http://schemas.microsoft.com/office/drawing/2014/main" val="1264589487"/>
+                  </a:ext>
+                </a:extLst>
+              </a:tr>
+              <a:tr h="174565">
+                <a:tc vMerge="1">
+                  <a:txBody>
+                    <a:bodyPr/>
+                    <a:lstStyle/>
+                    <a:p>
+                      <a:endParaRPr lang="en-US" dirty="0"/>
+                    </a:p>
+                  </a:txBody>
                   <a:tcPr>
                     <a:lnL w="12700" cap="flat" cmpd="sng" algn="ctr">
                       <a:solidFill>
-                        <a:srgbClr val="000000"/>
-                      </a:solidFill>
-                      <a:prstDash val="solid"/>
-                    </a:lnL>
-                    <a:lnR w="12700" cap="flat" cmpd="sng" algn="ctr">
-                      <a:solidFill>
-                        <a:srgbClr val="000000"/>
-                      </a:solidFill>
-                      <a:prstDash val="solid"/>
-                    </a:lnR>
-                    <a:lnT w="12700" cap="flat" cmpd="sng" algn="ctr">
-                      <a:solidFill>
-                        <a:srgbClr val="000000"/>
-                      </a:solidFill>
-                      <a:prstDash val="solid"/>
-                    </a:lnT>
-                    <a:lnB w="12700" cap="flat" cmpd="sng" algn="ctr">
-                      <a:solidFill>
-                        <a:srgbClr val="000000"/>
-                      </a:solidFill>
-                      <a:prstDash val="solid"/>
-                    </a:lnB>
-                  </a:tcPr>
-                </a:tc>
-                <a:tc hMerge="1">
-                  <a:txBody>
-                    <a:bodyPr/>
-                    <a:lstStyle/>
-                    <a:p/>
-                  </a:txBody>
-                  <a:tcPr/>
-                </a:tc>
-              </a:tr>
-              <a:tr h="365760">
+                        <a:schemeClr val="tx1"/>
+                      </a:solidFill>
+                      <a:prstDash val="solid"/>
+                      <a:round/>
+                      <a:headEnd type="none" w="med" len="med"/>
+                      <a:tailEnd type="none" w="med" len="med"/>
+                    </a:lnL>
+                    <a:lnR w="12700" cap="flat" cmpd="sng" algn="ctr">
+                      <a:solidFill>
+                        <a:schemeClr val="tx1"/>
+                      </a:solidFill>
+                      <a:prstDash val="solid"/>
+                      <a:round/>
+                      <a:headEnd type="none" w="med" len="med"/>
+                      <a:tailEnd type="none" w="med" len="med"/>
+                    </a:lnR>
+                    <a:lnT w="12700" cap="flat" cmpd="sng" algn="ctr">
+                      <a:solidFill>
+                        <a:schemeClr val="tx1"/>
+                      </a:solidFill>
+                      <a:prstDash val="solid"/>
+                      <a:round/>
+                      <a:headEnd type="none" w="med" len="med"/>
+                      <a:tailEnd type="none" w="med" len="med"/>
+                    </a:lnT>
+                    <a:lnB w="12700" cap="flat" cmpd="sng" algn="ctr">
+                      <a:solidFill>
+                        <a:schemeClr val="tx1"/>
+                      </a:solidFill>
+                      <a:prstDash val="solid"/>
+                      <a:round/>
+                      <a:headEnd type="none" w="med" len="med"/>
+                      <a:tailEnd type="none" w="med" len="med"/>
+                    </a:lnB>
+                  </a:tcPr>
+                </a:tc>
                 <a:tc>
                   <a:txBody>
                     <a:bodyPr/>
                     <a:lstStyle/>
                     <a:p>
-                      <a:pPr algn="l"/>
                       <a:r>
-                        <a:rPr sz="900" b="0">
-                          <a:latin typeface="Arial"/>
+                        <a:rPr lang="en-US" sz="1050" b="1" dirty="0">
+                          <a:latin typeface="Arial" panose="020B0604020202020204" pitchFamily="34" charset="0"/>
+                          <a:cs typeface="Arial" panose="020B0604020202020204" pitchFamily="34" charset="0"/>
                         </a:rPr>
-                        <a:t>Description : {{DESC}}</a:t>
+                        <a:t>Description :</a:t>
                       </a:r>
                     </a:p>
                   </a:txBody>
-                  <a:tcPr>
-                    <a:lnL w="12700" cap="flat" cmpd="sng" algn="ctr">
-                      <a:solidFill>
-                        <a:srgbClr val="000000"/>
-                      </a:solidFill>
-                      <a:prstDash val="solid"/>
-                    </a:lnL>
-                    <a:lnR w="12700" cap="flat" cmpd="sng" algn="ctr">
-                      <a:solidFill>
-                        <a:srgbClr val="000000"/>
-                      </a:solidFill>
-                      <a:prstDash val="solid"/>
-                    </a:lnR>
-                    <a:lnT w="12700" cap="flat" cmpd="sng" algn="ctr">
-                      <a:solidFill>
-                        <a:srgbClr val="000000"/>
-                      </a:solidFill>
-                      <a:prstDash val="solid"/>
-                    </a:lnT>
-                    <a:lnB w="12700" cap="flat" cmpd="sng" algn="ctr">
-                      <a:solidFill>
-                        <a:srgbClr val="000000"/>
-                      </a:solidFill>
-                      <a:prstDash val="solid"/>
+                  <a:tcPr anchor="ctr">
+                    <a:lnL w="12700" cap="flat" cmpd="sng" algn="ctr">
+                      <a:solidFill>
+                        <a:schemeClr val="tx1"/>
+                      </a:solidFill>
+                      <a:prstDash val="solid"/>
+                      <a:round/>
+                      <a:headEnd type="none" w="med" len="med"/>
+                      <a:tailEnd type="none" w="med" len="med"/>
+                    </a:lnL>
+                    <a:lnR w="12700" cap="flat" cmpd="sng" algn="ctr">
+                      <a:solidFill>
+                        <a:schemeClr val="tx1"/>
+                      </a:solidFill>
+                      <a:prstDash val="solid"/>
+                      <a:round/>
+                      <a:headEnd type="none" w="med" len="med"/>
+                      <a:tailEnd type="none" w="med" len="med"/>
+                    </a:lnR>
+                    <a:lnT w="12700" cap="flat" cmpd="sng" algn="ctr">
+                      <a:solidFill>
+                        <a:schemeClr val="tx1"/>
+                      </a:solidFill>
+                      <a:prstDash val="solid"/>
+                      <a:round/>
+                      <a:headEnd type="none" w="med" len="med"/>
+                      <a:tailEnd type="none" w="med" len="med"/>
+                    </a:lnT>
+                    <a:lnB w="12700" cap="flat" cmpd="sng" algn="ctr">
+                      <a:solidFill>
+                        <a:schemeClr val="tx1"/>
+                      </a:solidFill>
+                      <a:prstDash val="solid"/>
+                      <a:round/>
+                      <a:headEnd type="none" w="med" len="med"/>
+                      <a:tailEnd type="none" w="med" len="med"/>
                     </a:lnB>
                   </a:tcPr>
                 </a:tc>
@@ -3309,39 +3799,51 @@
                     <a:bodyPr/>
                     <a:lstStyle/>
                     <a:p>
-                      <a:pPr algn="l"/>
                       <a:r>
-                        <a:rPr sz="900" b="0">
-                          <a:latin typeface="Arial"/>
+                        <a:rPr lang="en-US" sz="1050" b="0" dirty="0">
+                          <a:latin typeface="Arial" panose="020B0604020202020204" pitchFamily="34" charset="0"/>
+                          <a:cs typeface="Arial" panose="020B0604020202020204" pitchFamily="34" charset="0"/>
                         </a:rPr>
-                        <a:t>Tag. No : {{TAG}}</a:t>
+                        <a:t>{{DESC}}</a:t>
                       </a:r>
                     </a:p>
                   </a:txBody>
-                  <a:tcPr>
-                    <a:lnL w="12700" cap="flat" cmpd="sng" algn="ctr">
-                      <a:solidFill>
-                        <a:srgbClr val="000000"/>
-                      </a:solidFill>
-                      <a:prstDash val="solid"/>
-                    </a:lnL>
-                    <a:lnR w="12700" cap="flat" cmpd="sng" algn="ctr">
-                      <a:solidFill>
-                        <a:srgbClr val="000000"/>
-                      </a:solidFill>
-                      <a:prstDash val="solid"/>
-                    </a:lnR>
-                    <a:lnT w="12700" cap="flat" cmpd="sng" algn="ctr">
-                      <a:solidFill>
-                        <a:srgbClr val="000000"/>
-                      </a:solidFill>
-                      <a:prstDash val="solid"/>
-                    </a:lnT>
-                    <a:lnB w="12700" cap="flat" cmpd="sng" algn="ctr">
-                      <a:solidFill>
-                        <a:srgbClr val="000000"/>
-                      </a:solidFill>
-                      <a:prstDash val="solid"/>
+                  <a:tcPr anchor="ctr">
+                    <a:lnL w="12700" cap="flat" cmpd="sng" algn="ctr">
+                      <a:solidFill>
+                        <a:schemeClr val="tx1"/>
+                      </a:solidFill>
+                      <a:prstDash val="solid"/>
+                      <a:round/>
+                      <a:headEnd type="none" w="med" len="med"/>
+                      <a:tailEnd type="none" w="med" len="med"/>
+                    </a:lnL>
+                    <a:lnR w="12700" cap="flat" cmpd="sng" algn="ctr">
+                      <a:solidFill>
+                        <a:schemeClr val="tx1"/>
+                      </a:solidFill>
+                      <a:prstDash val="solid"/>
+                      <a:round/>
+                      <a:headEnd type="none" w="med" len="med"/>
+                      <a:tailEnd type="none" w="med" len="med"/>
+                    </a:lnR>
+                    <a:lnT w="12700" cap="flat" cmpd="sng" algn="ctr">
+                      <a:solidFill>
+                        <a:schemeClr val="tx1"/>
+                      </a:solidFill>
+                      <a:prstDash val="solid"/>
+                      <a:round/>
+                      <a:headEnd type="none" w="med" len="med"/>
+                      <a:tailEnd type="none" w="med" len="med"/>
+                    </a:lnT>
+                    <a:lnB w="12700" cap="flat" cmpd="sng" algn="ctr">
+                      <a:solidFill>
+                        <a:schemeClr val="tx1"/>
+                      </a:solidFill>
+                      <a:prstDash val="solid"/>
+                      <a:round/>
+                      <a:headEnd type="none" w="med" len="med"/>
+                      <a:tailEnd type="none" w="med" len="med"/>
                     </a:lnB>
                   </a:tcPr>
                 </a:tc>
@@ -3350,39 +3852,51 @@
                     <a:bodyPr/>
                     <a:lstStyle/>
                     <a:p>
-                      <a:pPr algn="l"/>
                       <a:r>
-                        <a:rPr sz="900" b="0">
-                          <a:latin typeface="Arial"/>
+                        <a:rPr lang="en-US" sz="1050" b="1" dirty="0">
+                          <a:latin typeface="Arial" panose="020B0604020202020204" pitchFamily="34" charset="0"/>
+                          <a:cs typeface="Arial" panose="020B0604020202020204" pitchFamily="34" charset="0"/>
                         </a:rPr>
-                        <a:t>PMT. No : {{PMT}}</a:t>
+                        <a:t>Tag. No : </a:t>
                       </a:r>
                     </a:p>
                   </a:txBody>
-                  <a:tcPr>
-                    <a:lnL w="12700" cap="flat" cmpd="sng" algn="ctr">
-                      <a:solidFill>
-                        <a:srgbClr val="000000"/>
-                      </a:solidFill>
-                      <a:prstDash val="solid"/>
-                    </a:lnL>
-                    <a:lnR w="12700" cap="flat" cmpd="sng" algn="ctr">
-                      <a:solidFill>
-                        <a:srgbClr val="000000"/>
-                      </a:solidFill>
-                      <a:prstDash val="solid"/>
-                    </a:lnR>
-                    <a:lnT w="12700" cap="flat" cmpd="sng" algn="ctr">
-                      <a:solidFill>
-                        <a:srgbClr val="000000"/>
-                      </a:solidFill>
-                      <a:prstDash val="solid"/>
-                    </a:lnT>
-                    <a:lnB w="12700" cap="flat" cmpd="sng" algn="ctr">
-                      <a:solidFill>
-                        <a:srgbClr val="000000"/>
-                      </a:solidFill>
-                      <a:prstDash val="solid"/>
+                  <a:tcPr anchor="ctr">
+                    <a:lnL w="12700" cap="flat" cmpd="sng" algn="ctr">
+                      <a:solidFill>
+                        <a:schemeClr val="tx1"/>
+                      </a:solidFill>
+                      <a:prstDash val="solid"/>
+                      <a:round/>
+                      <a:headEnd type="none" w="med" len="med"/>
+                      <a:tailEnd type="none" w="med" len="med"/>
+                    </a:lnL>
+                    <a:lnR w="12700" cap="flat" cmpd="sng" algn="ctr">
+                      <a:solidFill>
+                        <a:schemeClr val="tx1"/>
+                      </a:solidFill>
+                      <a:prstDash val="solid"/>
+                      <a:round/>
+                      <a:headEnd type="none" w="med" len="med"/>
+                      <a:tailEnd type="none" w="med" len="med"/>
+                    </a:lnR>
+                    <a:lnT w="12700" cap="flat" cmpd="sng" algn="ctr">
+                      <a:solidFill>
+                        <a:schemeClr val="tx1"/>
+                      </a:solidFill>
+                      <a:prstDash val="solid"/>
+                      <a:round/>
+                      <a:headEnd type="none" w="med" len="med"/>
+                      <a:tailEnd type="none" w="med" len="med"/>
+                    </a:lnT>
+                    <a:lnB w="12700" cap="flat" cmpd="sng" algn="ctr">
+                      <a:solidFill>
+                        <a:schemeClr val="tx1"/>
+                      </a:solidFill>
+                      <a:prstDash val="solid"/>
+                      <a:round/>
+                      <a:headEnd type="none" w="med" len="med"/>
+                      <a:tailEnd type="none" w="med" len="med"/>
                     </a:lnB>
                   </a:tcPr>
                 </a:tc>
@@ -3391,50 +3905,268 @@
                     <a:bodyPr/>
                     <a:lstStyle/>
                     <a:p>
-                      <a:pPr algn="ctr"/>
                       <a:r>
-                        <a:rPr sz="900" b="0">
-                          <a:latin typeface="Arial"/>
+                        <a:rPr lang="en-US" sz="1050" b="0" dirty="0">
+                          <a:latin typeface="Arial" panose="020B0604020202020204" pitchFamily="34" charset="0"/>
+                          <a:cs typeface="Arial" panose="020B0604020202020204" pitchFamily="34" charset="0"/>
+                        </a:rPr>
+                        <a:t>{{TAG}}</a:t>
+                      </a:r>
+                    </a:p>
+                  </a:txBody>
+                  <a:tcPr anchor="ctr">
+                    <a:lnL w="12700" cap="flat" cmpd="sng" algn="ctr">
+                      <a:solidFill>
+                        <a:schemeClr val="tx1"/>
+                      </a:solidFill>
+                      <a:prstDash val="solid"/>
+                      <a:round/>
+                      <a:headEnd type="none" w="med" len="med"/>
+                      <a:tailEnd type="none" w="med" len="med"/>
+                    </a:lnL>
+                    <a:lnR w="12700" cap="flat" cmpd="sng" algn="ctr">
+                      <a:solidFill>
+                        <a:schemeClr val="tx1"/>
+                      </a:solidFill>
+                      <a:prstDash val="solid"/>
+                      <a:round/>
+                      <a:headEnd type="none" w="med" len="med"/>
+                      <a:tailEnd type="none" w="med" len="med"/>
+                    </a:lnR>
+                    <a:lnT w="12700" cap="flat" cmpd="sng" algn="ctr">
+                      <a:solidFill>
+                        <a:schemeClr val="tx1"/>
+                      </a:solidFill>
+                      <a:prstDash val="solid"/>
+                      <a:round/>
+                      <a:headEnd type="none" w="med" len="med"/>
+                      <a:tailEnd type="none" w="med" len="med"/>
+                    </a:lnT>
+                    <a:lnB w="12700" cap="flat" cmpd="sng" algn="ctr">
+                      <a:solidFill>
+                        <a:schemeClr val="tx1"/>
+                      </a:solidFill>
+                      <a:prstDash val="solid"/>
+                      <a:round/>
+                      <a:headEnd type="none" w="med" len="med"/>
+                      <a:tailEnd type="none" w="med" len="med"/>
+                    </a:lnB>
+                  </a:tcPr>
+                </a:tc>
+                <a:tc>
+                  <a:txBody>
+                    <a:bodyPr/>
+                    <a:lstStyle/>
+                    <a:p>
+                      <a:r>
+                        <a:rPr lang="en-US" sz="1050" b="1" dirty="0">
+                          <a:latin typeface="Arial" panose="020B0604020202020204" pitchFamily="34" charset="0"/>
+                          <a:cs typeface="Arial" panose="020B0604020202020204" pitchFamily="34" charset="0"/>
+                        </a:rPr>
+                        <a:t>PMT No. :</a:t>
+                      </a:r>
+                    </a:p>
+                  </a:txBody>
+                  <a:tcPr anchor="ctr">
+                    <a:lnL w="12700" cap="flat" cmpd="sng" algn="ctr">
+                      <a:solidFill>
+                        <a:schemeClr val="tx1"/>
+                      </a:solidFill>
+                      <a:prstDash val="solid"/>
+                      <a:round/>
+                      <a:headEnd type="none" w="med" len="med"/>
+                      <a:tailEnd type="none" w="med" len="med"/>
+                    </a:lnL>
+                    <a:lnR w="12700" cap="flat" cmpd="sng" algn="ctr">
+                      <a:solidFill>
+                        <a:schemeClr val="tx1"/>
+                      </a:solidFill>
+                      <a:prstDash val="solid"/>
+                      <a:round/>
+                      <a:headEnd type="none" w="med" len="med"/>
+                      <a:tailEnd type="none" w="med" len="med"/>
+                    </a:lnR>
+                    <a:lnT w="12700" cap="flat" cmpd="sng" algn="ctr">
+                      <a:solidFill>
+                        <a:schemeClr val="tx1"/>
+                      </a:solidFill>
+                      <a:prstDash val="solid"/>
+                      <a:round/>
+                      <a:headEnd type="none" w="med" len="med"/>
+                      <a:tailEnd type="none" w="med" len="med"/>
+                    </a:lnT>
+                    <a:lnB w="12700" cap="flat" cmpd="sng" algn="ctr">
+                      <a:solidFill>
+                        <a:schemeClr val="tx1"/>
+                      </a:solidFill>
+                      <a:prstDash val="solid"/>
+                      <a:round/>
+                      <a:headEnd type="none" w="med" len="med"/>
+                      <a:tailEnd type="none" w="med" len="med"/>
+                    </a:lnB>
+                  </a:tcPr>
+                </a:tc>
+                <a:tc>
+                  <a:txBody>
+                    <a:bodyPr/>
+                    <a:lstStyle/>
+                    <a:p>
+                      <a:r>
+                        <a:rPr lang="en-US" sz="1050" b="0" dirty="0">
+                          <a:latin typeface="Arial" panose="020B0604020202020204" pitchFamily="34" charset="0"/>
+                          <a:cs typeface="Arial" panose="020B0604020202020204" pitchFamily="34" charset="0"/>
+                        </a:rPr>
+                        <a:t>{{PMT}}</a:t>
+                      </a:r>
+                    </a:p>
+                  </a:txBody>
+                  <a:tcPr anchor="ctr">
+                    <a:lnL w="12700" cap="flat" cmpd="sng" algn="ctr">
+                      <a:solidFill>
+                        <a:schemeClr val="tx1"/>
+                      </a:solidFill>
+                      <a:prstDash val="solid"/>
+                      <a:round/>
+                      <a:headEnd type="none" w="med" len="med"/>
+                      <a:tailEnd type="none" w="med" len="med"/>
+                    </a:lnL>
+                    <a:lnR w="12700" cap="flat" cmpd="sng" algn="ctr">
+                      <a:solidFill>
+                        <a:schemeClr val="tx1"/>
+                      </a:solidFill>
+                      <a:prstDash val="solid"/>
+                      <a:round/>
+                      <a:headEnd type="none" w="med" len="med"/>
+                      <a:tailEnd type="none" w="med" len="med"/>
+                    </a:lnR>
+                    <a:lnT w="12700" cap="flat" cmpd="sng" algn="ctr">
+                      <a:solidFill>
+                        <a:schemeClr val="tx1"/>
+                      </a:solidFill>
+                      <a:prstDash val="solid"/>
+                      <a:round/>
+                      <a:headEnd type="none" w="med" len="med"/>
+                      <a:tailEnd type="none" w="med" len="med"/>
+                    </a:lnT>
+                    <a:lnB w="12700" cap="flat" cmpd="sng" algn="ctr">
+                      <a:solidFill>
+                        <a:schemeClr val="tx1"/>
+                      </a:solidFill>
+                      <a:prstDash val="solid"/>
+                      <a:round/>
+                      <a:headEnd type="none" w="med" len="med"/>
+                      <a:tailEnd type="none" w="med" len="med"/>
+                    </a:lnB>
+                  </a:tcPr>
+                </a:tc>
+                <a:tc>
+                  <a:txBody>
+                    <a:bodyPr/>
+                    <a:lstStyle/>
+                    <a:p>
+                      <a:r>
+                        <a:rPr lang="en-US" sz="1050" b="1" dirty="0">
+                          <a:latin typeface="Arial" panose="020B0604020202020204" pitchFamily="34" charset="0"/>
+                          <a:cs typeface="Arial" panose="020B0604020202020204" pitchFamily="34" charset="0"/>
                         </a:rPr>
                         <a:t>Rev 00</a:t>
                       </a:r>
                     </a:p>
                   </a:txBody>
-                  <a:tcPr>
-                    <a:lnL w="12700" cap="flat" cmpd="sng" algn="ctr">
-                      <a:solidFill>
-                        <a:srgbClr val="000000"/>
-                      </a:solidFill>
-                      <a:prstDash val="solid"/>
-                    </a:lnL>
-                    <a:lnR w="12700" cap="flat" cmpd="sng" algn="ctr">
-                      <a:solidFill>
-                        <a:srgbClr val="000000"/>
-                      </a:solidFill>
-                      <a:prstDash val="solid"/>
-                    </a:lnR>
-                    <a:lnT w="12700" cap="flat" cmpd="sng" algn="ctr">
-                      <a:solidFill>
-                        <a:srgbClr val="000000"/>
-                      </a:solidFill>
-                      <a:prstDash val="solid"/>
-                    </a:lnT>
-                    <a:lnB w="12700" cap="flat" cmpd="sng" algn="ctr">
-                      <a:solidFill>
-                        <a:srgbClr val="000000"/>
-                      </a:solidFill>
-                      <a:prstDash val="solid"/>
-                    </a:lnB>
-                  </a:tcPr>
-                </a:tc>
-                <a:tc>
-                  <a:txBody>
-                    <a:bodyPr/>
-                    <a:lstStyle/>
-                    <a:p/>
-                  </a:txBody>
-                  <a:tcPr/>
-                </a:tc>
+                  <a:tcPr anchor="ctr">
+                    <a:lnL w="12700" cap="flat" cmpd="sng" algn="ctr">
+                      <a:solidFill>
+                        <a:schemeClr val="tx1"/>
+                      </a:solidFill>
+                      <a:prstDash val="solid"/>
+                      <a:round/>
+                      <a:headEnd type="none" w="med" len="med"/>
+                      <a:tailEnd type="none" w="med" len="med"/>
+                    </a:lnL>
+                    <a:lnR w="12700" cap="flat" cmpd="sng" algn="ctr">
+                      <a:solidFill>
+                        <a:schemeClr val="tx1"/>
+                      </a:solidFill>
+                      <a:prstDash val="solid"/>
+                      <a:round/>
+                      <a:headEnd type="none" w="med" len="med"/>
+                      <a:tailEnd type="none" w="med" len="med"/>
+                    </a:lnR>
+                    <a:lnT w="12700" cap="flat" cmpd="sng" algn="ctr">
+                      <a:solidFill>
+                        <a:schemeClr val="tx1"/>
+                      </a:solidFill>
+                      <a:prstDash val="solid"/>
+                      <a:round/>
+                      <a:headEnd type="none" w="med" len="med"/>
+                      <a:tailEnd type="none" w="med" len="med"/>
+                    </a:lnT>
+                    <a:lnB w="12700" cap="flat" cmpd="sng" algn="ctr">
+                      <a:solidFill>
+                        <a:schemeClr val="tx1"/>
+                      </a:solidFill>
+                      <a:prstDash val="solid"/>
+                      <a:round/>
+                      <a:headEnd type="none" w="med" len="med"/>
+                      <a:tailEnd type="none" w="med" len="med"/>
+                    </a:lnB>
+                  </a:tcPr>
+                </a:tc>
+                <a:tc vMerge="1">
+                  <a:txBody>
+                    <a:bodyPr/>
+                    <a:lstStyle/>
+                    <a:p>
+                      <a:endParaRPr lang="en-US" sz="1100" dirty="0">
+                        <a:latin typeface="Arial" panose="020B0604020202020204" pitchFamily="34" charset="0"/>
+                        <a:cs typeface="Arial" panose="020B0604020202020204" pitchFamily="34" charset="0"/>
+                      </a:endParaRPr>
+                    </a:p>
+                  </a:txBody>
+                  <a:tcPr anchor="ctr">
+                    <a:lnL w="12700" cap="flat" cmpd="sng" algn="ctr">
+                      <a:solidFill>
+                        <a:schemeClr val="tx1"/>
+                      </a:solidFill>
+                      <a:prstDash val="solid"/>
+                      <a:round/>
+                      <a:headEnd type="none" w="med" len="med"/>
+                      <a:tailEnd type="none" w="med" len="med"/>
+                    </a:lnL>
+                    <a:lnR w="12700" cap="flat" cmpd="sng" algn="ctr">
+                      <a:solidFill>
+                        <a:schemeClr val="tx1"/>
+                      </a:solidFill>
+                      <a:prstDash val="solid"/>
+                      <a:round/>
+                      <a:headEnd type="none" w="med" len="med"/>
+                      <a:tailEnd type="none" w="med" len="med"/>
+                    </a:lnR>
+                    <a:lnT w="12700" cap="flat" cmpd="sng" algn="ctr">
+                      <a:solidFill>
+                        <a:schemeClr val="tx1"/>
+                      </a:solidFill>
+                      <a:prstDash val="solid"/>
+                      <a:round/>
+                      <a:headEnd type="none" w="med" len="med"/>
+                      <a:tailEnd type="none" w="med" len="med"/>
+                    </a:lnT>
+                    <a:lnB w="12700" cap="flat" cmpd="sng" algn="ctr">
+                      <a:solidFill>
+                        <a:schemeClr val="tx1"/>
+                      </a:solidFill>
+                      <a:prstDash val="solid"/>
+                      <a:round/>
+                      <a:headEnd type="none" w="med" len="med"/>
+                      <a:tailEnd type="none" w="med" len="med"/>
+                    </a:lnB>
+                  </a:tcPr>
+                </a:tc>
+                <a:extLst>
+                  <a:ext uri="{0D108BD9-81ED-4DB2-BD59-A6C34878D82A}">
+                    <a16:rowId xmlns:a16="http://schemas.microsoft.com/office/drawing/2014/main" val="612456898"/>
+                  </a:ext>
+                </a:extLst>
               </a:tr>
             </a:tbl>
           </a:graphicData>
@@ -3442,7 +4174,13 @@
       </p:graphicFrame>
       <p:pic>
         <p:nvPicPr>
-          <p:cNvPr id="4" name="Picture 3" descr="ipetro-logo-transparent.png"/>
+          <p:cNvPr id="13" name="Picture 12" descr="A logo with a red triangle&#10;&#10;AI-generated content may be incorrect.">
+            <a:extLst>
+              <a:ext uri="{FF2B5EF4-FFF2-40B4-BE49-F238E27FC236}">
+                <a16:creationId xmlns:a16="http://schemas.microsoft.com/office/drawing/2014/main" id="{DB6F44E1-2D2F-B67E-D69B-79FCA538541A}"/>
+              </a:ext>
+            </a:extLst>
+          </p:cNvPr>
           <p:cNvPicPr>
             <a:picLocks noChangeAspect="1"/>
           </p:cNvPicPr>
@@ -3456,8 +4194,8 @@
         </p:blipFill>
         <p:spPr>
           <a:xfrm>
-            <a:off x="9006840" y="1042415"/>
-            <a:ext cx="960120" cy="291612"/>
+            <a:off x="9848620" y="469628"/>
+            <a:ext cx="493594" cy="412297"/>
           </a:xfrm>
           <a:prstGeom prst="rect">
             <a:avLst/>
@@ -3466,175 +4204,289 @@
       </p:pic>
       <p:graphicFrame>
         <p:nvGraphicFramePr>
-          <p:cNvPr id="5" name="Table 4"/>
+          <p:cNvPr id="14" name="Table 13">
+            <a:extLst>
+              <a:ext uri="{FF2B5EF4-FFF2-40B4-BE49-F238E27FC236}">
+                <a16:creationId xmlns:a16="http://schemas.microsoft.com/office/drawing/2014/main" id="{7D50CE3E-5005-497E-953E-6C278B0B4FEE}"/>
+              </a:ext>
+            </a:extLst>
+          </p:cNvPr>
           <p:cNvGraphicFramePr>
             <a:graphicFrameLocks noGrp="1"/>
           </p:cNvGraphicFramePr>
-          <p:nvPr/>
+          <p:nvPr>
+            <p:extLst>
+              <p:ext uri="{D42A27DB-BD31-4B8C-83A1-F6EECF244321}">
+                <p14:modId xmlns:p14="http://schemas.microsoft.com/office/powerpoint/2010/main" val="2574032587"/>
+              </p:ext>
+            </p:extLst>
+          </p:nvPr>
         </p:nvGraphicFramePr>
         <p:xfrm>
-          <a:off x="457200" y="1463040"/>
-          <a:ext cx="9774936" cy="1828800"/>
+          <a:off x="271647" y="1257241"/>
+          <a:ext cx="10141530" cy="1854200"/>
         </p:xfrm>
         <a:graphic>
           <a:graphicData uri="http://schemas.openxmlformats.org/drawingml/2006/table">
             <a:tbl>
               <a:tblPr firstRow="1" bandRow="1">
-                <a:tableStyleId>{5C22544A-7EE6-4342-B048-85BDC9FD1C3A}</a:tableStyleId>
+                <a:tableStyleId>{2D5ABB26-0587-4C30-8999-92F81FD0307C}</a:tableStyleId>
               </a:tblPr>
               <a:tblGrid>
-                <a:gridCol w="914400"/>
-                <a:gridCol w="1371600"/>
-                <a:gridCol w="1097280"/>
-                <a:gridCol w="548640"/>
-                <a:gridCol w="548640"/>
-                <a:gridCol w="548640"/>
-                <a:gridCol w="731520"/>
-                <a:gridCol w="548640"/>
-                <a:gridCol w="548640"/>
-                <a:gridCol w="914400"/>
-                <a:gridCol w="2002536"/>
+                <a:gridCol w="734534">
+                  <a:extLst>
+                    <a:ext uri="{9D8B030D-6E8A-4147-A177-3AD203B41FA5}">
+                      <a16:colId xmlns:a16="http://schemas.microsoft.com/office/drawing/2014/main" val="4076647827"/>
+                    </a:ext>
+                  </a:extLst>
+                </a:gridCol>
+                <a:gridCol w="968603">
+                  <a:extLst>
+                    <a:ext uri="{9D8B030D-6E8A-4147-A177-3AD203B41FA5}">
+                      <a16:colId xmlns:a16="http://schemas.microsoft.com/office/drawing/2014/main" val="3894136694"/>
+                    </a:ext>
+                  </a:extLst>
+                </a:gridCol>
+                <a:gridCol w="1051362">
+                  <a:extLst>
+                    <a:ext uri="{9D8B030D-6E8A-4147-A177-3AD203B41FA5}">
+                      <a16:colId xmlns:a16="http://schemas.microsoft.com/office/drawing/2014/main" val="3606681465"/>
+                    </a:ext>
+                  </a:extLst>
+                </a:gridCol>
+                <a:gridCol w="850232">
+                  <a:extLst>
+                    <a:ext uri="{9D8B030D-6E8A-4147-A177-3AD203B41FA5}">
+                      <a16:colId xmlns:a16="http://schemas.microsoft.com/office/drawing/2014/main" val="3208042906"/>
+                    </a:ext>
+                  </a:extLst>
+                </a:gridCol>
+                <a:gridCol w="905086">
+                  <a:extLst>
+                    <a:ext uri="{9D8B030D-6E8A-4147-A177-3AD203B41FA5}">
+                      <a16:colId xmlns:a16="http://schemas.microsoft.com/office/drawing/2014/main" val="269336379"/>
+                    </a:ext>
+                  </a:extLst>
+                </a:gridCol>
+                <a:gridCol w="624632">
+                  <a:extLst>
+                    <a:ext uri="{9D8B030D-6E8A-4147-A177-3AD203B41FA5}">
+                      <a16:colId xmlns:a16="http://schemas.microsoft.com/office/drawing/2014/main" val="62690874"/>
+                    </a:ext>
+                  </a:extLst>
+                </a:gridCol>
+                <a:gridCol w="990720">
+                  <a:extLst>
+                    <a:ext uri="{9D8B030D-6E8A-4147-A177-3AD203B41FA5}">
+                      <a16:colId xmlns:a16="http://schemas.microsoft.com/office/drawing/2014/main" val="1937997431"/>
+                    </a:ext>
+                  </a:extLst>
+                </a:gridCol>
+                <a:gridCol w="786878">
+                  <a:extLst>
+                    <a:ext uri="{9D8B030D-6E8A-4147-A177-3AD203B41FA5}">
+                      <a16:colId xmlns:a16="http://schemas.microsoft.com/office/drawing/2014/main" val="4121445251"/>
+                    </a:ext>
+                  </a:extLst>
+                </a:gridCol>
+                <a:gridCol w="786878">
+                  <a:extLst>
+                    <a:ext uri="{9D8B030D-6E8A-4147-A177-3AD203B41FA5}">
+                      <a16:colId xmlns:a16="http://schemas.microsoft.com/office/drawing/2014/main" val="557571755"/>
+                    </a:ext>
+                  </a:extLst>
+                </a:gridCol>
+                <a:gridCol w="1081454">
+                  <a:extLst>
+                    <a:ext uri="{9D8B030D-6E8A-4147-A177-3AD203B41FA5}">
+                      <a16:colId xmlns:a16="http://schemas.microsoft.com/office/drawing/2014/main" val="3624714411"/>
+                    </a:ext>
+                  </a:extLst>
+                </a:gridCol>
+                <a:gridCol w="1361151">
+                  <a:extLst>
+                    <a:ext uri="{9D8B030D-6E8A-4147-A177-3AD203B41FA5}">
+                      <a16:colId xmlns:a16="http://schemas.microsoft.com/office/drawing/2014/main" val="2091280081"/>
+                    </a:ext>
+                  </a:extLst>
+                </a:gridCol>
               </a:tblGrid>
-              <a:tr h="365760">
-                <a:tc rowSpan="2">
+              <a:tr h="243604">
+                <a:tc rowSpan="3">
                   <a:txBody>
                     <a:bodyPr/>
                     <a:lstStyle/>
                     <a:p>
                       <a:pPr algn="ctr"/>
                       <a:r>
-                        <a:rPr sz="900" b="1">
-                          <a:solidFill>
-                            <a:srgbClr val="000000"/>
-                          </a:solidFill>
-                          <a:latin typeface="Arial"/>
+                        <a:rPr lang="en-US" sz="900" dirty="0">
+                          <a:latin typeface="Arial" panose="020B0604020202020204" pitchFamily="34" charset="0"/>
+                          <a:cs typeface="Arial" panose="020B0604020202020204" pitchFamily="34" charset="0"/>
                         </a:rPr>
                         <a:t>FLUID</a:t>
                       </a:r>
                     </a:p>
                   </a:txBody>
-                  <a:tcPr>
+                  <a:tcPr anchor="ctr">
+                    <a:lnL w="12700" cap="flat" cmpd="sng" algn="ctr">
+                      <a:solidFill>
+                        <a:schemeClr val="tx1"/>
+                      </a:solidFill>
+                      <a:prstDash val="solid"/>
+                      <a:round/>
+                      <a:headEnd type="none" w="med" len="med"/>
+                      <a:tailEnd type="none" w="med" len="med"/>
+                    </a:lnL>
+                    <a:lnR w="12700" cap="flat" cmpd="sng" algn="ctr">
+                      <a:solidFill>
+                        <a:schemeClr val="tx1"/>
+                      </a:solidFill>
+                      <a:prstDash val="solid"/>
+                      <a:round/>
+                      <a:headEnd type="none" w="med" len="med"/>
+                      <a:tailEnd type="none" w="med" len="med"/>
+                    </a:lnR>
+                    <a:lnT w="12700" cap="flat" cmpd="sng" algn="ctr">
+                      <a:solidFill>
+                        <a:schemeClr val="tx1"/>
+                      </a:solidFill>
+                      <a:prstDash val="solid"/>
+                      <a:round/>
+                      <a:headEnd type="none" w="med" len="med"/>
+                      <a:tailEnd type="none" w="med" len="med"/>
+                    </a:lnT>
+                    <a:lnB w="12700" cap="flat" cmpd="sng" algn="ctr">
+                      <a:solidFill>
+                        <a:schemeClr val="tx1"/>
+                      </a:solidFill>
+                      <a:prstDash val="solid"/>
+                      <a:round/>
+                      <a:headEnd type="none" w="med" len="med"/>
+                      <a:tailEnd type="none" w="med" len="med"/>
+                    </a:lnB>
                     <a:solidFill>
-                      <a:srgbClr val="D9D9D9"/>
+                      <a:schemeClr val="bg1">
+                        <a:lumMod val="75000"/>
+                      </a:schemeClr>
                     </a:solidFill>
-                    <a:lnL w="12700" cap="flat" cmpd="sng" algn="ctr">
-                      <a:solidFill>
-                        <a:srgbClr val="000000"/>
-                      </a:solidFill>
-                      <a:prstDash val="solid"/>
-                    </a:lnL>
-                    <a:lnR w="12700" cap="flat" cmpd="sng" algn="ctr">
-                      <a:solidFill>
-                        <a:srgbClr val="000000"/>
-                      </a:solidFill>
-                      <a:prstDash val="solid"/>
-                    </a:lnR>
-                    <a:lnT w="12700" cap="flat" cmpd="sng" algn="ctr">
-                      <a:solidFill>
-                        <a:srgbClr val="000000"/>
-                      </a:solidFill>
-                      <a:prstDash val="solid"/>
-                    </a:lnT>
-                    <a:lnB w="12700" cap="flat" cmpd="sng" algn="ctr">
-                      <a:solidFill>
-                        <a:srgbClr val="000000"/>
-                      </a:solidFill>
-                      <a:prstDash val="solid"/>
-                    </a:lnB>
-                  </a:tcPr>
-                </a:tc>
-                <a:tc rowSpan="2">
+                  </a:tcPr>
+                </a:tc>
+                <a:tc rowSpan="3">
                   <a:txBody>
                     <a:bodyPr/>
                     <a:lstStyle/>
                     <a:p>
                       <a:pPr algn="ctr"/>
                       <a:r>
-                        <a:rPr sz="900" b="1">
-                          <a:solidFill>
-                            <a:srgbClr val="000000"/>
-                          </a:solidFill>
-                          <a:latin typeface="Arial"/>
+                        <a:rPr lang="en-US" sz="900" dirty="0">
+                          <a:latin typeface="Arial" panose="020B0604020202020204" pitchFamily="34" charset="0"/>
+                          <a:cs typeface="Arial" panose="020B0604020202020204" pitchFamily="34" charset="0"/>
                         </a:rPr>
                         <a:t>COMPONENT</a:t>
                       </a:r>
                     </a:p>
                   </a:txBody>
-                  <a:tcPr>
+                  <a:tcPr anchor="ctr">
+                    <a:lnL w="12700" cap="flat" cmpd="sng" algn="ctr">
+                      <a:solidFill>
+                        <a:schemeClr val="tx1"/>
+                      </a:solidFill>
+                      <a:prstDash val="solid"/>
+                      <a:round/>
+                      <a:headEnd type="none" w="med" len="med"/>
+                      <a:tailEnd type="none" w="med" len="med"/>
+                    </a:lnL>
+                    <a:lnR w="12700" cap="flat" cmpd="sng" algn="ctr">
+                      <a:solidFill>
+                        <a:schemeClr val="tx1"/>
+                      </a:solidFill>
+                      <a:prstDash val="solid"/>
+                      <a:round/>
+                      <a:headEnd type="none" w="med" len="med"/>
+                      <a:tailEnd type="none" w="med" len="med"/>
+                    </a:lnR>
+                    <a:lnT w="12700" cap="flat" cmpd="sng" algn="ctr">
+                      <a:solidFill>
+                        <a:schemeClr val="tx1"/>
+                      </a:solidFill>
+                      <a:prstDash val="solid"/>
+                      <a:round/>
+                      <a:headEnd type="none" w="med" len="med"/>
+                      <a:tailEnd type="none" w="med" len="med"/>
+                    </a:lnT>
+                    <a:lnB w="12700" cap="flat" cmpd="sng" algn="ctr">
+                      <a:solidFill>
+                        <a:schemeClr val="tx1"/>
+                      </a:solidFill>
+                      <a:prstDash val="solid"/>
+                      <a:round/>
+                      <a:headEnd type="none" w="med" len="med"/>
+                      <a:tailEnd type="none" w="med" len="med"/>
+                    </a:lnB>
                     <a:solidFill>
-                      <a:srgbClr val="D9D9D9"/>
+                      <a:schemeClr val="bg1">
+                        <a:lumMod val="75000"/>
+                      </a:schemeClr>
                     </a:solidFill>
-                    <a:lnL w="12700" cap="flat" cmpd="sng" algn="ctr">
-                      <a:solidFill>
-                        <a:srgbClr val="000000"/>
-                      </a:solidFill>
-                      <a:prstDash val="solid"/>
-                    </a:lnL>
-                    <a:lnR w="12700" cap="flat" cmpd="sng" algn="ctr">
-                      <a:solidFill>
-                        <a:srgbClr val="000000"/>
-                      </a:solidFill>
-                      <a:prstDash val="solid"/>
-                    </a:lnR>
-                    <a:lnT w="12700" cap="flat" cmpd="sng" algn="ctr">
-                      <a:solidFill>
-                        <a:srgbClr val="000000"/>
-                      </a:solidFill>
-                      <a:prstDash val="solid"/>
-                    </a:lnT>
-                    <a:lnB w="12700" cap="flat" cmpd="sng" algn="ctr">
-                      <a:solidFill>
-                        <a:srgbClr val="000000"/>
-                      </a:solidFill>
-                      <a:prstDash val="solid"/>
-                    </a:lnB>
-                  </a:tcPr>
-                </a:tc>
-                <a:tc rowSpan="2">
+                  </a:tcPr>
+                </a:tc>
+                <a:tc rowSpan="3">
                   <a:txBody>
                     <a:bodyPr/>
                     <a:lstStyle/>
                     <a:p>
                       <a:pPr algn="ctr"/>
                       <a:r>
-                        <a:rPr sz="900" b="1">
-                          <a:solidFill>
-                            <a:srgbClr val="000000"/>
-                          </a:solidFill>
-                          <a:latin typeface="Arial"/>
+                        <a:rPr lang="en-US" sz="900" dirty="0">
+                          <a:latin typeface="Arial" panose="020B0604020202020204" pitchFamily="34" charset="0"/>
+                          <a:cs typeface="Arial" panose="020B0604020202020204" pitchFamily="34" charset="0"/>
                         </a:rPr>
                         <a:t>DESIGN CODE</a:t>
                       </a:r>
                     </a:p>
                   </a:txBody>
-                  <a:tcPr>
+                  <a:tcPr anchor="ctr">
+                    <a:lnL w="12700" cap="flat" cmpd="sng" algn="ctr">
+                      <a:solidFill>
+                        <a:schemeClr val="tx1"/>
+                      </a:solidFill>
+                      <a:prstDash val="solid"/>
+                      <a:round/>
+                      <a:headEnd type="none" w="med" len="med"/>
+                      <a:tailEnd type="none" w="med" len="med"/>
+                    </a:lnL>
+                    <a:lnR w="12700" cap="flat" cmpd="sng" algn="ctr">
+                      <a:solidFill>
+                        <a:schemeClr val="tx1"/>
+                      </a:solidFill>
+                      <a:prstDash val="solid"/>
+                      <a:round/>
+                      <a:headEnd type="none" w="med" len="med"/>
+                      <a:tailEnd type="none" w="med" len="med"/>
+                    </a:lnR>
+                    <a:lnT w="12700" cap="flat" cmpd="sng" algn="ctr">
+                      <a:solidFill>
+                        <a:schemeClr val="tx1"/>
+                      </a:solidFill>
+                      <a:prstDash val="solid"/>
+                      <a:round/>
+                      <a:headEnd type="none" w="med" len="med"/>
+                      <a:tailEnd type="none" w="med" len="med"/>
+                    </a:lnT>
+                    <a:lnB w="12700" cap="flat" cmpd="sng" algn="ctr">
+                      <a:solidFill>
+                        <a:schemeClr val="tx1"/>
+                      </a:solidFill>
+                      <a:prstDash val="solid"/>
+                      <a:round/>
+                      <a:headEnd type="none" w="med" len="med"/>
+                      <a:tailEnd type="none" w="med" len="med"/>
+                    </a:lnB>
                     <a:solidFill>
-                      <a:srgbClr val="D9D9D9"/>
+                      <a:schemeClr val="bg1">
+                        <a:lumMod val="75000"/>
+                      </a:schemeClr>
                     </a:solidFill>
-                    <a:lnL w="12700" cap="flat" cmpd="sng" algn="ctr">
-                      <a:solidFill>
-                        <a:srgbClr val="000000"/>
-                      </a:solidFill>
-                      <a:prstDash val="solid"/>
-                    </a:lnL>
-                    <a:lnR w="12700" cap="flat" cmpd="sng" algn="ctr">
-                      <a:solidFill>
-                        <a:srgbClr val="000000"/>
-                      </a:solidFill>
-                      <a:prstDash val="solid"/>
-                    </a:lnR>
-                    <a:lnT w="12700" cap="flat" cmpd="sng" algn="ctr">
-                      <a:solidFill>
-                        <a:srgbClr val="000000"/>
-                      </a:solidFill>
-                      <a:prstDash val="solid"/>
-                    </a:lnT>
-                    <a:lnB w="12700" cap="flat" cmpd="sng" algn="ctr">
-                      <a:solidFill>
-                        <a:srgbClr val="000000"/>
-                      </a:solidFill>
-                      <a:prstDash val="solid"/>
-                    </a:lnB>
                   </a:tcPr>
                 </a:tc>
                 <a:tc gridSpan="3">
@@ -3644,325 +4496,466 @@
                     <a:p>
                       <a:pPr algn="ctr"/>
                       <a:r>
-                        <a:rPr sz="900" b="1">
-                          <a:solidFill>
-                            <a:srgbClr val="000000"/>
-                          </a:solidFill>
-                          <a:latin typeface="Arial"/>
+                        <a:rPr lang="en-US" sz="900" dirty="0">
+                          <a:latin typeface="Arial" panose="020B0604020202020204" pitchFamily="34" charset="0"/>
+                          <a:cs typeface="Arial" panose="020B0604020202020204" pitchFamily="34" charset="0"/>
                         </a:rPr>
                         <a:t>MATERIAL</a:t>
                       </a:r>
                     </a:p>
                   </a:txBody>
-                  <a:tcPr>
+                  <a:tcPr anchor="ctr">
+                    <a:lnL w="12700" cap="flat" cmpd="sng" algn="ctr">
+                      <a:solidFill>
+                        <a:schemeClr val="tx1"/>
+                      </a:solidFill>
+                      <a:prstDash val="solid"/>
+                      <a:round/>
+                      <a:headEnd type="none" w="med" len="med"/>
+                      <a:tailEnd type="none" w="med" len="med"/>
+                    </a:lnL>
+                    <a:lnR w="12700" cap="flat" cmpd="sng" algn="ctr">
+                      <a:solidFill>
+                        <a:schemeClr val="tx1"/>
+                      </a:solidFill>
+                      <a:prstDash val="solid"/>
+                      <a:round/>
+                      <a:headEnd type="none" w="med" len="med"/>
+                      <a:tailEnd type="none" w="med" len="med"/>
+                    </a:lnR>
+                    <a:lnT w="12700" cap="flat" cmpd="sng" algn="ctr">
+                      <a:solidFill>
+                        <a:schemeClr val="tx1"/>
+                      </a:solidFill>
+                      <a:prstDash val="solid"/>
+                      <a:round/>
+                      <a:headEnd type="none" w="med" len="med"/>
+                      <a:tailEnd type="none" w="med" len="med"/>
+                    </a:lnT>
+                    <a:lnB w="12700" cap="flat" cmpd="sng" algn="ctr">
+                      <a:solidFill>
+                        <a:schemeClr val="tx1"/>
+                      </a:solidFill>
+                      <a:prstDash val="solid"/>
+                      <a:round/>
+                      <a:headEnd type="none" w="med" len="med"/>
+                      <a:tailEnd type="none" w="med" len="med"/>
+                    </a:lnB>
                     <a:solidFill>
-                      <a:srgbClr val="D9D9D9"/>
+                      <a:schemeClr val="bg1">
+                        <a:lumMod val="75000"/>
+                      </a:schemeClr>
                     </a:solidFill>
-                    <a:lnL w="12700" cap="flat" cmpd="sng" algn="ctr">
-                      <a:solidFill>
-                        <a:srgbClr val="000000"/>
-                      </a:solidFill>
-                      <a:prstDash val="solid"/>
-                    </a:lnL>
-                    <a:lnR w="12700" cap="flat" cmpd="sng" algn="ctr">
-                      <a:solidFill>
-                        <a:srgbClr val="000000"/>
-                      </a:solidFill>
-                      <a:prstDash val="solid"/>
-                    </a:lnR>
-                    <a:lnT w="12700" cap="flat" cmpd="sng" algn="ctr">
-                      <a:solidFill>
-                        <a:srgbClr val="000000"/>
-                      </a:solidFill>
-                      <a:prstDash val="solid"/>
-                    </a:lnT>
-                    <a:lnB w="12700" cap="flat" cmpd="sng" algn="ctr">
-                      <a:solidFill>
-                        <a:srgbClr val="000000"/>
-                      </a:solidFill>
-                      <a:prstDash val="solid"/>
-                    </a:lnB>
                   </a:tcPr>
                 </a:tc>
                 <a:tc hMerge="1">
                   <a:txBody>
                     <a:bodyPr/>
                     <a:lstStyle/>
-                    <a:p/>
-                  </a:txBody>
-                  <a:tcPr/>
+                    <a:p>
+                      <a:pPr algn="ctr"/>
+                      <a:endParaRPr lang="en-US" sz="1000" dirty="0">
+                        <a:latin typeface="Arial" panose="020B0604020202020204" pitchFamily="34" charset="0"/>
+                        <a:cs typeface="Arial" panose="020B0604020202020204" pitchFamily="34" charset="0"/>
+                      </a:endParaRPr>
+                    </a:p>
+                  </a:txBody>
+                  <a:tcPr anchor="ctr">
+                    <a:lnL w="12700" cap="flat" cmpd="sng" algn="ctr">
+                      <a:solidFill>
+                        <a:schemeClr val="tx1"/>
+                      </a:solidFill>
+                      <a:prstDash val="solid"/>
+                      <a:round/>
+                      <a:headEnd type="none" w="med" len="med"/>
+                      <a:tailEnd type="none" w="med" len="med"/>
+                    </a:lnL>
+                    <a:lnR w="12700" cap="flat" cmpd="sng" algn="ctr">
+                      <a:solidFill>
+                        <a:schemeClr val="tx1"/>
+                      </a:solidFill>
+                      <a:prstDash val="solid"/>
+                      <a:round/>
+                      <a:headEnd type="none" w="med" len="med"/>
+                      <a:tailEnd type="none" w="med" len="med"/>
+                    </a:lnR>
+                    <a:lnT w="12700" cap="flat" cmpd="sng" algn="ctr">
+                      <a:solidFill>
+                        <a:schemeClr val="tx1"/>
+                      </a:solidFill>
+                      <a:prstDash val="solid"/>
+                      <a:round/>
+                      <a:headEnd type="none" w="med" len="med"/>
+                      <a:tailEnd type="none" w="med" len="med"/>
+                    </a:lnT>
+                    <a:lnB w="12700" cap="flat" cmpd="sng" algn="ctr">
+                      <a:solidFill>
+                        <a:schemeClr val="tx1"/>
+                      </a:solidFill>
+                      <a:prstDash val="solid"/>
+                      <a:round/>
+                      <a:headEnd type="none" w="med" len="med"/>
+                      <a:tailEnd type="none" w="med" len="med"/>
+                    </a:lnB>
+                  </a:tcPr>
                 </a:tc>
                 <a:tc hMerge="1">
                   <a:txBody>
                     <a:bodyPr/>
                     <a:lstStyle/>
-                    <a:p/>
-                  </a:txBody>
-                  <a:tcPr/>
-                </a:tc>
-                <a:tc rowSpan="2">
+                    <a:p>
+                      <a:pPr algn="ctr"/>
+                      <a:endParaRPr lang="en-US" sz="1000" dirty="0">
+                        <a:latin typeface="Arial" panose="020B0604020202020204" pitchFamily="34" charset="0"/>
+                        <a:cs typeface="Arial" panose="020B0604020202020204" pitchFamily="34" charset="0"/>
+                      </a:endParaRPr>
+                    </a:p>
+                  </a:txBody>
+                  <a:tcPr anchor="ctr">
+                    <a:lnL w="12700" cap="flat" cmpd="sng" algn="ctr">
+                      <a:solidFill>
+                        <a:schemeClr val="tx1"/>
+                      </a:solidFill>
+                      <a:prstDash val="solid"/>
+                      <a:round/>
+                      <a:headEnd type="none" w="med" len="med"/>
+                      <a:tailEnd type="none" w="med" len="med"/>
+                    </a:lnL>
+                    <a:lnR w="12700" cap="flat" cmpd="sng" algn="ctr">
+                      <a:solidFill>
+                        <a:schemeClr val="tx1"/>
+                      </a:solidFill>
+                      <a:prstDash val="solid"/>
+                      <a:round/>
+                      <a:headEnd type="none" w="med" len="med"/>
+                      <a:tailEnd type="none" w="med" len="med"/>
+                    </a:lnR>
+                    <a:lnT w="12700" cap="flat" cmpd="sng" algn="ctr">
+                      <a:solidFill>
+                        <a:schemeClr val="tx1"/>
+                      </a:solidFill>
+                      <a:prstDash val="solid"/>
+                      <a:round/>
+                      <a:headEnd type="none" w="med" len="med"/>
+                      <a:tailEnd type="none" w="med" len="med"/>
+                    </a:lnT>
+                    <a:lnB w="12700" cap="flat" cmpd="sng" algn="ctr">
+                      <a:solidFill>
+                        <a:schemeClr val="tx1"/>
+                      </a:solidFill>
+                      <a:prstDash val="solid"/>
+                      <a:round/>
+                      <a:headEnd type="none" w="med" len="med"/>
+                      <a:tailEnd type="none" w="med" len="med"/>
+                    </a:lnB>
+                  </a:tcPr>
+                </a:tc>
+                <a:tc rowSpan="3">
                   <a:txBody>
                     <a:bodyPr/>
                     <a:lstStyle/>
                     <a:p>
                       <a:pPr algn="ctr"/>
                       <a:r>
-                        <a:rPr sz="900" b="1">
-                          <a:solidFill>
-                            <a:srgbClr val="000000"/>
-                          </a:solidFill>
-                          <a:latin typeface="Arial"/>
+                        <a:rPr lang="en-US" sz="900" dirty="0">
+                          <a:latin typeface="Arial" panose="020B0604020202020204" pitchFamily="34" charset="0"/>
+                          <a:cs typeface="Arial" panose="020B0604020202020204" pitchFamily="34" charset="0"/>
                         </a:rPr>
-                        <a:t>INSULATED</a:t>
+                        <a:t>INSULATED </a:t>
                       </a:r>
                     </a:p>
                     <a:p>
                       <a:pPr algn="ctr"/>
                       <a:r>
-                        <a:rPr sz="900" b="1">
-                          <a:solidFill>
-                            <a:srgbClr val="000000"/>
-                          </a:solidFill>
-                          <a:latin typeface="Arial"/>
+                        <a:rPr lang="en-US" sz="900" dirty="0">
+                          <a:latin typeface="Arial" panose="020B0604020202020204" pitchFamily="34" charset="0"/>
+                          <a:cs typeface="Arial" panose="020B0604020202020204" pitchFamily="34" charset="0"/>
                         </a:rPr>
                         <a:t>(Y/N)</a:t>
                       </a:r>
                     </a:p>
                   </a:txBody>
-                  <a:tcPr>
+                  <a:tcPr anchor="ctr">
+                    <a:lnL w="12700" cap="flat" cmpd="sng" algn="ctr">
+                      <a:solidFill>
+                        <a:schemeClr val="tx1"/>
+                      </a:solidFill>
+                      <a:prstDash val="solid"/>
+                      <a:round/>
+                      <a:headEnd type="none" w="med" len="med"/>
+                      <a:tailEnd type="none" w="med" len="med"/>
+                    </a:lnL>
+                    <a:lnR w="12700" cap="flat" cmpd="sng" algn="ctr">
+                      <a:solidFill>
+                        <a:schemeClr val="tx1"/>
+                      </a:solidFill>
+                      <a:prstDash val="solid"/>
+                      <a:round/>
+                      <a:headEnd type="none" w="med" len="med"/>
+                      <a:tailEnd type="none" w="med" len="med"/>
+                    </a:lnR>
+                    <a:lnT w="12700" cap="flat" cmpd="sng" algn="ctr">
+                      <a:solidFill>
+                        <a:schemeClr val="tx1"/>
+                      </a:solidFill>
+                      <a:prstDash val="solid"/>
+                      <a:round/>
+                      <a:headEnd type="none" w="med" len="med"/>
+                      <a:tailEnd type="none" w="med" len="med"/>
+                    </a:lnT>
+                    <a:lnB w="12700" cap="flat" cmpd="sng" algn="ctr">
+                      <a:solidFill>
+                        <a:schemeClr val="tx1"/>
+                      </a:solidFill>
+                      <a:prstDash val="solid"/>
+                      <a:round/>
+                      <a:headEnd type="none" w="med" len="med"/>
+                      <a:tailEnd type="none" w="med" len="med"/>
+                    </a:lnB>
                     <a:solidFill>
-                      <a:srgbClr val="D9D9D9"/>
+                      <a:schemeClr val="bg1">
+                        <a:lumMod val="75000"/>
+                      </a:schemeClr>
                     </a:solidFill>
-                    <a:lnL w="12700" cap="flat" cmpd="sng" algn="ctr">
-                      <a:solidFill>
-                        <a:srgbClr val="000000"/>
-                      </a:solidFill>
-                      <a:prstDash val="solid"/>
-                    </a:lnL>
-                    <a:lnR w="12700" cap="flat" cmpd="sng" algn="ctr">
-                      <a:solidFill>
-                        <a:srgbClr val="000000"/>
-                      </a:solidFill>
-                      <a:prstDash val="solid"/>
-                    </a:lnR>
-                    <a:lnT w="12700" cap="flat" cmpd="sng" algn="ctr">
-                      <a:solidFill>
-                        <a:srgbClr val="000000"/>
-                      </a:solidFill>
-                      <a:prstDash val="solid"/>
-                    </a:lnT>
-                    <a:lnB w="12700" cap="flat" cmpd="sng" algn="ctr">
-                      <a:solidFill>
-                        <a:srgbClr val="000000"/>
-                      </a:solidFill>
-                      <a:prstDash val="solid"/>
-                    </a:lnB>
-                  </a:tcPr>
-                </a:tc>
-                <a:tc gridSpan="2">
+                  </a:tcPr>
+                </a:tc>
+                <a:tc rowSpan="2" gridSpan="2">
                   <a:txBody>
                     <a:bodyPr/>
                     <a:lstStyle/>
                     <a:p>
                       <a:pPr algn="ctr"/>
                       <a:r>
-                        <a:rPr sz="900" b="1">
-                          <a:solidFill>
-                            <a:srgbClr val="000000"/>
-                          </a:solidFill>
-                          <a:latin typeface="Arial"/>
+                        <a:rPr lang="en-US" sz="900" dirty="0">
+                          <a:latin typeface="Arial" panose="020B0604020202020204" pitchFamily="34" charset="0"/>
+                          <a:cs typeface="Arial" panose="020B0604020202020204" pitchFamily="34" charset="0"/>
                         </a:rPr>
                         <a:t>OP. PARAMETER</a:t>
                       </a:r>
                     </a:p>
                   </a:txBody>
-                  <a:tcPr>
+                  <a:tcPr anchor="ctr">
+                    <a:lnL w="12700" cap="flat" cmpd="sng" algn="ctr">
+                      <a:solidFill>
+                        <a:schemeClr val="tx1"/>
+                      </a:solidFill>
+                      <a:prstDash val="solid"/>
+                      <a:round/>
+                      <a:headEnd type="none" w="med" len="med"/>
+                      <a:tailEnd type="none" w="med" len="med"/>
+                    </a:lnL>
+                    <a:lnR w="12700" cap="flat" cmpd="sng" algn="ctr">
+                      <a:solidFill>
+                        <a:schemeClr val="tx1"/>
+                      </a:solidFill>
+                      <a:prstDash val="solid"/>
+                      <a:round/>
+                      <a:headEnd type="none" w="med" len="med"/>
+                      <a:tailEnd type="none" w="med" len="med"/>
+                    </a:lnR>
+                    <a:lnT w="12700" cap="flat" cmpd="sng" algn="ctr">
+                      <a:solidFill>
+                        <a:schemeClr val="tx1"/>
+                      </a:solidFill>
+                      <a:prstDash val="solid"/>
+                      <a:round/>
+                      <a:headEnd type="none" w="med" len="med"/>
+                      <a:tailEnd type="none" w="med" len="med"/>
+                    </a:lnT>
+                    <a:lnB w="12700" cap="flat" cmpd="sng" algn="ctr">
+                      <a:solidFill>
+                        <a:schemeClr val="tx1"/>
+                      </a:solidFill>
+                      <a:prstDash val="solid"/>
+                      <a:round/>
+                      <a:headEnd type="none" w="med" len="med"/>
+                      <a:tailEnd type="none" w="med" len="med"/>
+                    </a:lnB>
                     <a:solidFill>
-                      <a:srgbClr val="D9D9D9"/>
+                      <a:schemeClr val="bg1">
+                        <a:lumMod val="75000"/>
+                      </a:schemeClr>
                     </a:solidFill>
-                    <a:lnL w="12700" cap="flat" cmpd="sng" algn="ctr">
-                      <a:solidFill>
-                        <a:srgbClr val="000000"/>
-                      </a:solidFill>
-                      <a:prstDash val="solid"/>
-                    </a:lnL>
-                    <a:lnR w="12700" cap="flat" cmpd="sng" algn="ctr">
-                      <a:solidFill>
-                        <a:srgbClr val="000000"/>
-                      </a:solidFill>
-                      <a:prstDash val="solid"/>
-                    </a:lnR>
-                    <a:lnT w="12700" cap="flat" cmpd="sng" algn="ctr">
-                      <a:solidFill>
-                        <a:srgbClr val="000000"/>
-                      </a:solidFill>
-                      <a:prstDash val="solid"/>
-                    </a:lnT>
-                    <a:lnB w="12700" cap="flat" cmpd="sng" algn="ctr">
-                      <a:solidFill>
-                        <a:srgbClr val="000000"/>
-                      </a:solidFill>
-                      <a:prstDash val="solid"/>
-                    </a:lnB>
-                  </a:tcPr>
-                </a:tc>
-                <a:tc hMerge="1">
-                  <a:txBody>
-                    <a:bodyPr/>
-                    <a:lstStyle/>
-                    <a:p/>
-                  </a:txBody>
-                  <a:tcPr/>
-                </a:tc>
-                <a:tc rowSpan="2">
+                  </a:tcPr>
+                </a:tc>
+                <a:tc rowSpan="2" hMerge="1">
+                  <a:txBody>
+                    <a:bodyPr/>
+                    <a:lstStyle/>
+                    <a:p>
+                      <a:pPr algn="ctr"/>
+                      <a:endParaRPr lang="en-US" sz="1000" dirty="0">
+                        <a:latin typeface="Arial" panose="020B0604020202020204" pitchFamily="34" charset="0"/>
+                        <a:cs typeface="Arial" panose="020B0604020202020204" pitchFamily="34" charset="0"/>
+                      </a:endParaRPr>
+                    </a:p>
+                  </a:txBody>
+                  <a:tcPr anchor="ctr">
+                    <a:lnL w="12700" cap="flat" cmpd="sng" algn="ctr">
+                      <a:solidFill>
+                        <a:schemeClr val="tx1"/>
+                      </a:solidFill>
+                      <a:prstDash val="solid"/>
+                      <a:round/>
+                      <a:headEnd type="none" w="med" len="med"/>
+                      <a:tailEnd type="none" w="med" len="med"/>
+                    </a:lnL>
+                    <a:lnR w="12700" cap="flat" cmpd="sng" algn="ctr">
+                      <a:solidFill>
+                        <a:schemeClr val="tx1"/>
+                      </a:solidFill>
+                      <a:prstDash val="solid"/>
+                      <a:round/>
+                      <a:headEnd type="none" w="med" len="med"/>
+                      <a:tailEnd type="none" w="med" len="med"/>
+                    </a:lnR>
+                    <a:lnT w="12700" cap="flat" cmpd="sng" algn="ctr">
+                      <a:solidFill>
+                        <a:schemeClr val="tx1"/>
+                      </a:solidFill>
+                      <a:prstDash val="solid"/>
+                      <a:round/>
+                      <a:headEnd type="none" w="med" len="med"/>
+                      <a:tailEnd type="none" w="med" len="med"/>
+                    </a:lnT>
+                    <a:lnB w="12700" cap="flat" cmpd="sng" algn="ctr">
+                      <a:solidFill>
+                        <a:schemeClr val="tx1"/>
+                      </a:solidFill>
+                      <a:prstDash val="solid"/>
+                      <a:round/>
+                      <a:headEnd type="none" w="med" len="med"/>
+                      <a:tailEnd type="none" w="med" len="med"/>
+                    </a:lnB>
+                  </a:tcPr>
+                </a:tc>
+                <a:tc rowSpan="3">
                   <a:txBody>
                     <a:bodyPr/>
                     <a:lstStyle/>
                     <a:p>
                       <a:pPr algn="ctr"/>
                       <a:r>
-                        <a:rPr sz="900" b="1">
-                          <a:solidFill>
-                            <a:srgbClr val="000000"/>
-                          </a:solidFill>
-                          <a:latin typeface="Arial"/>
+                        <a:rPr lang="en-US" sz="900" dirty="0">
+                          <a:latin typeface="Arial" panose="020B0604020202020204" pitchFamily="34" charset="0"/>
+                          <a:cs typeface="Arial" panose="020B0604020202020204" pitchFamily="34" charset="0"/>
                         </a:rPr>
-                        <a:t>CURRENT</a:t>
+                        <a:t>CURRENT RISK RATING</a:t>
                       </a:r>
                     </a:p>
+                  </a:txBody>
+                  <a:tcPr anchor="ctr">
+                    <a:lnL w="12700" cap="flat" cmpd="sng" algn="ctr">
+                      <a:solidFill>
+                        <a:schemeClr val="tx1"/>
+                      </a:solidFill>
+                      <a:prstDash val="solid"/>
+                      <a:round/>
+                      <a:headEnd type="none" w="med" len="med"/>
+                      <a:tailEnd type="none" w="med" len="med"/>
+                    </a:lnL>
+                    <a:lnR w="12700" cap="flat" cmpd="sng" algn="ctr">
+                      <a:solidFill>
+                        <a:schemeClr val="tx1"/>
+                      </a:solidFill>
+                      <a:prstDash val="solid"/>
+                      <a:round/>
+                      <a:headEnd type="none" w="med" len="med"/>
+                      <a:tailEnd type="none" w="med" len="med"/>
+                    </a:lnR>
+                    <a:lnT w="12700" cap="flat" cmpd="sng" algn="ctr">
+                      <a:solidFill>
+                        <a:schemeClr val="tx1"/>
+                      </a:solidFill>
+                      <a:prstDash val="solid"/>
+                      <a:round/>
+                      <a:headEnd type="none" w="med" len="med"/>
+                      <a:tailEnd type="none" w="med" len="med"/>
+                    </a:lnT>
+                    <a:lnB w="12700" cap="flat" cmpd="sng" algn="ctr">
+                      <a:solidFill>
+                        <a:schemeClr val="tx1"/>
+                      </a:solidFill>
+                      <a:prstDash val="solid"/>
+                      <a:round/>
+                      <a:headEnd type="none" w="med" len="med"/>
+                      <a:tailEnd type="none" w="med" len="med"/>
+                    </a:lnB>
+                    <a:solidFill>
+                      <a:schemeClr val="bg1">
+                        <a:lumMod val="75000"/>
+                      </a:schemeClr>
+                    </a:solidFill>
+                  </a:tcPr>
+                </a:tc>
+                <a:tc rowSpan="6">
+                  <a:txBody>
+                    <a:bodyPr/>
+                    <a:lstStyle/>
                     <a:p>
                       <a:pPr algn="ctr"/>
-                      <a:r>
-                        <a:rPr sz="900" b="1">
-                          <a:solidFill>
-                            <a:srgbClr val="000000"/>
-                          </a:solidFill>
-                          <a:latin typeface="Arial"/>
-                        </a:rPr>
-                        <a:t>RISK</a:t>
-                      </a:r>
-                    </a:p>
-                    <a:p>
-                      <a:pPr algn="ctr"/>
-                      <a:r>
-                        <a:rPr sz="900" b="1">
-                          <a:solidFill>
-                            <a:srgbClr val="000000"/>
-                          </a:solidFill>
-                          <a:latin typeface="Arial"/>
-                        </a:rPr>
-                        <a:t>RATING</a:t>
-                      </a:r>
-                    </a:p>
-                  </a:txBody>
-                  <a:tcPr>
-                    <a:solidFill>
-                      <a:srgbClr val="D9D9D9"/>
-                    </a:solidFill>
-                    <a:lnL w="12700" cap="flat" cmpd="sng" algn="ctr">
-                      <a:solidFill>
-                        <a:srgbClr val="000000"/>
-                      </a:solidFill>
-                      <a:prstDash val="solid"/>
-                    </a:lnL>
-                    <a:lnR w="12700" cap="flat" cmpd="sng" algn="ctr">
-                      <a:solidFill>
-                        <a:srgbClr val="000000"/>
-                      </a:solidFill>
-                      <a:prstDash val="solid"/>
-                    </a:lnR>
-                    <a:lnT w="12700" cap="flat" cmpd="sng" algn="ctr">
-                      <a:solidFill>
-                        <a:srgbClr val="000000"/>
-                      </a:solidFill>
-                      <a:prstDash val="solid"/>
-                    </a:lnT>
-                    <a:lnB w="12700" cap="flat" cmpd="sng" algn="ctr">
-                      <a:solidFill>
-                        <a:srgbClr val="000000"/>
-                      </a:solidFill>
-                      <a:prstDash val="solid"/>
-                    </a:lnB>
-                  </a:tcPr>
-                </a:tc>
-                <a:tc rowSpan="2">
-                  <a:txBody>
-                    <a:bodyPr/>
-                    <a:lstStyle/>
-                    <a:p>
-                      <a:pPr algn="l"/>
-                      <a:r>
-                        <a:rPr sz="900" b="1">
-                          <a:solidFill>
-                            <a:srgbClr val="000000"/>
-                          </a:solidFill>
-                          <a:latin typeface="Arial"/>
-                        </a:rPr>
-                        <a:t>Corrosion Group :</a:t>
-                      </a:r>
-                    </a:p>
-                    <a:p>
-                      <a:pPr algn="l"/>
-                      <a:r>
-                        <a:rPr sz="900" b="1">
-                          <a:solidFill>
-                            <a:srgbClr val="000000"/>
-                          </a:solidFill>
-                          <a:latin typeface="Arial"/>
-                        </a:rPr>
-                        <a:t>Damage Mechanism</a:t>
-                      </a:r>
-                    </a:p>
-                    <a:p>
-                      <a:pPr algn="l"/>
-                      <a:r>
-                        <a:rPr sz="900" b="1">
-                          <a:solidFill>
-                            <a:srgbClr val="000000"/>
-                          </a:solidFill>
-                          <a:latin typeface="Arial"/>
-                        </a:rPr>
-                        <a:t>Susceptible:</a:t>
-                      </a:r>
-                    </a:p>
-                  </a:txBody>
-                  <a:tcPr>
+                      <a:endParaRPr lang="en-US" sz="900" dirty="0">
+                        <a:latin typeface="Arial" panose="020B0604020202020204" pitchFamily="34" charset="0"/>
+                        <a:cs typeface="Arial" panose="020B0604020202020204" pitchFamily="34" charset="0"/>
+                      </a:endParaRPr>
+                    </a:p>
+                  </a:txBody>
+                  <a:tcPr anchor="ctr">
+                    <a:lnL w="12700" cap="flat" cmpd="sng" algn="ctr">
+                      <a:solidFill>
+                        <a:schemeClr val="tx1"/>
+                      </a:solidFill>
+                      <a:prstDash val="solid"/>
+                      <a:round/>
+                      <a:headEnd type="none" w="med" len="med"/>
+                      <a:tailEnd type="none" w="med" len="med"/>
+                    </a:lnL>
+                    <a:lnR w="12700" cap="flat" cmpd="sng" algn="ctr">
+                      <a:solidFill>
+                        <a:schemeClr val="tx1"/>
+                      </a:solidFill>
+                      <a:prstDash val="solid"/>
+                      <a:round/>
+                      <a:headEnd type="none" w="med" len="med"/>
+                      <a:tailEnd type="none" w="med" len="med"/>
+                    </a:lnR>
+                    <a:lnT w="12700" cap="flat" cmpd="sng" algn="ctr">
+                      <a:solidFill>
+                        <a:schemeClr val="tx1"/>
+                      </a:solidFill>
+                      <a:prstDash val="solid"/>
+                      <a:round/>
+                      <a:headEnd type="none" w="med" len="med"/>
+                      <a:tailEnd type="none" w="med" len="med"/>
+                    </a:lnT>
+                    <a:lnB w="12700" cap="flat" cmpd="sng" algn="ctr">
+                      <a:solidFill>
+                        <a:schemeClr val="tx1"/>
+                      </a:solidFill>
+                      <a:prstDash val="solid"/>
+                      <a:round/>
+                      <a:headEnd type="none" w="med" len="med"/>
+                      <a:tailEnd type="none" w="med" len="med"/>
+                    </a:lnB>
                     <a:solidFill>
                       <a:srgbClr val="FFFF99"/>
                     </a:solidFill>
-                    <a:lnL w="12700" cap="flat" cmpd="sng" algn="ctr">
-                      <a:solidFill>
-                        <a:srgbClr val="000000"/>
-                      </a:solidFill>
-                      <a:prstDash val="solid"/>
-                    </a:lnL>
-                    <a:lnR w="12700" cap="flat" cmpd="sng" algn="ctr">
-                      <a:solidFill>
-                        <a:srgbClr val="000000"/>
-                      </a:solidFill>
-                      <a:prstDash val="solid"/>
-                    </a:lnR>
-                    <a:lnT w="12700" cap="flat" cmpd="sng" algn="ctr">
-                      <a:solidFill>
-                        <a:srgbClr val="000000"/>
-                      </a:solidFill>
-                      <a:prstDash val="solid"/>
-                    </a:lnT>
-                    <a:lnB w="12700" cap="flat" cmpd="sng" algn="ctr">
-                      <a:solidFill>
-                        <a:srgbClr val="000000"/>
-                      </a:solidFill>
-                      <a:prstDash val="solid"/>
-                    </a:lnB>
-                  </a:tcPr>
-                </a:tc>
+                  </a:tcPr>
+                </a:tc>
+                <a:extLst>
+                  <a:ext uri="{0D108BD9-81ED-4DB2-BD59-A6C34878D82A}">
+                    <a16:rowId xmlns:a16="http://schemas.microsoft.com/office/drawing/2014/main" val="2839120775"/>
+                  </a:ext>
+                </a:extLst>
               </a:tr>
-              <a:tr h="365760">
+              <a:tr h="127236">
                 <a:tc vMerge="1">
                   <a:txBody>
                     <a:bodyPr/>
                     <a:lstStyle/>
-                    <a:p/>
+                    <a:p>
+                      <a:endParaRPr lang="en-US"/>
+                    </a:p>
                   </a:txBody>
                   <a:tcPr/>
                 </a:tc>
@@ -3970,7 +4963,9 @@
                   <a:txBody>
                     <a:bodyPr/>
                     <a:lstStyle/>
-                    <a:p/>
+                    <a:p>
+                      <a:endParaRPr lang="en-US"/>
+                    </a:p>
                   </a:txBody>
                   <a:tcPr/>
                 </a:tc>
@@ -3978,171 +4973,665 @@
                   <a:txBody>
                     <a:bodyPr/>
                     <a:lstStyle/>
-                    <a:p/>
+                    <a:p>
+                      <a:endParaRPr lang="en-US"/>
+                    </a:p>
                   </a:txBody>
                   <a:tcPr/>
                 </a:tc>
-                <a:tc>
+                <a:tc rowSpan="2">
                   <a:txBody>
                     <a:bodyPr/>
                     <a:lstStyle/>
                     <a:p>
                       <a:pPr algn="ctr"/>
                       <a:r>
-                        <a:rPr sz="900" b="1">
-                          <a:solidFill>
-                            <a:srgbClr val="000000"/>
-                          </a:solidFill>
-                          <a:latin typeface="Arial"/>
+                        <a:rPr lang="en-US" sz="900" dirty="0">
+                          <a:latin typeface="Arial" panose="020B0604020202020204" pitchFamily="34" charset="0"/>
+                          <a:cs typeface="Arial" panose="020B0604020202020204" pitchFamily="34" charset="0"/>
                         </a:rPr>
                         <a:t>TYPE</a:t>
                       </a:r>
                     </a:p>
                   </a:txBody>
-                  <a:tcPr>
+                  <a:tcPr anchor="ctr">
+                    <a:lnL w="12700" cap="flat" cmpd="sng" algn="ctr">
+                      <a:solidFill>
+                        <a:schemeClr val="tx1"/>
+                      </a:solidFill>
+                      <a:prstDash val="solid"/>
+                      <a:round/>
+                      <a:headEnd type="none" w="med" len="med"/>
+                      <a:tailEnd type="none" w="med" len="med"/>
+                    </a:lnL>
+                    <a:lnR w="12700" cap="flat" cmpd="sng" algn="ctr">
+                      <a:solidFill>
+                        <a:schemeClr val="tx1"/>
+                      </a:solidFill>
+                      <a:prstDash val="solid"/>
+                      <a:round/>
+                      <a:headEnd type="none" w="med" len="med"/>
+                      <a:tailEnd type="none" w="med" len="med"/>
+                    </a:lnR>
+                    <a:lnT w="12700" cap="flat" cmpd="sng" algn="ctr">
+                      <a:solidFill>
+                        <a:schemeClr val="tx1"/>
+                      </a:solidFill>
+                      <a:prstDash val="solid"/>
+                      <a:round/>
+                      <a:headEnd type="none" w="med" len="med"/>
+                      <a:tailEnd type="none" w="med" len="med"/>
+                    </a:lnT>
+                    <a:lnB w="12700" cap="flat" cmpd="sng" algn="ctr">
+                      <a:solidFill>
+                        <a:schemeClr val="tx1"/>
+                      </a:solidFill>
+                      <a:prstDash val="solid"/>
+                      <a:round/>
+                      <a:headEnd type="none" w="med" len="med"/>
+                      <a:tailEnd type="none" w="med" len="med"/>
+                    </a:lnB>
                     <a:solidFill>
-                      <a:srgbClr val="D9D9D9"/>
+                      <a:schemeClr val="bg1">
+                        <a:lumMod val="75000"/>
+                      </a:schemeClr>
                     </a:solidFill>
-                    <a:lnL w="12700" cap="flat" cmpd="sng" algn="ctr">
-                      <a:solidFill>
-                        <a:srgbClr val="000000"/>
-                      </a:solidFill>
-                      <a:prstDash val="solid"/>
-                    </a:lnL>
-                    <a:lnR w="12700" cap="flat" cmpd="sng" algn="ctr">
-                      <a:solidFill>
-                        <a:srgbClr val="000000"/>
-                      </a:solidFill>
-                      <a:prstDash val="solid"/>
-                    </a:lnR>
-                    <a:lnT w="12700" cap="flat" cmpd="sng" algn="ctr">
-                      <a:solidFill>
-                        <a:srgbClr val="000000"/>
-                      </a:solidFill>
-                      <a:prstDash val="solid"/>
-                    </a:lnT>
-                    <a:lnB w="12700" cap="flat" cmpd="sng" algn="ctr">
-                      <a:solidFill>
-                        <a:srgbClr val="000000"/>
-                      </a:solidFill>
-                      <a:prstDash val="solid"/>
-                    </a:lnB>
-                  </a:tcPr>
-                </a:tc>
-                <a:tc>
+                  </a:tcPr>
+                </a:tc>
+                <a:tc rowSpan="2">
                   <a:txBody>
                     <a:bodyPr/>
                     <a:lstStyle/>
                     <a:p>
                       <a:pPr algn="ctr"/>
                       <a:r>
-                        <a:rPr sz="900" b="1">
-                          <a:solidFill>
-                            <a:srgbClr val="000000"/>
-                          </a:solidFill>
-                          <a:latin typeface="Arial"/>
+                        <a:rPr lang="en-US" sz="900" dirty="0">
+                          <a:latin typeface="Arial" panose="020B0604020202020204" pitchFamily="34" charset="0"/>
+                          <a:cs typeface="Arial" panose="020B0604020202020204" pitchFamily="34" charset="0"/>
                         </a:rPr>
                         <a:t>SPEC</a:t>
                       </a:r>
-                    </a:p>
-                  </a:txBody>
-                  <a:tcPr>
+                      <a:endParaRPr lang="en-US" dirty="0"/>
+                    </a:p>
+                  </a:txBody>
+                  <a:tcPr anchor="ctr">
+                    <a:lnL w="12700" cap="flat" cmpd="sng" algn="ctr">
+                      <a:solidFill>
+                        <a:schemeClr val="tx1"/>
+                      </a:solidFill>
+                      <a:prstDash val="solid"/>
+                      <a:round/>
+                      <a:headEnd type="none" w="med" len="med"/>
+                      <a:tailEnd type="none" w="med" len="med"/>
+                    </a:lnL>
+                    <a:lnR w="12700" cap="flat" cmpd="sng" algn="ctr">
+                      <a:solidFill>
+                        <a:schemeClr val="tx1"/>
+                      </a:solidFill>
+                      <a:prstDash val="solid"/>
+                      <a:round/>
+                      <a:headEnd type="none" w="med" len="med"/>
+                      <a:tailEnd type="none" w="med" len="med"/>
+                    </a:lnR>
+                    <a:lnT w="12700" cap="flat" cmpd="sng" algn="ctr">
+                      <a:solidFill>
+                        <a:schemeClr val="tx1"/>
+                      </a:solidFill>
+                      <a:prstDash val="solid"/>
+                      <a:round/>
+                      <a:headEnd type="none" w="med" len="med"/>
+                      <a:tailEnd type="none" w="med" len="med"/>
+                    </a:lnT>
+                    <a:lnB w="12700" cap="flat" cmpd="sng" algn="ctr">
+                      <a:solidFill>
+                        <a:schemeClr val="tx1"/>
+                      </a:solidFill>
+                      <a:prstDash val="solid"/>
+                      <a:round/>
+                      <a:headEnd type="none" w="med" len="med"/>
+                      <a:tailEnd type="none" w="med" len="med"/>
+                    </a:lnB>
                     <a:solidFill>
-                      <a:srgbClr val="D9D9D9"/>
+                      <a:schemeClr val="bg1">
+                        <a:lumMod val="75000"/>
+                      </a:schemeClr>
                     </a:solidFill>
-                    <a:lnL w="12700" cap="flat" cmpd="sng" algn="ctr">
-                      <a:solidFill>
-                        <a:srgbClr val="000000"/>
-                      </a:solidFill>
-                      <a:prstDash val="solid"/>
-                    </a:lnL>
-                    <a:lnR w="12700" cap="flat" cmpd="sng" algn="ctr">
-                      <a:solidFill>
-                        <a:srgbClr val="000000"/>
-                      </a:solidFill>
-                      <a:prstDash val="solid"/>
-                    </a:lnR>
-                    <a:lnT w="12700" cap="flat" cmpd="sng" algn="ctr">
-                      <a:solidFill>
-                        <a:srgbClr val="000000"/>
-                      </a:solidFill>
-                      <a:prstDash val="solid"/>
-                    </a:lnT>
-                    <a:lnB w="12700" cap="flat" cmpd="sng" algn="ctr">
-                      <a:solidFill>
-                        <a:srgbClr val="000000"/>
-                      </a:solidFill>
-                      <a:prstDash val="solid"/>
-                    </a:lnB>
-                  </a:tcPr>
-                </a:tc>
-                <a:tc>
+                  </a:tcPr>
+                </a:tc>
+                <a:tc rowSpan="2">
                   <a:txBody>
                     <a:bodyPr/>
                     <a:lstStyle/>
                     <a:p>
                       <a:pPr algn="ctr"/>
                       <a:r>
-                        <a:rPr sz="900" b="1">
-                          <a:solidFill>
-                            <a:srgbClr val="000000"/>
-                          </a:solidFill>
-                          <a:latin typeface="Arial"/>
+                        <a:rPr lang="en-US" sz="900" dirty="0">
+                          <a:latin typeface="Arial" panose="020B0604020202020204" pitchFamily="34" charset="0"/>
+                          <a:cs typeface="Arial" panose="020B0604020202020204" pitchFamily="34" charset="0"/>
                         </a:rPr>
                         <a:t>GR</a:t>
                       </a:r>
-                    </a:p>
-                  </a:txBody>
-                  <a:tcPr>
+                      <a:endParaRPr lang="en-US" dirty="0"/>
+                    </a:p>
+                  </a:txBody>
+                  <a:tcPr anchor="ctr">
+                    <a:lnL w="12700" cap="flat" cmpd="sng" algn="ctr">
+                      <a:solidFill>
+                        <a:schemeClr val="tx1"/>
+                      </a:solidFill>
+                      <a:prstDash val="solid"/>
+                      <a:round/>
+                      <a:headEnd type="none" w="med" len="med"/>
+                      <a:tailEnd type="none" w="med" len="med"/>
+                    </a:lnL>
+                    <a:lnR w="12700" cap="flat" cmpd="sng" algn="ctr">
+                      <a:solidFill>
+                        <a:schemeClr val="tx1"/>
+                      </a:solidFill>
+                      <a:prstDash val="solid"/>
+                      <a:round/>
+                      <a:headEnd type="none" w="med" len="med"/>
+                      <a:tailEnd type="none" w="med" len="med"/>
+                    </a:lnR>
+                    <a:lnT w="12700" cap="flat" cmpd="sng" algn="ctr">
+                      <a:solidFill>
+                        <a:schemeClr val="tx1"/>
+                      </a:solidFill>
+                      <a:prstDash val="solid"/>
+                      <a:round/>
+                      <a:headEnd type="none" w="med" len="med"/>
+                      <a:tailEnd type="none" w="med" len="med"/>
+                    </a:lnT>
+                    <a:lnB w="12700" cap="flat" cmpd="sng" algn="ctr">
+                      <a:solidFill>
+                        <a:schemeClr val="tx1"/>
+                      </a:solidFill>
+                      <a:prstDash val="solid"/>
+                      <a:round/>
+                      <a:headEnd type="none" w="med" len="med"/>
+                      <a:tailEnd type="none" w="med" len="med"/>
+                    </a:lnB>
                     <a:solidFill>
-                      <a:srgbClr val="D9D9D9"/>
+                      <a:schemeClr val="bg1">
+                        <a:lumMod val="75000"/>
+                      </a:schemeClr>
                     </a:solidFill>
-                    <a:lnL w="12700" cap="flat" cmpd="sng" algn="ctr">
-                      <a:solidFill>
-                        <a:srgbClr val="000000"/>
-                      </a:solidFill>
-                      <a:prstDash val="solid"/>
-                    </a:lnL>
-                    <a:lnR w="12700" cap="flat" cmpd="sng" algn="ctr">
-                      <a:solidFill>
-                        <a:srgbClr val="000000"/>
-                      </a:solidFill>
-                      <a:prstDash val="solid"/>
-                    </a:lnR>
-                    <a:lnT w="12700" cap="flat" cmpd="sng" algn="ctr">
-                      <a:solidFill>
-                        <a:srgbClr val="000000"/>
-                      </a:solidFill>
-                      <a:prstDash val="solid"/>
-                    </a:lnT>
-                    <a:lnB w="12700" cap="flat" cmpd="sng" algn="ctr">
-                      <a:solidFill>
-                        <a:srgbClr val="000000"/>
-                      </a:solidFill>
-                      <a:prstDash val="solid"/>
-                    </a:lnB>
                   </a:tcPr>
                 </a:tc>
                 <a:tc vMerge="1">
                   <a:txBody>
                     <a:bodyPr/>
                     <a:lstStyle/>
-                    <a:p/>
+                    <a:p>
+                      <a:endParaRPr lang="en-US"/>
+                    </a:p>
                   </a:txBody>
                   <a:tcPr/>
                 </a:tc>
-                <a:tc>
+                <a:tc gridSpan="2" vMerge="1">
+                  <a:txBody>
+                    <a:bodyPr/>
+                    <a:lstStyle/>
+                    <a:p>
+                      <a:pPr algn="ctr"/>
+                      <a:endParaRPr lang="en-US" sz="900" dirty="0">
+                        <a:latin typeface="Arial" panose="020B0604020202020204" pitchFamily="34" charset="0"/>
+                        <a:cs typeface="Arial" panose="020B0604020202020204" pitchFamily="34" charset="0"/>
+                      </a:endParaRPr>
+                    </a:p>
+                  </a:txBody>
+                  <a:tcPr anchor="ctr">
+                    <a:lnL w="12700" cap="flat" cmpd="sng" algn="ctr">
+                      <a:solidFill>
+                        <a:schemeClr val="tx1"/>
+                      </a:solidFill>
+                      <a:prstDash val="solid"/>
+                      <a:round/>
+                      <a:headEnd type="none" w="med" len="med"/>
+                      <a:tailEnd type="none" w="med" len="med"/>
+                    </a:lnL>
+                    <a:lnR w="12700" cap="flat" cmpd="sng" algn="ctr">
+                      <a:solidFill>
+                        <a:schemeClr val="tx1"/>
+                      </a:solidFill>
+                      <a:prstDash val="solid"/>
+                      <a:round/>
+                      <a:headEnd type="none" w="med" len="med"/>
+                      <a:tailEnd type="none" w="med" len="med"/>
+                    </a:lnR>
+                    <a:lnT w="12700" cap="flat" cmpd="sng" algn="ctr">
+                      <a:solidFill>
+                        <a:schemeClr val="tx1"/>
+                      </a:solidFill>
+                      <a:prstDash val="solid"/>
+                      <a:round/>
+                      <a:headEnd type="none" w="med" len="med"/>
+                      <a:tailEnd type="none" w="med" len="med"/>
+                    </a:lnT>
+                    <a:lnB w="12700" cap="flat" cmpd="sng" algn="ctr">
+                      <a:solidFill>
+                        <a:schemeClr val="tx1"/>
+                      </a:solidFill>
+                      <a:prstDash val="solid"/>
+                      <a:round/>
+                      <a:headEnd type="none" w="med" len="med"/>
+                      <a:tailEnd type="none" w="med" len="med"/>
+                    </a:lnB>
+                  </a:tcPr>
+                </a:tc>
+                <a:tc hMerge="1" vMerge="1">
+                  <a:txBody>
+                    <a:bodyPr/>
+                    <a:lstStyle/>
+                    <a:p>
+                      <a:endParaRPr lang="en-US"/>
+                    </a:p>
+                  </a:txBody>
+                  <a:tcPr/>
+                </a:tc>
+                <a:tc vMerge="1">
+                  <a:txBody>
+                    <a:bodyPr/>
+                    <a:lstStyle/>
+                    <a:p>
+                      <a:endParaRPr lang="en-US"/>
+                    </a:p>
+                  </a:txBody>
+                  <a:tcPr/>
+                </a:tc>
+                <a:tc vMerge="1">
+                  <a:txBody>
+                    <a:bodyPr/>
+                    <a:lstStyle/>
+                    <a:p>
+                      <a:endParaRPr lang="en-US"/>
+                    </a:p>
+                  </a:txBody>
+                  <a:tcPr/>
+                </a:tc>
+                <a:extLst>
+                  <a:ext uri="{0D108BD9-81ED-4DB2-BD59-A6C34878D82A}">
+                    <a16:rowId xmlns:a16="http://schemas.microsoft.com/office/drawing/2014/main" val="587344270"/>
+                  </a:ext>
+                </a:extLst>
+              </a:tr>
+              <a:tr h="370840">
+                <a:tc vMerge="1">
+                  <a:txBody>
+                    <a:bodyPr/>
+                    <a:lstStyle/>
+                    <a:p>
+                      <a:pPr algn="ctr"/>
+                      <a:endParaRPr lang="en-US" sz="1000" dirty="0">
+                        <a:latin typeface="Arial" panose="020B0604020202020204" pitchFamily="34" charset="0"/>
+                        <a:cs typeface="Arial" panose="020B0604020202020204" pitchFamily="34" charset="0"/>
+                      </a:endParaRPr>
+                    </a:p>
+                  </a:txBody>
+                  <a:tcPr anchor="ctr">
+                    <a:lnL w="12700" cap="flat" cmpd="sng" algn="ctr">
+                      <a:solidFill>
+                        <a:schemeClr val="tx1"/>
+                      </a:solidFill>
+                      <a:prstDash val="solid"/>
+                      <a:round/>
+                      <a:headEnd type="none" w="med" len="med"/>
+                      <a:tailEnd type="none" w="med" len="med"/>
+                    </a:lnL>
+                    <a:lnR w="12700" cap="flat" cmpd="sng" algn="ctr">
+                      <a:solidFill>
+                        <a:schemeClr val="tx1"/>
+                      </a:solidFill>
+                      <a:prstDash val="solid"/>
+                      <a:round/>
+                      <a:headEnd type="none" w="med" len="med"/>
+                      <a:tailEnd type="none" w="med" len="med"/>
+                    </a:lnR>
+                    <a:lnT w="12700" cap="flat" cmpd="sng" algn="ctr">
+                      <a:solidFill>
+                        <a:schemeClr val="tx1"/>
+                      </a:solidFill>
+                      <a:prstDash val="solid"/>
+                      <a:round/>
+                      <a:headEnd type="none" w="med" len="med"/>
+                      <a:tailEnd type="none" w="med" len="med"/>
+                    </a:lnT>
+                    <a:lnB w="12700" cap="flat" cmpd="sng" algn="ctr">
+                      <a:solidFill>
+                        <a:schemeClr val="tx1"/>
+                      </a:solidFill>
+                      <a:prstDash val="solid"/>
+                      <a:round/>
+                      <a:headEnd type="none" w="med" len="med"/>
+                      <a:tailEnd type="none" w="med" len="med"/>
+                    </a:lnB>
+                  </a:tcPr>
+                </a:tc>
+                <a:tc vMerge="1">
+                  <a:txBody>
+                    <a:bodyPr/>
+                    <a:lstStyle/>
+                    <a:p>
+                      <a:pPr algn="ctr"/>
+                      <a:endParaRPr lang="en-US" sz="1000" dirty="0">
+                        <a:latin typeface="Arial" panose="020B0604020202020204" pitchFamily="34" charset="0"/>
+                        <a:cs typeface="Arial" panose="020B0604020202020204" pitchFamily="34" charset="0"/>
+                      </a:endParaRPr>
+                    </a:p>
+                  </a:txBody>
+                  <a:tcPr anchor="ctr">
+                    <a:lnL w="12700" cap="flat" cmpd="sng" algn="ctr">
+                      <a:solidFill>
+                        <a:schemeClr val="tx1"/>
+                      </a:solidFill>
+                      <a:prstDash val="solid"/>
+                      <a:round/>
+                      <a:headEnd type="none" w="med" len="med"/>
+                      <a:tailEnd type="none" w="med" len="med"/>
+                    </a:lnL>
+                    <a:lnR w="12700" cap="flat" cmpd="sng" algn="ctr">
+                      <a:solidFill>
+                        <a:schemeClr val="tx1"/>
+                      </a:solidFill>
+                      <a:prstDash val="solid"/>
+                      <a:round/>
+                      <a:headEnd type="none" w="med" len="med"/>
+                      <a:tailEnd type="none" w="med" len="med"/>
+                    </a:lnR>
+                    <a:lnT w="12700" cap="flat" cmpd="sng" algn="ctr">
+                      <a:solidFill>
+                        <a:schemeClr val="tx1"/>
+                      </a:solidFill>
+                      <a:prstDash val="solid"/>
+                      <a:round/>
+                      <a:headEnd type="none" w="med" len="med"/>
+                      <a:tailEnd type="none" w="med" len="med"/>
+                    </a:lnT>
+                    <a:lnB w="12700" cap="flat" cmpd="sng" algn="ctr">
+                      <a:solidFill>
+                        <a:schemeClr val="tx1"/>
+                      </a:solidFill>
+                      <a:prstDash val="solid"/>
+                      <a:round/>
+                      <a:headEnd type="none" w="med" len="med"/>
+                      <a:tailEnd type="none" w="med" len="med"/>
+                    </a:lnB>
+                  </a:tcPr>
+                </a:tc>
+                <a:tc vMerge="1">
+                  <a:txBody>
+                    <a:bodyPr/>
+                    <a:lstStyle/>
+                    <a:p>
+                      <a:pPr algn="ctr"/>
+                      <a:endParaRPr lang="en-US" sz="1000" dirty="0">
+                        <a:latin typeface="Arial" panose="020B0604020202020204" pitchFamily="34" charset="0"/>
+                        <a:cs typeface="Arial" panose="020B0604020202020204" pitchFamily="34" charset="0"/>
+                      </a:endParaRPr>
+                    </a:p>
+                  </a:txBody>
+                  <a:tcPr anchor="ctr">
+                    <a:lnL w="12700" cap="flat" cmpd="sng" algn="ctr">
+                      <a:solidFill>
+                        <a:schemeClr val="tx1"/>
+                      </a:solidFill>
+                      <a:prstDash val="solid"/>
+                      <a:round/>
+                      <a:headEnd type="none" w="med" len="med"/>
+                      <a:tailEnd type="none" w="med" len="med"/>
+                    </a:lnL>
+                    <a:lnR w="12700" cap="flat" cmpd="sng" algn="ctr">
+                      <a:solidFill>
+                        <a:schemeClr val="tx1"/>
+                      </a:solidFill>
+                      <a:prstDash val="solid"/>
+                      <a:round/>
+                      <a:headEnd type="none" w="med" len="med"/>
+                      <a:tailEnd type="none" w="med" len="med"/>
+                    </a:lnR>
+                    <a:lnT w="12700" cap="flat" cmpd="sng" algn="ctr">
+                      <a:solidFill>
+                        <a:schemeClr val="tx1"/>
+                      </a:solidFill>
+                      <a:prstDash val="solid"/>
+                      <a:round/>
+                      <a:headEnd type="none" w="med" len="med"/>
+                      <a:tailEnd type="none" w="med" len="med"/>
+                    </a:lnT>
+                    <a:lnB w="12700" cap="flat" cmpd="sng" algn="ctr">
+                      <a:solidFill>
+                        <a:schemeClr val="tx1"/>
+                      </a:solidFill>
+                      <a:prstDash val="solid"/>
+                      <a:round/>
+                      <a:headEnd type="none" w="med" len="med"/>
+                      <a:tailEnd type="none" w="med" len="med"/>
+                    </a:lnB>
+                  </a:tcPr>
+                </a:tc>
+                <a:tc vMerge="1">
                   <a:txBody>
                     <a:bodyPr/>
                     <a:lstStyle/>
                     <a:p>
                       <a:pPr algn="ctr"/>
                       <a:r>
-                        <a:rPr sz="900" b="1">
-                          <a:solidFill>
-                            <a:srgbClr val="000000"/>
-                          </a:solidFill>
-                          <a:latin typeface="Arial"/>
+                        <a:rPr lang="en-US" sz="900" dirty="0">
+                          <a:latin typeface="Arial" panose="020B0604020202020204" pitchFamily="34" charset="0"/>
+                          <a:cs typeface="Arial" panose="020B0604020202020204" pitchFamily="34" charset="0"/>
+                        </a:rPr>
+                        <a:t>TYPE</a:t>
+                      </a:r>
+                    </a:p>
+                  </a:txBody>
+                  <a:tcPr anchor="ctr">
+                    <a:lnL w="12700" cap="flat" cmpd="sng" algn="ctr">
+                      <a:solidFill>
+                        <a:schemeClr val="tx1"/>
+                      </a:solidFill>
+                      <a:prstDash val="solid"/>
+                      <a:round/>
+                      <a:headEnd type="none" w="med" len="med"/>
+                      <a:tailEnd type="none" w="med" len="med"/>
+                    </a:lnL>
+                    <a:lnR w="12700" cap="flat" cmpd="sng" algn="ctr">
+                      <a:solidFill>
+                        <a:schemeClr val="tx1"/>
+                      </a:solidFill>
+                      <a:prstDash val="solid"/>
+                      <a:round/>
+                      <a:headEnd type="none" w="med" len="med"/>
+                      <a:tailEnd type="none" w="med" len="med"/>
+                    </a:lnR>
+                    <a:lnT w="12700" cap="flat" cmpd="sng" algn="ctr">
+                      <a:solidFill>
+                        <a:schemeClr val="tx1"/>
+                      </a:solidFill>
+                      <a:prstDash val="solid"/>
+                      <a:round/>
+                      <a:headEnd type="none" w="med" len="med"/>
+                      <a:tailEnd type="none" w="med" len="med"/>
+                    </a:lnT>
+                    <a:lnB w="12700" cap="flat" cmpd="sng" algn="ctr">
+                      <a:solidFill>
+                        <a:schemeClr val="tx1"/>
+                      </a:solidFill>
+                      <a:prstDash val="solid"/>
+                      <a:round/>
+                      <a:headEnd type="none" w="med" len="med"/>
+                      <a:tailEnd type="none" w="med" len="med"/>
+                    </a:lnB>
+                  </a:tcPr>
+                </a:tc>
+                <a:tc vMerge="1">
+                  <a:txBody>
+                    <a:bodyPr/>
+                    <a:lstStyle/>
+                    <a:p>
+                      <a:pPr algn="ctr"/>
+                      <a:r>
+                        <a:rPr lang="en-US" sz="900" dirty="0">
+                          <a:latin typeface="Arial" panose="020B0604020202020204" pitchFamily="34" charset="0"/>
+                          <a:cs typeface="Arial" panose="020B0604020202020204" pitchFamily="34" charset="0"/>
+                        </a:rPr>
+                        <a:t>SPEC</a:t>
+                      </a:r>
+                    </a:p>
+                  </a:txBody>
+                  <a:tcPr anchor="ctr">
+                    <a:lnL w="12700" cap="flat" cmpd="sng" algn="ctr">
+                      <a:solidFill>
+                        <a:schemeClr val="tx1"/>
+                      </a:solidFill>
+                      <a:prstDash val="solid"/>
+                      <a:round/>
+                      <a:headEnd type="none" w="med" len="med"/>
+                      <a:tailEnd type="none" w="med" len="med"/>
+                    </a:lnL>
+                    <a:lnR w="12700" cap="flat" cmpd="sng" algn="ctr">
+                      <a:solidFill>
+                        <a:schemeClr val="tx1"/>
+                      </a:solidFill>
+                      <a:prstDash val="solid"/>
+                      <a:round/>
+                      <a:headEnd type="none" w="med" len="med"/>
+                      <a:tailEnd type="none" w="med" len="med"/>
+                    </a:lnR>
+                    <a:lnT w="12700" cap="flat" cmpd="sng" algn="ctr">
+                      <a:solidFill>
+                        <a:schemeClr val="tx1"/>
+                      </a:solidFill>
+                      <a:prstDash val="solid"/>
+                      <a:round/>
+                      <a:headEnd type="none" w="med" len="med"/>
+                      <a:tailEnd type="none" w="med" len="med"/>
+                    </a:lnT>
+                    <a:lnB w="12700" cap="flat" cmpd="sng" algn="ctr">
+                      <a:solidFill>
+                        <a:schemeClr val="tx1"/>
+                      </a:solidFill>
+                      <a:prstDash val="solid"/>
+                      <a:round/>
+                      <a:headEnd type="none" w="med" len="med"/>
+                      <a:tailEnd type="none" w="med" len="med"/>
+                    </a:lnB>
+                  </a:tcPr>
+                </a:tc>
+                <a:tc vMerge="1">
+                  <a:txBody>
+                    <a:bodyPr/>
+                    <a:lstStyle/>
+                    <a:p>
+                      <a:pPr algn="ctr"/>
+                      <a:r>
+                        <a:rPr lang="en-US" sz="900" dirty="0">
+                          <a:latin typeface="Arial" panose="020B0604020202020204" pitchFamily="34" charset="0"/>
+                          <a:cs typeface="Arial" panose="020B0604020202020204" pitchFamily="34" charset="0"/>
+                        </a:rPr>
+                        <a:t>GR</a:t>
+                      </a:r>
+                    </a:p>
+                  </a:txBody>
+                  <a:tcPr anchor="ctr">
+                    <a:lnL w="12700" cap="flat" cmpd="sng" algn="ctr">
+                      <a:solidFill>
+                        <a:schemeClr val="tx1"/>
+                      </a:solidFill>
+                      <a:prstDash val="solid"/>
+                      <a:round/>
+                      <a:headEnd type="none" w="med" len="med"/>
+                      <a:tailEnd type="none" w="med" len="med"/>
+                    </a:lnL>
+                    <a:lnR w="12700" cap="flat" cmpd="sng" algn="ctr">
+                      <a:solidFill>
+                        <a:schemeClr val="tx1"/>
+                      </a:solidFill>
+                      <a:prstDash val="solid"/>
+                      <a:round/>
+                      <a:headEnd type="none" w="med" len="med"/>
+                      <a:tailEnd type="none" w="med" len="med"/>
+                    </a:lnR>
+                    <a:lnT w="12700" cap="flat" cmpd="sng" algn="ctr">
+                      <a:solidFill>
+                        <a:schemeClr val="tx1"/>
+                      </a:solidFill>
+                      <a:prstDash val="solid"/>
+                      <a:round/>
+                      <a:headEnd type="none" w="med" len="med"/>
+                      <a:tailEnd type="none" w="med" len="med"/>
+                    </a:lnT>
+                    <a:lnB w="12700" cap="flat" cmpd="sng" algn="ctr">
+                      <a:solidFill>
+                        <a:schemeClr val="tx1"/>
+                      </a:solidFill>
+                      <a:prstDash val="solid"/>
+                      <a:round/>
+                      <a:headEnd type="none" w="med" len="med"/>
+                      <a:tailEnd type="none" w="med" len="med"/>
+                    </a:lnB>
+                  </a:tcPr>
+                </a:tc>
+                <a:tc vMerge="1">
+                  <a:txBody>
+                    <a:bodyPr/>
+                    <a:lstStyle/>
+                    <a:p>
+                      <a:pPr algn="ctr"/>
+                      <a:endParaRPr lang="en-US" sz="1000" dirty="0">
+                        <a:latin typeface="Arial" panose="020B0604020202020204" pitchFamily="34" charset="0"/>
+                        <a:cs typeface="Arial" panose="020B0604020202020204" pitchFamily="34" charset="0"/>
+                      </a:endParaRPr>
+                    </a:p>
+                  </a:txBody>
+                  <a:tcPr anchor="ctr">
+                    <a:lnL w="12700" cap="flat" cmpd="sng" algn="ctr">
+                      <a:solidFill>
+                        <a:schemeClr val="tx1"/>
+                      </a:solidFill>
+                      <a:prstDash val="solid"/>
+                      <a:round/>
+                      <a:headEnd type="none" w="med" len="med"/>
+                      <a:tailEnd type="none" w="med" len="med"/>
+                    </a:lnL>
+                    <a:lnR w="12700" cap="flat" cmpd="sng" algn="ctr">
+                      <a:solidFill>
+                        <a:schemeClr val="tx1"/>
+                      </a:solidFill>
+                      <a:prstDash val="solid"/>
+                      <a:round/>
+                      <a:headEnd type="none" w="med" len="med"/>
+                      <a:tailEnd type="none" w="med" len="med"/>
+                    </a:lnR>
+                    <a:lnT w="12700" cap="flat" cmpd="sng" algn="ctr">
+                      <a:solidFill>
+                        <a:schemeClr val="tx1"/>
+                      </a:solidFill>
+                      <a:prstDash val="solid"/>
+                      <a:round/>
+                      <a:headEnd type="none" w="med" len="med"/>
+                      <a:tailEnd type="none" w="med" len="med"/>
+                    </a:lnT>
+                    <a:lnB w="12700" cap="flat" cmpd="sng" algn="ctr">
+                      <a:solidFill>
+                        <a:schemeClr val="tx1"/>
+                      </a:solidFill>
+                      <a:prstDash val="solid"/>
+                      <a:round/>
+                      <a:headEnd type="none" w="med" len="med"/>
+                      <a:tailEnd type="none" w="med" len="med"/>
+                    </a:lnB>
+                  </a:tcPr>
+                </a:tc>
+                <a:tc>
+                  <a:txBody>
+                    <a:bodyPr/>
+                    <a:lstStyle/>
+                    <a:p>
+                      <a:pPr algn="ctr"/>
+                      <a:r>
+                        <a:rPr lang="en-US" sz="900" dirty="0">
+                          <a:latin typeface="Arial" panose="020B0604020202020204" pitchFamily="34" charset="0"/>
+                          <a:cs typeface="Arial" panose="020B0604020202020204" pitchFamily="34" charset="0"/>
                         </a:rPr>
                         <a:t>T</a:t>
                       </a:r>
@@ -4150,44 +5639,56 @@
                     <a:p>
                       <a:pPr algn="ctr"/>
                       <a:r>
-                        <a:rPr sz="900" b="1">
-                          <a:solidFill>
-                            <a:srgbClr val="000000"/>
-                          </a:solidFill>
-                          <a:latin typeface="Arial"/>
+                        <a:rPr lang="en-US" sz="900" dirty="0">
+                          <a:latin typeface="Arial" panose="020B0604020202020204" pitchFamily="34" charset="0"/>
+                          <a:cs typeface="Arial" panose="020B0604020202020204" pitchFamily="34" charset="0"/>
                         </a:rPr>
-                        <a:t>(C)</a:t>
+                        <a:t>(ºC)</a:t>
                       </a:r>
                     </a:p>
                   </a:txBody>
-                  <a:tcPr>
+                  <a:tcPr anchor="ctr">
+                    <a:lnL w="12700" cap="flat" cmpd="sng" algn="ctr">
+                      <a:solidFill>
+                        <a:schemeClr val="tx1"/>
+                      </a:solidFill>
+                      <a:prstDash val="solid"/>
+                      <a:round/>
+                      <a:headEnd type="none" w="med" len="med"/>
+                      <a:tailEnd type="none" w="med" len="med"/>
+                    </a:lnL>
+                    <a:lnR w="12700" cap="flat" cmpd="sng" algn="ctr">
+                      <a:solidFill>
+                        <a:schemeClr val="tx1"/>
+                      </a:solidFill>
+                      <a:prstDash val="solid"/>
+                      <a:round/>
+                      <a:headEnd type="none" w="med" len="med"/>
+                      <a:tailEnd type="none" w="med" len="med"/>
+                    </a:lnR>
+                    <a:lnT w="12700" cap="flat" cmpd="sng" algn="ctr">
+                      <a:solidFill>
+                        <a:schemeClr val="tx1"/>
+                      </a:solidFill>
+                      <a:prstDash val="solid"/>
+                      <a:round/>
+                      <a:headEnd type="none" w="med" len="med"/>
+                      <a:tailEnd type="none" w="med" len="med"/>
+                    </a:lnT>
+                    <a:lnB w="12700" cap="flat" cmpd="sng" algn="ctr">
+                      <a:solidFill>
+                        <a:schemeClr val="tx1"/>
+                      </a:solidFill>
+                      <a:prstDash val="solid"/>
+                      <a:round/>
+                      <a:headEnd type="none" w="med" len="med"/>
+                      <a:tailEnd type="none" w="med" len="med"/>
+                    </a:lnB>
                     <a:solidFill>
-                      <a:srgbClr val="D9D9D9"/>
+                      <a:schemeClr val="bg1">
+                        <a:lumMod val="75000"/>
+                      </a:schemeClr>
                     </a:solidFill>
-                    <a:lnL w="12700" cap="flat" cmpd="sng" algn="ctr">
-                      <a:solidFill>
-                        <a:srgbClr val="000000"/>
-                      </a:solidFill>
-                      <a:prstDash val="solid"/>
-                    </a:lnL>
-                    <a:lnR w="12700" cap="flat" cmpd="sng" algn="ctr">
-                      <a:solidFill>
-                        <a:srgbClr val="000000"/>
-                      </a:solidFill>
-                      <a:prstDash val="solid"/>
-                    </a:lnR>
-                    <a:lnT w="12700" cap="flat" cmpd="sng" algn="ctr">
-                      <a:solidFill>
-                        <a:srgbClr val="000000"/>
-                      </a:solidFill>
-                      <a:prstDash val="solid"/>
-                    </a:lnT>
-                    <a:lnB w="12700" cap="flat" cmpd="sng" algn="ctr">
-                      <a:solidFill>
-                        <a:srgbClr val="000000"/>
-                      </a:solidFill>
-                      <a:prstDash val="solid"/>
-                    </a:lnB>
                   </a:tcPr>
                 </a:tc>
                 <a:tc>
@@ -4197,11 +5698,9 @@
                     <a:p>
                       <a:pPr algn="ctr"/>
                       <a:r>
-                        <a:rPr sz="900" b="1">
-                          <a:solidFill>
-                            <a:srgbClr val="000000"/>
-                          </a:solidFill>
-                          <a:latin typeface="Arial"/>
+                        <a:rPr lang="en-US" sz="900" dirty="0">
+                          <a:latin typeface="Arial" panose="020B0604020202020204" pitchFamily="34" charset="0"/>
+                          <a:cs typeface="Arial" panose="020B0604020202020204" pitchFamily="34" charset="0"/>
                         </a:rPr>
                         <a:t>P</a:t>
                       </a:r>
@@ -4209,64 +5708,181 @@
                     <a:p>
                       <a:pPr algn="ctr"/>
                       <a:r>
-                        <a:rPr sz="900" b="1">
-                          <a:solidFill>
-                            <a:srgbClr val="000000"/>
-                          </a:solidFill>
-                          <a:latin typeface="Arial"/>
+                        <a:rPr lang="en-US" sz="900" dirty="0">
+                          <a:latin typeface="Arial" panose="020B0604020202020204" pitchFamily="34" charset="0"/>
+                          <a:cs typeface="Arial" panose="020B0604020202020204" pitchFamily="34" charset="0"/>
                         </a:rPr>
-                        <a:t>(Mpa)</a:t>
+                        <a:t>(</a:t>
                       </a:r>
-                    </a:p>
-                  </a:txBody>
-                  <a:tcPr>
+                      <a:r>
+                        <a:rPr lang="en-US" sz="900" dirty="0" err="1">
+                          <a:latin typeface="Arial" panose="020B0604020202020204" pitchFamily="34" charset="0"/>
+                          <a:cs typeface="Arial" panose="020B0604020202020204" pitchFamily="34" charset="0"/>
+                        </a:rPr>
+                        <a:t>Mpa</a:t>
+                      </a:r>
+                      <a:r>
+                        <a:rPr lang="en-US" sz="900" dirty="0">
+                          <a:latin typeface="Arial" panose="020B0604020202020204" pitchFamily="34" charset="0"/>
+                          <a:cs typeface="Arial" panose="020B0604020202020204" pitchFamily="34" charset="0"/>
+                        </a:rPr>
+                        <a:t>)</a:t>
+                      </a:r>
+                    </a:p>
+                  </a:txBody>
+                  <a:tcPr anchor="ctr">
+                    <a:lnL w="12700" cap="flat" cmpd="sng" algn="ctr">
+                      <a:solidFill>
+                        <a:schemeClr val="tx1"/>
+                      </a:solidFill>
+                      <a:prstDash val="solid"/>
+                      <a:round/>
+                      <a:headEnd type="none" w="med" len="med"/>
+                      <a:tailEnd type="none" w="med" len="med"/>
+                    </a:lnL>
+                    <a:lnR w="12700" cap="flat" cmpd="sng" algn="ctr">
+                      <a:solidFill>
+                        <a:schemeClr val="tx1"/>
+                      </a:solidFill>
+                      <a:prstDash val="solid"/>
+                      <a:round/>
+                      <a:headEnd type="none" w="med" len="med"/>
+                      <a:tailEnd type="none" w="med" len="med"/>
+                    </a:lnR>
+                    <a:lnT w="12700" cap="flat" cmpd="sng" algn="ctr">
+                      <a:solidFill>
+                        <a:schemeClr val="tx1"/>
+                      </a:solidFill>
+                      <a:prstDash val="solid"/>
+                      <a:round/>
+                      <a:headEnd type="none" w="med" len="med"/>
+                      <a:tailEnd type="none" w="med" len="med"/>
+                    </a:lnT>
+                    <a:lnB w="12700" cap="flat" cmpd="sng" algn="ctr">
+                      <a:solidFill>
+                        <a:schemeClr val="tx1"/>
+                      </a:solidFill>
+                      <a:prstDash val="solid"/>
+                      <a:round/>
+                      <a:headEnd type="none" w="med" len="med"/>
+                      <a:tailEnd type="none" w="med" len="med"/>
+                    </a:lnB>
                     <a:solidFill>
-                      <a:srgbClr val="D9D9D9"/>
+                      <a:schemeClr val="bg1">
+                        <a:lumMod val="75000"/>
+                      </a:schemeClr>
                     </a:solidFill>
-                    <a:lnL w="12700" cap="flat" cmpd="sng" algn="ctr">
-                      <a:solidFill>
-                        <a:srgbClr val="000000"/>
-                      </a:solidFill>
-                      <a:prstDash val="solid"/>
-                    </a:lnL>
-                    <a:lnR w="12700" cap="flat" cmpd="sng" algn="ctr">
-                      <a:solidFill>
-                        <a:srgbClr val="000000"/>
-                      </a:solidFill>
-                      <a:prstDash val="solid"/>
-                    </a:lnR>
-                    <a:lnT w="12700" cap="flat" cmpd="sng" algn="ctr">
-                      <a:solidFill>
-                        <a:srgbClr val="000000"/>
-                      </a:solidFill>
-                      <a:prstDash val="solid"/>
-                    </a:lnT>
-                    <a:lnB w="12700" cap="flat" cmpd="sng" algn="ctr">
-                      <a:solidFill>
-                        <a:srgbClr val="000000"/>
-                      </a:solidFill>
-                      <a:prstDash val="solid"/>
-                    </a:lnB>
                   </a:tcPr>
                 </a:tc>
                 <a:tc vMerge="1">
                   <a:txBody>
                     <a:bodyPr/>
                     <a:lstStyle/>
-                    <a:p/>
-                  </a:txBody>
-                  <a:tcPr/>
+                    <a:p>
+                      <a:pPr algn="ctr"/>
+                      <a:endParaRPr lang="en-US" sz="1000" dirty="0">
+                        <a:latin typeface="Arial" panose="020B0604020202020204" pitchFamily="34" charset="0"/>
+                        <a:cs typeface="Arial" panose="020B0604020202020204" pitchFamily="34" charset="0"/>
+                      </a:endParaRPr>
+                    </a:p>
+                  </a:txBody>
+                  <a:tcPr anchor="ctr">
+                    <a:lnL w="12700" cap="flat" cmpd="sng" algn="ctr">
+                      <a:solidFill>
+                        <a:schemeClr val="tx1"/>
+                      </a:solidFill>
+                      <a:prstDash val="solid"/>
+                      <a:round/>
+                      <a:headEnd type="none" w="med" len="med"/>
+                      <a:tailEnd type="none" w="med" len="med"/>
+                    </a:lnL>
+                    <a:lnR w="12700" cap="flat" cmpd="sng" algn="ctr">
+                      <a:solidFill>
+                        <a:schemeClr val="tx1"/>
+                      </a:solidFill>
+                      <a:prstDash val="solid"/>
+                      <a:round/>
+                      <a:headEnd type="none" w="med" len="med"/>
+                      <a:tailEnd type="none" w="med" len="med"/>
+                    </a:lnR>
+                    <a:lnT w="12700" cap="flat" cmpd="sng" algn="ctr">
+                      <a:solidFill>
+                        <a:schemeClr val="tx1"/>
+                      </a:solidFill>
+                      <a:prstDash val="solid"/>
+                      <a:round/>
+                      <a:headEnd type="none" w="med" len="med"/>
+                      <a:tailEnd type="none" w="med" len="med"/>
+                    </a:lnT>
+                    <a:lnB w="12700" cap="flat" cmpd="sng" algn="ctr">
+                      <a:solidFill>
+                        <a:schemeClr val="tx1"/>
+                      </a:solidFill>
+                      <a:prstDash val="solid"/>
+                      <a:round/>
+                      <a:headEnd type="none" w="med" len="med"/>
+                      <a:tailEnd type="none" w="med" len="med"/>
+                    </a:lnB>
+                  </a:tcPr>
                 </a:tc>
                 <a:tc vMerge="1">
                   <a:txBody>
                     <a:bodyPr/>
                     <a:lstStyle/>
-                    <a:p/>
-                  </a:txBody>
-                  <a:tcPr/>
-                </a:tc>
+                    <a:p>
+                      <a:pPr algn="ctr"/>
+                      <a:endParaRPr lang="en-US" sz="1000" dirty="0">
+                        <a:latin typeface="Arial" panose="020B0604020202020204" pitchFamily="34" charset="0"/>
+                        <a:cs typeface="Arial" panose="020B0604020202020204" pitchFamily="34" charset="0"/>
+                      </a:endParaRPr>
+                    </a:p>
+                  </a:txBody>
+                  <a:tcPr anchor="ctr">
+                    <a:lnL w="12700" cap="flat" cmpd="sng" algn="ctr">
+                      <a:solidFill>
+                        <a:schemeClr val="tx1"/>
+                      </a:solidFill>
+                      <a:prstDash val="solid"/>
+                      <a:round/>
+                      <a:headEnd type="none" w="med" len="med"/>
+                      <a:tailEnd type="none" w="med" len="med"/>
+                    </a:lnL>
+                    <a:lnR w="12700" cap="flat" cmpd="sng" algn="ctr">
+                      <a:solidFill>
+                        <a:schemeClr val="tx1"/>
+                      </a:solidFill>
+                      <a:prstDash val="solid"/>
+                      <a:round/>
+                      <a:headEnd type="none" w="med" len="med"/>
+                      <a:tailEnd type="none" w="med" len="med"/>
+                    </a:lnR>
+                    <a:lnT w="12700" cap="flat" cmpd="sng" algn="ctr">
+                      <a:solidFill>
+                        <a:schemeClr val="tx1"/>
+                      </a:solidFill>
+                      <a:prstDash val="solid"/>
+                      <a:round/>
+                      <a:headEnd type="none" w="med" len="med"/>
+                      <a:tailEnd type="none" w="med" len="med"/>
+                    </a:lnT>
+                    <a:lnB w="12700" cap="flat" cmpd="sng" algn="ctr">
+                      <a:solidFill>
+                        <a:schemeClr val="tx1"/>
+                      </a:solidFill>
+                      <a:prstDash val="solid"/>
+                      <a:round/>
+                      <a:headEnd type="none" w="med" len="med"/>
+                      <a:tailEnd type="none" w="med" len="med"/>
+                    </a:lnB>
+                  </a:tcPr>
+                </a:tc>
+                <a:extLst>
+                  <a:ext uri="{0D108BD9-81ED-4DB2-BD59-A6C34878D82A}">
+                    <a16:rowId xmlns:a16="http://schemas.microsoft.com/office/drawing/2014/main" val="3668043132"/>
+                  </a:ext>
+                </a:extLst>
               </a:tr>
-              <a:tr h="365760">
+              <a:tr h="370840">
                 <a:tc>
                   <a:txBody>
                     <a:bodyPr/>
@@ -4274,37 +5890,50 @@
                     <a:p>
                       <a:pPr algn="ctr"/>
                       <a:r>
-                        <a:rPr sz="900" b="0">
-                          <a:latin typeface="Arial"/>
+                        <a:rPr lang="en-US" sz="900" dirty="0">
+                          <a:latin typeface="Arial" panose="020B0604020202020204" pitchFamily="34" charset="0"/>
+                          <a:cs typeface="Arial" panose="020B0604020202020204" pitchFamily="34" charset="0"/>
                         </a:rPr>
-                        <a:t>{{FLUID_TOP}}</a:t>
+                        <a:t>{{FLUID1}}</a:t>
                       </a:r>
                     </a:p>
                   </a:txBody>
-                  <a:tcPr>
-                    <a:lnL w="12700" cap="flat" cmpd="sng" algn="ctr">
-                      <a:solidFill>
-                        <a:srgbClr val="000000"/>
-                      </a:solidFill>
-                      <a:prstDash val="solid"/>
-                    </a:lnL>
-                    <a:lnR w="12700" cap="flat" cmpd="sng" algn="ctr">
-                      <a:solidFill>
-                        <a:srgbClr val="000000"/>
-                      </a:solidFill>
-                      <a:prstDash val="solid"/>
-                    </a:lnR>
-                    <a:lnT w="12700" cap="flat" cmpd="sng" algn="ctr">
-                      <a:solidFill>
-                        <a:srgbClr val="000000"/>
-                      </a:solidFill>
-                      <a:prstDash val="solid"/>
-                    </a:lnT>
-                    <a:lnB w="12700" cap="flat" cmpd="sng" algn="ctr">
-                      <a:solidFill>
-                        <a:srgbClr val="000000"/>
-                      </a:solidFill>
-                      <a:prstDash val="solid"/>
+                  <a:tcPr anchor="ctr">
+                    <a:lnL w="12700" cap="flat" cmpd="sng" algn="ctr">
+                      <a:solidFill>
+                        <a:schemeClr val="tx1"/>
+                      </a:solidFill>
+                      <a:prstDash val="solid"/>
+                      <a:round/>
+                      <a:headEnd type="none" w="med" len="med"/>
+                      <a:tailEnd type="none" w="med" len="med"/>
+                    </a:lnL>
+                    <a:lnR w="12700" cap="flat" cmpd="sng" algn="ctr">
+                      <a:solidFill>
+                        <a:schemeClr val="tx1"/>
+                      </a:solidFill>
+                      <a:prstDash val="solid"/>
+                      <a:round/>
+                      <a:headEnd type="none" w="med" len="med"/>
+                      <a:tailEnd type="none" w="med" len="med"/>
+                    </a:lnR>
+                    <a:lnT w="12700" cap="flat" cmpd="sng" algn="ctr">
+                      <a:solidFill>
+                        <a:schemeClr val="tx1"/>
+                      </a:solidFill>
+                      <a:prstDash val="solid"/>
+                      <a:round/>
+                      <a:headEnd type="none" w="med" len="med"/>
+                      <a:tailEnd type="none" w="med" len="med"/>
+                    </a:lnT>
+                    <a:lnB w="12700" cap="flat" cmpd="sng" algn="ctr">
+                      <a:solidFill>
+                        <a:schemeClr val="tx1"/>
+                      </a:solidFill>
+                      <a:prstDash val="solid"/>
+                      <a:round/>
+                      <a:headEnd type="none" w="med" len="med"/>
+                      <a:tailEnd type="none" w="med" len="med"/>
                     </a:lnB>
                   </a:tcPr>
                 </a:tc>
@@ -4315,37 +5944,50 @@
                     <a:p>
                       <a:pPr algn="ctr"/>
                       <a:r>
-                        <a:rPr sz="900" b="0">
-                          <a:latin typeface="Arial"/>
+                        <a:rPr lang="en-US" sz="900" dirty="0">
+                          <a:latin typeface="Arial" panose="020B0604020202020204" pitchFamily="34" charset="0"/>
+                          <a:cs typeface="Arial" panose="020B0604020202020204" pitchFamily="34" charset="0"/>
                         </a:rPr>
-                        <a:t>Top Head</a:t>
+                        <a:t>{{COMP1}}</a:t>
                       </a:r>
                     </a:p>
                   </a:txBody>
-                  <a:tcPr>
-                    <a:lnL w="12700" cap="flat" cmpd="sng" algn="ctr">
-                      <a:solidFill>
-                        <a:srgbClr val="000000"/>
-                      </a:solidFill>
-                      <a:prstDash val="solid"/>
-                    </a:lnL>
-                    <a:lnR w="12700" cap="flat" cmpd="sng" algn="ctr">
-                      <a:solidFill>
-                        <a:srgbClr val="000000"/>
-                      </a:solidFill>
-                      <a:prstDash val="solid"/>
-                    </a:lnR>
-                    <a:lnT w="12700" cap="flat" cmpd="sng" algn="ctr">
-                      <a:solidFill>
-                        <a:srgbClr val="000000"/>
-                      </a:solidFill>
-                      <a:prstDash val="solid"/>
-                    </a:lnT>
-                    <a:lnB w="12700" cap="flat" cmpd="sng" algn="ctr">
-                      <a:solidFill>
-                        <a:srgbClr val="000000"/>
-                      </a:solidFill>
-                      <a:prstDash val="solid"/>
+                  <a:tcPr anchor="ctr">
+                    <a:lnL w="12700" cap="flat" cmpd="sng" algn="ctr">
+                      <a:solidFill>
+                        <a:schemeClr val="tx1"/>
+                      </a:solidFill>
+                      <a:prstDash val="solid"/>
+                      <a:round/>
+                      <a:headEnd type="none" w="med" len="med"/>
+                      <a:tailEnd type="none" w="med" len="med"/>
+                    </a:lnL>
+                    <a:lnR w="12700" cap="flat" cmpd="sng" algn="ctr">
+                      <a:solidFill>
+                        <a:schemeClr val="tx1"/>
+                      </a:solidFill>
+                      <a:prstDash val="solid"/>
+                      <a:round/>
+                      <a:headEnd type="none" w="med" len="med"/>
+                      <a:tailEnd type="none" w="med" len="med"/>
+                    </a:lnR>
+                    <a:lnT w="12700" cap="flat" cmpd="sng" algn="ctr">
+                      <a:solidFill>
+                        <a:schemeClr val="tx1"/>
+                      </a:solidFill>
+                      <a:prstDash val="solid"/>
+                      <a:round/>
+                      <a:headEnd type="none" w="med" len="med"/>
+                      <a:tailEnd type="none" w="med" len="med"/>
+                    </a:lnT>
+                    <a:lnB w="12700" cap="flat" cmpd="sng" algn="ctr">
+                      <a:solidFill>
+                        <a:schemeClr val="tx1"/>
+                      </a:solidFill>
+                      <a:prstDash val="solid"/>
+                      <a:round/>
+                      <a:headEnd type="none" w="med" len="med"/>
+                      <a:tailEnd type="none" w="med" len="med"/>
                     </a:lnB>
                   </a:tcPr>
                 </a:tc>
@@ -4356,37 +5998,50 @@
                     <a:p>
                       <a:pPr algn="ctr"/>
                       <a:r>
-                        <a:rPr sz="900" b="0">
-                          <a:latin typeface="Arial"/>
+                        <a:rPr lang="en-US" sz="900" dirty="0">
+                          <a:latin typeface="Arial" panose="020B0604020202020204" pitchFamily="34" charset="0"/>
+                          <a:cs typeface="Arial" panose="020B0604020202020204" pitchFamily="34" charset="0"/>
                         </a:rPr>
-                        <a:t>{{CODE_TOP}}</a:t>
+                        <a:t>{{DC1}}</a:t>
                       </a:r>
                     </a:p>
                   </a:txBody>
-                  <a:tcPr>
-                    <a:lnL w="12700" cap="flat" cmpd="sng" algn="ctr">
-                      <a:solidFill>
-                        <a:srgbClr val="000000"/>
-                      </a:solidFill>
-                      <a:prstDash val="solid"/>
-                    </a:lnL>
-                    <a:lnR w="12700" cap="flat" cmpd="sng" algn="ctr">
-                      <a:solidFill>
-                        <a:srgbClr val="000000"/>
-                      </a:solidFill>
-                      <a:prstDash val="solid"/>
-                    </a:lnR>
-                    <a:lnT w="12700" cap="flat" cmpd="sng" algn="ctr">
-                      <a:solidFill>
-                        <a:srgbClr val="000000"/>
-                      </a:solidFill>
-                      <a:prstDash val="solid"/>
-                    </a:lnT>
-                    <a:lnB w="12700" cap="flat" cmpd="sng" algn="ctr">
-                      <a:solidFill>
-                        <a:srgbClr val="000000"/>
-                      </a:solidFill>
-                      <a:prstDash val="solid"/>
+                  <a:tcPr anchor="ctr">
+                    <a:lnL w="12700" cap="flat" cmpd="sng" algn="ctr">
+                      <a:solidFill>
+                        <a:schemeClr val="tx1"/>
+                      </a:solidFill>
+                      <a:prstDash val="solid"/>
+                      <a:round/>
+                      <a:headEnd type="none" w="med" len="med"/>
+                      <a:tailEnd type="none" w="med" len="med"/>
+                    </a:lnL>
+                    <a:lnR w="12700" cap="flat" cmpd="sng" algn="ctr">
+                      <a:solidFill>
+                        <a:schemeClr val="tx1"/>
+                      </a:solidFill>
+                      <a:prstDash val="solid"/>
+                      <a:round/>
+                      <a:headEnd type="none" w="med" len="med"/>
+                      <a:tailEnd type="none" w="med" len="med"/>
+                    </a:lnR>
+                    <a:lnT w="12700" cap="flat" cmpd="sng" algn="ctr">
+                      <a:solidFill>
+                        <a:schemeClr val="tx1"/>
+                      </a:solidFill>
+                      <a:prstDash val="solid"/>
+                      <a:round/>
+                      <a:headEnd type="none" w="med" len="med"/>
+                      <a:tailEnd type="none" w="med" len="med"/>
+                    </a:lnT>
+                    <a:lnB w="12700" cap="flat" cmpd="sng" algn="ctr">
+                      <a:solidFill>
+                        <a:schemeClr val="tx1"/>
+                      </a:solidFill>
+                      <a:prstDash val="solid"/>
+                      <a:round/>
+                      <a:headEnd type="none" w="med" len="med"/>
+                      <a:tailEnd type="none" w="med" len="med"/>
                     </a:lnB>
                   </a:tcPr>
                 </a:tc>
@@ -4397,37 +6052,50 @@
                     <a:p>
                       <a:pPr algn="ctr"/>
                       <a:r>
-                        <a:rPr sz="900" b="0">
-                          <a:latin typeface="Arial"/>
+                        <a:rPr lang="en-US" sz="900" dirty="0">
+                          <a:latin typeface="Arial" panose="020B0604020202020204" pitchFamily="34" charset="0"/>
+                          <a:cs typeface="Arial" panose="020B0604020202020204" pitchFamily="34" charset="0"/>
                         </a:rPr>
-                        <a:t>{{MAT_TOP_TYPE}}</a:t>
+                        <a:t>{{TYPE1}}</a:t>
                       </a:r>
                     </a:p>
                   </a:txBody>
-                  <a:tcPr>
-                    <a:lnL w="12700" cap="flat" cmpd="sng" algn="ctr">
-                      <a:solidFill>
-                        <a:srgbClr val="000000"/>
-                      </a:solidFill>
-                      <a:prstDash val="solid"/>
-                    </a:lnL>
-                    <a:lnR w="12700" cap="flat" cmpd="sng" algn="ctr">
-                      <a:solidFill>
-                        <a:srgbClr val="000000"/>
-                      </a:solidFill>
-                      <a:prstDash val="solid"/>
-                    </a:lnR>
-                    <a:lnT w="12700" cap="flat" cmpd="sng" algn="ctr">
-                      <a:solidFill>
-                        <a:srgbClr val="000000"/>
-                      </a:solidFill>
-                      <a:prstDash val="solid"/>
-                    </a:lnT>
-                    <a:lnB w="12700" cap="flat" cmpd="sng" algn="ctr">
-                      <a:solidFill>
-                        <a:srgbClr val="000000"/>
-                      </a:solidFill>
-                      <a:prstDash val="solid"/>
+                  <a:tcPr anchor="ctr">
+                    <a:lnL w="12700" cap="flat" cmpd="sng" algn="ctr">
+                      <a:solidFill>
+                        <a:schemeClr val="tx1"/>
+                      </a:solidFill>
+                      <a:prstDash val="solid"/>
+                      <a:round/>
+                      <a:headEnd type="none" w="med" len="med"/>
+                      <a:tailEnd type="none" w="med" len="med"/>
+                    </a:lnL>
+                    <a:lnR w="12700" cap="flat" cmpd="sng" algn="ctr">
+                      <a:solidFill>
+                        <a:schemeClr val="tx1"/>
+                      </a:solidFill>
+                      <a:prstDash val="solid"/>
+                      <a:round/>
+                      <a:headEnd type="none" w="med" len="med"/>
+                      <a:tailEnd type="none" w="med" len="med"/>
+                    </a:lnR>
+                    <a:lnT w="12700" cap="flat" cmpd="sng" algn="ctr">
+                      <a:solidFill>
+                        <a:schemeClr val="tx1"/>
+                      </a:solidFill>
+                      <a:prstDash val="solid"/>
+                      <a:round/>
+                      <a:headEnd type="none" w="med" len="med"/>
+                      <a:tailEnd type="none" w="med" len="med"/>
+                    </a:lnT>
+                    <a:lnB w="12700" cap="flat" cmpd="sng" algn="ctr">
+                      <a:solidFill>
+                        <a:schemeClr val="tx1"/>
+                      </a:solidFill>
+                      <a:prstDash val="solid"/>
+                      <a:round/>
+                      <a:headEnd type="none" w="med" len="med"/>
+                      <a:tailEnd type="none" w="med" len="med"/>
                     </a:lnB>
                   </a:tcPr>
                 </a:tc>
@@ -4438,37 +6106,50 @@
                     <a:p>
                       <a:pPr algn="ctr"/>
                       <a:r>
-                        <a:rPr sz="900" b="0">
-                          <a:latin typeface="Arial"/>
+                        <a:rPr lang="en-US" sz="900" dirty="0">
+                          <a:latin typeface="Arial" panose="020B0604020202020204" pitchFamily="34" charset="0"/>
+                          <a:cs typeface="Arial" panose="020B0604020202020204" pitchFamily="34" charset="0"/>
                         </a:rPr>
-                        <a:t>{{MAT_TOP_SPEC}}</a:t>
+                        <a:t>{{SPEC1}}</a:t>
                       </a:r>
                     </a:p>
                   </a:txBody>
-                  <a:tcPr>
-                    <a:lnL w="12700" cap="flat" cmpd="sng" algn="ctr">
-                      <a:solidFill>
-                        <a:srgbClr val="000000"/>
-                      </a:solidFill>
-                      <a:prstDash val="solid"/>
-                    </a:lnL>
-                    <a:lnR w="12700" cap="flat" cmpd="sng" algn="ctr">
-                      <a:solidFill>
-                        <a:srgbClr val="000000"/>
-                      </a:solidFill>
-                      <a:prstDash val="solid"/>
-                    </a:lnR>
-                    <a:lnT w="12700" cap="flat" cmpd="sng" algn="ctr">
-                      <a:solidFill>
-                        <a:srgbClr val="000000"/>
-                      </a:solidFill>
-                      <a:prstDash val="solid"/>
-                    </a:lnT>
-                    <a:lnB w="12700" cap="flat" cmpd="sng" algn="ctr">
-                      <a:solidFill>
-                        <a:srgbClr val="000000"/>
-                      </a:solidFill>
-                      <a:prstDash val="solid"/>
+                  <a:tcPr anchor="ctr">
+                    <a:lnL w="12700" cap="flat" cmpd="sng" algn="ctr">
+                      <a:solidFill>
+                        <a:schemeClr val="tx1"/>
+                      </a:solidFill>
+                      <a:prstDash val="solid"/>
+                      <a:round/>
+                      <a:headEnd type="none" w="med" len="med"/>
+                      <a:tailEnd type="none" w="med" len="med"/>
+                    </a:lnL>
+                    <a:lnR w="12700" cap="flat" cmpd="sng" algn="ctr">
+                      <a:solidFill>
+                        <a:schemeClr val="tx1"/>
+                      </a:solidFill>
+                      <a:prstDash val="solid"/>
+                      <a:round/>
+                      <a:headEnd type="none" w="med" len="med"/>
+                      <a:tailEnd type="none" w="med" len="med"/>
+                    </a:lnR>
+                    <a:lnT w="12700" cap="flat" cmpd="sng" algn="ctr">
+                      <a:solidFill>
+                        <a:schemeClr val="tx1"/>
+                      </a:solidFill>
+                      <a:prstDash val="solid"/>
+                      <a:round/>
+                      <a:headEnd type="none" w="med" len="med"/>
+                      <a:tailEnd type="none" w="med" len="med"/>
+                    </a:lnT>
+                    <a:lnB w="12700" cap="flat" cmpd="sng" algn="ctr">
+                      <a:solidFill>
+                        <a:schemeClr val="tx1"/>
+                      </a:solidFill>
+                      <a:prstDash val="solid"/>
+                      <a:round/>
+                      <a:headEnd type="none" w="med" len="med"/>
+                      <a:tailEnd type="none" w="med" len="med"/>
                     </a:lnB>
                   </a:tcPr>
                 </a:tc>
@@ -4479,37 +6160,50 @@
                     <a:p>
                       <a:pPr algn="ctr"/>
                       <a:r>
-                        <a:rPr sz="900" b="0">
-                          <a:latin typeface="Arial"/>
+                        <a:rPr lang="en-US" sz="900" dirty="0">
+                          <a:latin typeface="Arial" panose="020B0604020202020204" pitchFamily="34" charset="0"/>
+                          <a:cs typeface="Arial" panose="020B0604020202020204" pitchFamily="34" charset="0"/>
                         </a:rPr>
-                        <a:t>{{MAT_TOP_GRADE}}</a:t>
+                        <a:t>{{GR1}}</a:t>
                       </a:r>
                     </a:p>
                   </a:txBody>
-                  <a:tcPr>
-                    <a:lnL w="12700" cap="flat" cmpd="sng" algn="ctr">
-                      <a:solidFill>
-                        <a:srgbClr val="000000"/>
-                      </a:solidFill>
-                      <a:prstDash val="solid"/>
-                    </a:lnL>
-                    <a:lnR w="12700" cap="flat" cmpd="sng" algn="ctr">
-                      <a:solidFill>
-                        <a:srgbClr val="000000"/>
-                      </a:solidFill>
-                      <a:prstDash val="solid"/>
-                    </a:lnR>
-                    <a:lnT w="12700" cap="flat" cmpd="sng" algn="ctr">
-                      <a:solidFill>
-                        <a:srgbClr val="000000"/>
-                      </a:solidFill>
-                      <a:prstDash val="solid"/>
-                    </a:lnT>
-                    <a:lnB w="12700" cap="flat" cmpd="sng" algn="ctr">
-                      <a:solidFill>
-                        <a:srgbClr val="000000"/>
-                      </a:solidFill>
-                      <a:prstDash val="solid"/>
+                  <a:tcPr anchor="ctr">
+                    <a:lnL w="12700" cap="flat" cmpd="sng" algn="ctr">
+                      <a:solidFill>
+                        <a:schemeClr val="tx1"/>
+                      </a:solidFill>
+                      <a:prstDash val="solid"/>
+                      <a:round/>
+                      <a:headEnd type="none" w="med" len="med"/>
+                      <a:tailEnd type="none" w="med" len="med"/>
+                    </a:lnL>
+                    <a:lnR w="12700" cap="flat" cmpd="sng" algn="ctr">
+                      <a:solidFill>
+                        <a:schemeClr val="tx1"/>
+                      </a:solidFill>
+                      <a:prstDash val="solid"/>
+                      <a:round/>
+                      <a:headEnd type="none" w="med" len="med"/>
+                      <a:tailEnd type="none" w="med" len="med"/>
+                    </a:lnR>
+                    <a:lnT w="12700" cap="flat" cmpd="sng" algn="ctr">
+                      <a:solidFill>
+                        <a:schemeClr val="tx1"/>
+                      </a:solidFill>
+                      <a:prstDash val="solid"/>
+                      <a:round/>
+                      <a:headEnd type="none" w="med" len="med"/>
+                      <a:tailEnd type="none" w="med" len="med"/>
+                    </a:lnT>
+                    <a:lnB w="12700" cap="flat" cmpd="sng" algn="ctr">
+                      <a:solidFill>
+                        <a:schemeClr val="tx1"/>
+                      </a:solidFill>
+                      <a:prstDash val="solid"/>
+                      <a:round/>
+                      <a:headEnd type="none" w="med" len="med"/>
+                      <a:tailEnd type="none" w="med" len="med"/>
                     </a:lnB>
                   </a:tcPr>
                 </a:tc>
@@ -4520,37 +6214,50 @@
                     <a:p>
                       <a:pPr algn="ctr"/>
                       <a:r>
-                        <a:rPr sz="900" b="0">
-                          <a:latin typeface="Arial"/>
+                        <a:rPr lang="en-US" sz="900" dirty="0">
+                          <a:latin typeface="Arial" panose="020B0604020202020204" pitchFamily="34" charset="0"/>
+                          <a:cs typeface="Arial" panose="020B0604020202020204" pitchFamily="34" charset="0"/>
                         </a:rPr>
-                        <a:t>{{INSUL}}</a:t>
+                        <a:t>{{INS1}}</a:t>
                       </a:r>
                     </a:p>
                   </a:txBody>
-                  <a:tcPr>
-                    <a:lnL w="12700" cap="flat" cmpd="sng" algn="ctr">
-                      <a:solidFill>
-                        <a:srgbClr val="000000"/>
-                      </a:solidFill>
-                      <a:prstDash val="solid"/>
-                    </a:lnL>
-                    <a:lnR w="12700" cap="flat" cmpd="sng" algn="ctr">
-                      <a:solidFill>
-                        <a:srgbClr val="000000"/>
-                      </a:solidFill>
-                      <a:prstDash val="solid"/>
-                    </a:lnR>
-                    <a:lnT w="12700" cap="flat" cmpd="sng" algn="ctr">
-                      <a:solidFill>
-                        <a:srgbClr val="000000"/>
-                      </a:solidFill>
-                      <a:prstDash val="solid"/>
-                    </a:lnT>
-                    <a:lnB w="12700" cap="flat" cmpd="sng" algn="ctr">
-                      <a:solidFill>
-                        <a:srgbClr val="000000"/>
-                      </a:solidFill>
-                      <a:prstDash val="solid"/>
+                  <a:tcPr anchor="ctr">
+                    <a:lnL w="12700" cap="flat" cmpd="sng" algn="ctr">
+                      <a:solidFill>
+                        <a:schemeClr val="tx1"/>
+                      </a:solidFill>
+                      <a:prstDash val="solid"/>
+                      <a:round/>
+                      <a:headEnd type="none" w="med" len="med"/>
+                      <a:tailEnd type="none" w="med" len="med"/>
+                    </a:lnL>
+                    <a:lnR w="12700" cap="flat" cmpd="sng" algn="ctr">
+                      <a:solidFill>
+                        <a:schemeClr val="tx1"/>
+                      </a:solidFill>
+                      <a:prstDash val="solid"/>
+                      <a:round/>
+                      <a:headEnd type="none" w="med" len="med"/>
+                      <a:tailEnd type="none" w="med" len="med"/>
+                    </a:lnR>
+                    <a:lnT w="12700" cap="flat" cmpd="sng" algn="ctr">
+                      <a:solidFill>
+                        <a:schemeClr val="tx1"/>
+                      </a:solidFill>
+                      <a:prstDash val="solid"/>
+                      <a:round/>
+                      <a:headEnd type="none" w="med" len="med"/>
+                      <a:tailEnd type="none" w="med" len="med"/>
+                    </a:lnT>
+                    <a:lnB w="12700" cap="flat" cmpd="sng" algn="ctr">
+                      <a:solidFill>
+                        <a:schemeClr val="tx1"/>
+                      </a:solidFill>
+                      <a:prstDash val="solid"/>
+                      <a:round/>
+                      <a:headEnd type="none" w="med" len="med"/>
+                      <a:tailEnd type="none" w="med" len="med"/>
                     </a:lnB>
                   </a:tcPr>
                 </a:tc>
@@ -4561,37 +6268,50 @@
                     <a:p>
                       <a:pPr algn="ctr"/>
                       <a:r>
-                        <a:rPr sz="900" b="0">
-                          <a:latin typeface="Arial"/>
+                        <a:rPr lang="en-US" sz="900" dirty="0">
+                          <a:latin typeface="Arial" panose="020B0604020202020204" pitchFamily="34" charset="0"/>
+                          <a:cs typeface="Arial" panose="020B0604020202020204" pitchFamily="34" charset="0"/>
                         </a:rPr>
-                        <a:t>{{OP_TEMP}}</a:t>
+                        <a:t>{{TEMP1}}</a:t>
                       </a:r>
                     </a:p>
                   </a:txBody>
-                  <a:tcPr>
-                    <a:lnL w="12700" cap="flat" cmpd="sng" algn="ctr">
-                      <a:solidFill>
-                        <a:srgbClr val="000000"/>
-                      </a:solidFill>
-                      <a:prstDash val="solid"/>
-                    </a:lnL>
-                    <a:lnR w="12700" cap="flat" cmpd="sng" algn="ctr">
-                      <a:solidFill>
-                        <a:srgbClr val="000000"/>
-                      </a:solidFill>
-                      <a:prstDash val="solid"/>
-                    </a:lnR>
-                    <a:lnT w="12700" cap="flat" cmpd="sng" algn="ctr">
-                      <a:solidFill>
-                        <a:srgbClr val="000000"/>
-                      </a:solidFill>
-                      <a:prstDash val="solid"/>
-                    </a:lnT>
-                    <a:lnB w="12700" cap="flat" cmpd="sng" algn="ctr">
-                      <a:solidFill>
-                        <a:srgbClr val="000000"/>
-                      </a:solidFill>
-                      <a:prstDash val="solid"/>
+                  <a:tcPr anchor="ctr">
+                    <a:lnL w="12700" cap="flat" cmpd="sng" algn="ctr">
+                      <a:solidFill>
+                        <a:schemeClr val="tx1"/>
+                      </a:solidFill>
+                      <a:prstDash val="solid"/>
+                      <a:round/>
+                      <a:headEnd type="none" w="med" len="med"/>
+                      <a:tailEnd type="none" w="med" len="med"/>
+                    </a:lnL>
+                    <a:lnR w="12700" cap="flat" cmpd="sng" algn="ctr">
+                      <a:solidFill>
+                        <a:schemeClr val="tx1"/>
+                      </a:solidFill>
+                      <a:prstDash val="solid"/>
+                      <a:round/>
+                      <a:headEnd type="none" w="med" len="med"/>
+                      <a:tailEnd type="none" w="med" len="med"/>
+                    </a:lnR>
+                    <a:lnT w="12700" cap="flat" cmpd="sng" algn="ctr">
+                      <a:solidFill>
+                        <a:schemeClr val="tx1"/>
+                      </a:solidFill>
+                      <a:prstDash val="solid"/>
+                      <a:round/>
+                      <a:headEnd type="none" w="med" len="med"/>
+                      <a:tailEnd type="none" w="med" len="med"/>
+                    </a:lnT>
+                    <a:lnB w="12700" cap="flat" cmpd="sng" algn="ctr">
+                      <a:solidFill>
+                        <a:schemeClr val="tx1"/>
+                      </a:solidFill>
+                      <a:prstDash val="solid"/>
+                      <a:round/>
+                      <a:headEnd type="none" w="med" len="med"/>
+                      <a:tailEnd type="none" w="med" len="med"/>
                     </a:lnB>
                   </a:tcPr>
                 </a:tc>
@@ -4602,37 +6322,50 @@
                     <a:p>
                       <a:pPr algn="ctr"/>
                       <a:r>
-                        <a:rPr sz="900" b="0">
-                          <a:latin typeface="Arial"/>
+                        <a:rPr lang="en-US" sz="900" dirty="0">
+                          <a:latin typeface="Arial" panose="020B0604020202020204" pitchFamily="34" charset="0"/>
+                          <a:cs typeface="Arial" panose="020B0604020202020204" pitchFamily="34" charset="0"/>
                         </a:rPr>
-                        <a:t>{{OP_PRESS}}</a:t>
+                        <a:t>{{PRESS1}}</a:t>
                       </a:r>
                     </a:p>
                   </a:txBody>
-                  <a:tcPr>
-                    <a:lnL w="12700" cap="flat" cmpd="sng" algn="ctr">
-                      <a:solidFill>
-                        <a:srgbClr val="000000"/>
-                      </a:solidFill>
-                      <a:prstDash val="solid"/>
-                    </a:lnL>
-                    <a:lnR w="12700" cap="flat" cmpd="sng" algn="ctr">
-                      <a:solidFill>
-                        <a:srgbClr val="000000"/>
-                      </a:solidFill>
-                      <a:prstDash val="solid"/>
-                    </a:lnR>
-                    <a:lnT w="12700" cap="flat" cmpd="sng" algn="ctr">
-                      <a:solidFill>
-                        <a:srgbClr val="000000"/>
-                      </a:solidFill>
-                      <a:prstDash val="solid"/>
-                    </a:lnT>
-                    <a:lnB w="12700" cap="flat" cmpd="sng" algn="ctr">
-                      <a:solidFill>
-                        <a:srgbClr val="000000"/>
-                      </a:solidFill>
-                      <a:prstDash val="solid"/>
+                  <a:tcPr anchor="ctr">
+                    <a:lnL w="12700" cap="flat" cmpd="sng" algn="ctr">
+                      <a:solidFill>
+                        <a:schemeClr val="tx1"/>
+                      </a:solidFill>
+                      <a:prstDash val="solid"/>
+                      <a:round/>
+                      <a:headEnd type="none" w="med" len="med"/>
+                      <a:tailEnd type="none" w="med" len="med"/>
+                    </a:lnL>
+                    <a:lnR w="12700" cap="flat" cmpd="sng" algn="ctr">
+                      <a:solidFill>
+                        <a:schemeClr val="tx1"/>
+                      </a:solidFill>
+                      <a:prstDash val="solid"/>
+                      <a:round/>
+                      <a:headEnd type="none" w="med" len="med"/>
+                      <a:tailEnd type="none" w="med" len="med"/>
+                    </a:lnR>
+                    <a:lnT w="12700" cap="flat" cmpd="sng" algn="ctr">
+                      <a:solidFill>
+                        <a:schemeClr val="tx1"/>
+                      </a:solidFill>
+                      <a:prstDash val="solid"/>
+                      <a:round/>
+                      <a:headEnd type="none" w="med" len="med"/>
+                      <a:tailEnd type="none" w="med" len="med"/>
+                    </a:lnT>
+                    <a:lnB w="12700" cap="flat" cmpd="sng" algn="ctr">
+                      <a:solidFill>
+                        <a:schemeClr val="tx1"/>
+                      </a:solidFill>
+                      <a:prstDash val="solid"/>
+                      <a:round/>
+                      <a:headEnd type="none" w="med" len="med"/>
+                      <a:tailEnd type="none" w="med" len="med"/>
                     </a:lnB>
                   </a:tcPr>
                 </a:tc>
@@ -4643,56 +6376,181 @@
                     <a:p>
                       <a:pPr algn="ctr"/>
                       <a:r>
-                        <a:rPr sz="900" b="1">
-                          <a:solidFill>
-                            <a:srgbClr val="000000"/>
-                          </a:solidFill>
-                          <a:latin typeface="Arial"/>
+                        <a:rPr lang="en-US" sz="900" dirty="0">
+                          <a:latin typeface="Arial" panose="020B0604020202020204" pitchFamily="34" charset="0"/>
+                          <a:cs typeface="Arial" panose="020B0604020202020204" pitchFamily="34" charset="0"/>
                         </a:rPr>
-                        <a:t>LOW</a:t>
+                        <a:t>{{RISK_RATING}}</a:t>
                       </a:r>
                     </a:p>
                   </a:txBody>
-                  <a:tcPr>
-                    <a:solidFill>
-                      <a:srgbClr val="00B050"/>
-                    </a:solidFill>
-                    <a:lnL w="12700" cap="flat" cmpd="sng" algn="ctr">
-                      <a:solidFill>
-                        <a:srgbClr val="000000"/>
-                      </a:solidFill>
-                      <a:prstDash val="solid"/>
-                    </a:lnL>
-                    <a:lnR w="12700" cap="flat" cmpd="sng" algn="ctr">
-                      <a:solidFill>
-                        <a:srgbClr val="000000"/>
-                      </a:solidFill>
-                      <a:prstDash val="solid"/>
-                    </a:lnR>
-                    <a:lnT w="12700" cap="flat" cmpd="sng" algn="ctr">
-                      <a:solidFill>
-                        <a:srgbClr val="000000"/>
-                      </a:solidFill>
-                      <a:prstDash val="solid"/>
-                    </a:lnT>
-                    <a:lnB w="12700" cap="flat" cmpd="sng" algn="ctr">
-                      <a:solidFill>
-                        <a:srgbClr val="000000"/>
-                      </a:solidFill>
-                      <a:prstDash val="solid"/>
-                    </a:lnB>
-                  </a:tcPr>
-                </a:tc>
-                <a:tc rowSpan="3">
-                  <a:txBody>
-                    <a:bodyPr/>
-                    <a:lstStyle/>
-                    <a:p/>
-                  </a:txBody>
-                  <a:tcPr/>
-                </a:tc>
+                  <a:tcPr anchor="ctr">
+                    <a:lnL w="12700" cap="flat" cmpd="sng" algn="ctr">
+                      <a:solidFill>
+                        <a:schemeClr val="tx1"/>
+                      </a:solidFill>
+                      <a:prstDash val="solid"/>
+                      <a:round/>
+                      <a:headEnd type="none" w="med" len="med"/>
+                      <a:tailEnd type="none" w="med" len="med"/>
+                    </a:lnL>
+                    <a:lnR w="12700" cap="flat" cmpd="sng" algn="ctr">
+                      <a:solidFill>
+                        <a:schemeClr val="tx1"/>
+                      </a:solidFill>
+                      <a:prstDash val="solid"/>
+                      <a:round/>
+                      <a:headEnd type="none" w="med" len="med"/>
+                      <a:tailEnd type="none" w="med" len="med"/>
+                    </a:lnR>
+                    <a:lnT w="12700" cap="flat" cmpd="sng" algn="ctr">
+                      <a:solidFill>
+                        <a:schemeClr val="tx1"/>
+                      </a:solidFill>
+                      <a:prstDash val="solid"/>
+                      <a:round/>
+                      <a:headEnd type="none" w="med" len="med"/>
+                      <a:tailEnd type="none" w="med" len="med"/>
+                    </a:lnT>
+                    <a:lnB w="12700" cap="flat" cmpd="sng" algn="ctr">
+                      <a:solidFill>
+                        <a:schemeClr val="tx1"/>
+                      </a:solidFill>
+                      <a:prstDash val="solid"/>
+                      <a:round/>
+                      <a:headEnd type="none" w="med" len="med"/>
+                      <a:tailEnd type="none" w="med" len="med"/>
+                    </a:lnB>
+                  </a:tcPr>
+                </a:tc>
+                <a:tc vMerge="1">
+                  <a:txBody>
+                    <a:bodyPr/>
+                    <a:lstStyle/>
+                    <a:p>
+                      <a:pPr algn="ctr"/>
+                      <a:endParaRPr lang="en-US" sz="1000" dirty="0">
+                        <a:latin typeface="Arial" panose="020B0604020202020204" pitchFamily="34" charset="0"/>
+                        <a:cs typeface="Arial" panose="020B0604020202020204" pitchFamily="34" charset="0"/>
+                      </a:endParaRPr>
+                    </a:p>
+                  </a:txBody>
+                  <a:tcPr anchor="ctr">
+                    <a:lnL w="12700" cap="flat" cmpd="sng" algn="ctr">
+                      <a:solidFill>
+                        <a:schemeClr val="tx1"/>
+                      </a:solidFill>
+                      <a:prstDash val="solid"/>
+                      <a:round/>
+                      <a:headEnd type="none" w="med" len="med"/>
+                      <a:tailEnd type="none" w="med" len="med"/>
+                    </a:lnL>
+                    <a:lnR w="12700" cap="flat" cmpd="sng" algn="ctr">
+                      <a:solidFill>
+                        <a:schemeClr val="tx1"/>
+                      </a:solidFill>
+                      <a:prstDash val="solid"/>
+                      <a:round/>
+                      <a:headEnd type="none" w="med" len="med"/>
+                      <a:tailEnd type="none" w="med" len="med"/>
+                    </a:lnR>
+                    <a:lnT w="12700" cap="flat" cmpd="sng" algn="ctr">
+                      <a:solidFill>
+                        <a:schemeClr val="tx1"/>
+                      </a:solidFill>
+                      <a:prstDash val="solid"/>
+                      <a:round/>
+                      <a:headEnd type="none" w="med" len="med"/>
+                      <a:tailEnd type="none" w="med" len="med"/>
+                    </a:lnT>
+                    <a:lnB w="12700" cap="flat" cmpd="sng" algn="ctr">
+                      <a:solidFill>
+                        <a:schemeClr val="tx1"/>
+                      </a:solidFill>
+                      <a:prstDash val="solid"/>
+                      <a:round/>
+                      <a:headEnd type="none" w="med" len="med"/>
+                      <a:tailEnd type="none" w="med" len="med"/>
+                    </a:lnB>
+                  </a:tcPr>
+                </a:tc>
+                <a:extLst>
+                  <a:ext uri="{0D108BD9-81ED-4DB2-BD59-A6C34878D82A}">
+                    <a16:rowId xmlns:a16="http://schemas.microsoft.com/office/drawing/2014/main" val="3489028611"/>
+                  </a:ext>
+                </a:extLst>
               </a:tr>
-              <a:tr h="365760">
+              <a:tr h="370840">
+                <a:tc>
+                  <a:txBody>
+                    <a:bodyPr/>
+                    <a:lstStyle/>
+                    <a:p>
+                      <a:pPr marL="0" marR="0" lvl="0" indent="0" algn="ctr" defTabSz="457200" rtl="0" eaLnBrk="1" fontAlgn="auto" latinLnBrk="0" hangingPunct="1">
+                        <a:lnSpc>
+                          <a:spcPct val="100000"/>
+                        </a:lnSpc>
+                        <a:spcBef>
+                          <a:spcPts val="0"/>
+                        </a:spcBef>
+                        <a:spcAft>
+                          <a:spcPts val="0"/>
+                        </a:spcAft>
+                        <a:buClrTx/>
+                        <a:buSzTx/>
+                        <a:buFontTx/>
+                        <a:buNone/>
+                        <a:tabLst/>
+                        <a:defRPr/>
+                      </a:pPr>
+                      <a:r>
+                        <a:rPr lang="en-US" sz="900" dirty="0">
+                          <a:latin typeface="Arial" panose="020B0604020202020204" pitchFamily="34" charset="0"/>
+                          <a:cs typeface="Arial" panose="020B0604020202020204" pitchFamily="34" charset="0"/>
+                        </a:rPr>
+                        <a:t>{{FLUID2}}</a:t>
+                      </a:r>
+                    </a:p>
+                  </a:txBody>
+                  <a:tcPr anchor="ctr">
+                    <a:lnL w="12700" cap="flat" cmpd="sng" algn="ctr">
+                      <a:solidFill>
+                        <a:schemeClr val="tx1"/>
+                      </a:solidFill>
+                      <a:prstDash val="solid"/>
+                      <a:round/>
+                      <a:headEnd type="none" w="med" len="med"/>
+                      <a:tailEnd type="none" w="med" len="med"/>
+                    </a:lnL>
+                    <a:lnR w="12700" cap="flat" cmpd="sng" algn="ctr">
+                      <a:solidFill>
+                        <a:schemeClr val="tx1"/>
+                      </a:solidFill>
+                      <a:prstDash val="solid"/>
+                      <a:round/>
+                      <a:headEnd type="none" w="med" len="med"/>
+                      <a:tailEnd type="none" w="med" len="med"/>
+                    </a:lnR>
+                    <a:lnT w="12700" cap="flat" cmpd="sng" algn="ctr">
+                      <a:solidFill>
+                        <a:schemeClr val="tx1"/>
+                      </a:solidFill>
+                      <a:prstDash val="solid"/>
+                      <a:round/>
+                      <a:headEnd type="none" w="med" len="med"/>
+                      <a:tailEnd type="none" w="med" len="med"/>
+                    </a:lnT>
+                    <a:lnB w="12700" cap="flat" cmpd="sng" algn="ctr">
+                      <a:solidFill>
+                        <a:schemeClr val="tx1"/>
+                      </a:solidFill>
+                      <a:prstDash val="solid"/>
+                      <a:round/>
+                      <a:headEnd type="none" w="med" len="med"/>
+                      <a:tailEnd type="none" w="med" len="med"/>
+                    </a:lnB>
+                  </a:tcPr>
+                </a:tc>
                 <a:tc>
                   <a:txBody>
                     <a:bodyPr/>
@@ -4700,37 +6558,50 @@
                     <a:p>
                       <a:pPr algn="ctr"/>
                       <a:r>
-                        <a:rPr sz="900" b="0">
-                          <a:latin typeface="Arial"/>
+                        <a:rPr lang="en-US" sz="900" dirty="0">
+                          <a:latin typeface="Arial" panose="020B0604020202020204" pitchFamily="34" charset="0"/>
+                          <a:cs typeface="Arial" panose="020B0604020202020204" pitchFamily="34" charset="0"/>
                         </a:rPr>
-                        <a:t>{{FLUID_SHELL}}</a:t>
+                        <a:t>{{COMP2}}</a:t>
                       </a:r>
                     </a:p>
                   </a:txBody>
-                  <a:tcPr>
-                    <a:lnL w="12700" cap="flat" cmpd="sng" algn="ctr">
-                      <a:solidFill>
-                        <a:srgbClr val="000000"/>
-                      </a:solidFill>
-                      <a:prstDash val="solid"/>
-                    </a:lnL>
-                    <a:lnR w="12700" cap="flat" cmpd="sng" algn="ctr">
-                      <a:solidFill>
-                        <a:srgbClr val="000000"/>
-                      </a:solidFill>
-                      <a:prstDash val="solid"/>
-                    </a:lnR>
-                    <a:lnT w="12700" cap="flat" cmpd="sng" algn="ctr">
-                      <a:solidFill>
-                        <a:srgbClr val="000000"/>
-                      </a:solidFill>
-                      <a:prstDash val="solid"/>
-                    </a:lnT>
-                    <a:lnB w="12700" cap="flat" cmpd="sng" algn="ctr">
-                      <a:solidFill>
-                        <a:srgbClr val="000000"/>
-                      </a:solidFill>
-                      <a:prstDash val="solid"/>
+                  <a:tcPr anchor="ctr">
+                    <a:lnL w="12700" cap="flat" cmpd="sng" algn="ctr">
+                      <a:solidFill>
+                        <a:schemeClr val="tx1"/>
+                      </a:solidFill>
+                      <a:prstDash val="solid"/>
+                      <a:round/>
+                      <a:headEnd type="none" w="med" len="med"/>
+                      <a:tailEnd type="none" w="med" len="med"/>
+                    </a:lnL>
+                    <a:lnR w="12700" cap="flat" cmpd="sng" algn="ctr">
+                      <a:solidFill>
+                        <a:schemeClr val="tx1"/>
+                      </a:solidFill>
+                      <a:prstDash val="solid"/>
+                      <a:round/>
+                      <a:headEnd type="none" w="med" len="med"/>
+                      <a:tailEnd type="none" w="med" len="med"/>
+                    </a:lnR>
+                    <a:lnT w="12700" cap="flat" cmpd="sng" algn="ctr">
+                      <a:solidFill>
+                        <a:schemeClr val="tx1"/>
+                      </a:solidFill>
+                      <a:prstDash val="solid"/>
+                      <a:round/>
+                      <a:headEnd type="none" w="med" len="med"/>
+                      <a:tailEnd type="none" w="med" len="med"/>
+                    </a:lnT>
+                    <a:lnB w="12700" cap="flat" cmpd="sng" algn="ctr">
+                      <a:solidFill>
+                        <a:schemeClr val="tx1"/>
+                      </a:solidFill>
+                      <a:prstDash val="solid"/>
+                      <a:round/>
+                      <a:headEnd type="none" w="med" len="med"/>
+                      <a:tailEnd type="none" w="med" len="med"/>
                     </a:lnB>
                   </a:tcPr>
                 </a:tc>
@@ -4741,37 +6612,50 @@
                     <a:p>
                       <a:pPr algn="ctr"/>
                       <a:r>
-                        <a:rPr sz="900" b="0">
-                          <a:latin typeface="Arial"/>
+                        <a:rPr lang="en-US" sz="900" dirty="0">
+                          <a:latin typeface="Arial" panose="020B0604020202020204" pitchFamily="34" charset="0"/>
+                          <a:cs typeface="Arial" panose="020B0604020202020204" pitchFamily="34" charset="0"/>
                         </a:rPr>
-                        <a:t>Shell</a:t>
+                        <a:t>{{DC2}}</a:t>
                       </a:r>
                     </a:p>
                   </a:txBody>
-                  <a:tcPr>
-                    <a:lnL w="12700" cap="flat" cmpd="sng" algn="ctr">
-                      <a:solidFill>
-                        <a:srgbClr val="000000"/>
-                      </a:solidFill>
-                      <a:prstDash val="solid"/>
-                    </a:lnL>
-                    <a:lnR w="12700" cap="flat" cmpd="sng" algn="ctr">
-                      <a:solidFill>
-                        <a:srgbClr val="000000"/>
-                      </a:solidFill>
-                      <a:prstDash val="solid"/>
-                    </a:lnR>
-                    <a:lnT w="12700" cap="flat" cmpd="sng" algn="ctr">
-                      <a:solidFill>
-                        <a:srgbClr val="000000"/>
-                      </a:solidFill>
-                      <a:prstDash val="solid"/>
-                    </a:lnT>
-                    <a:lnB w="12700" cap="flat" cmpd="sng" algn="ctr">
-                      <a:solidFill>
-                        <a:srgbClr val="000000"/>
-                      </a:solidFill>
-                      <a:prstDash val="solid"/>
+                  <a:tcPr anchor="ctr">
+                    <a:lnL w="12700" cap="flat" cmpd="sng" algn="ctr">
+                      <a:solidFill>
+                        <a:schemeClr val="tx1"/>
+                      </a:solidFill>
+                      <a:prstDash val="solid"/>
+                      <a:round/>
+                      <a:headEnd type="none" w="med" len="med"/>
+                      <a:tailEnd type="none" w="med" len="med"/>
+                    </a:lnL>
+                    <a:lnR w="12700" cap="flat" cmpd="sng" algn="ctr">
+                      <a:solidFill>
+                        <a:schemeClr val="tx1"/>
+                      </a:solidFill>
+                      <a:prstDash val="solid"/>
+                      <a:round/>
+                      <a:headEnd type="none" w="med" len="med"/>
+                      <a:tailEnd type="none" w="med" len="med"/>
+                    </a:lnR>
+                    <a:lnT w="12700" cap="flat" cmpd="sng" algn="ctr">
+                      <a:solidFill>
+                        <a:schemeClr val="tx1"/>
+                      </a:solidFill>
+                      <a:prstDash val="solid"/>
+                      <a:round/>
+                      <a:headEnd type="none" w="med" len="med"/>
+                      <a:tailEnd type="none" w="med" len="med"/>
+                    </a:lnT>
+                    <a:lnB w="12700" cap="flat" cmpd="sng" algn="ctr">
+                      <a:solidFill>
+                        <a:schemeClr val="tx1"/>
+                      </a:solidFill>
+                      <a:prstDash val="solid"/>
+                      <a:round/>
+                      <a:headEnd type="none" w="med" len="med"/>
+                      <a:tailEnd type="none" w="med" len="med"/>
                     </a:lnB>
                   </a:tcPr>
                 </a:tc>
@@ -4782,37 +6666,50 @@
                     <a:p>
                       <a:pPr algn="ctr"/>
                       <a:r>
-                        <a:rPr sz="900" b="0">
-                          <a:latin typeface="Arial"/>
+                        <a:rPr lang="en-US" sz="900" dirty="0">
+                          <a:latin typeface="Arial" panose="020B0604020202020204" pitchFamily="34" charset="0"/>
+                          <a:cs typeface="Arial" panose="020B0604020202020204" pitchFamily="34" charset="0"/>
                         </a:rPr>
-                        <a:t>{{CODE_SHELL}}</a:t>
+                        <a:t>{{TYPE2}}</a:t>
                       </a:r>
                     </a:p>
                   </a:txBody>
-                  <a:tcPr>
-                    <a:lnL w="12700" cap="flat" cmpd="sng" algn="ctr">
-                      <a:solidFill>
-                        <a:srgbClr val="000000"/>
-                      </a:solidFill>
-                      <a:prstDash val="solid"/>
-                    </a:lnL>
-                    <a:lnR w="12700" cap="flat" cmpd="sng" algn="ctr">
-                      <a:solidFill>
-                        <a:srgbClr val="000000"/>
-                      </a:solidFill>
-                      <a:prstDash val="solid"/>
-                    </a:lnR>
-                    <a:lnT w="12700" cap="flat" cmpd="sng" algn="ctr">
-                      <a:solidFill>
-                        <a:srgbClr val="000000"/>
-                      </a:solidFill>
-                      <a:prstDash val="solid"/>
-                    </a:lnT>
-                    <a:lnB w="12700" cap="flat" cmpd="sng" algn="ctr">
-                      <a:solidFill>
-                        <a:srgbClr val="000000"/>
-                      </a:solidFill>
-                      <a:prstDash val="solid"/>
+                  <a:tcPr anchor="ctr">
+                    <a:lnL w="12700" cap="flat" cmpd="sng" algn="ctr">
+                      <a:solidFill>
+                        <a:schemeClr val="tx1"/>
+                      </a:solidFill>
+                      <a:prstDash val="solid"/>
+                      <a:round/>
+                      <a:headEnd type="none" w="med" len="med"/>
+                      <a:tailEnd type="none" w="med" len="med"/>
+                    </a:lnL>
+                    <a:lnR w="12700" cap="flat" cmpd="sng" algn="ctr">
+                      <a:solidFill>
+                        <a:schemeClr val="tx1"/>
+                      </a:solidFill>
+                      <a:prstDash val="solid"/>
+                      <a:round/>
+                      <a:headEnd type="none" w="med" len="med"/>
+                      <a:tailEnd type="none" w="med" len="med"/>
+                    </a:lnR>
+                    <a:lnT w="12700" cap="flat" cmpd="sng" algn="ctr">
+                      <a:solidFill>
+                        <a:schemeClr val="tx1"/>
+                      </a:solidFill>
+                      <a:prstDash val="solid"/>
+                      <a:round/>
+                      <a:headEnd type="none" w="med" len="med"/>
+                      <a:tailEnd type="none" w="med" len="med"/>
+                    </a:lnT>
+                    <a:lnB w="12700" cap="flat" cmpd="sng" algn="ctr">
+                      <a:solidFill>
+                        <a:schemeClr val="tx1"/>
+                      </a:solidFill>
+                      <a:prstDash val="solid"/>
+                      <a:round/>
+                      <a:headEnd type="none" w="med" len="med"/>
+                      <a:tailEnd type="none" w="med" len="med"/>
                     </a:lnB>
                   </a:tcPr>
                 </a:tc>
@@ -4823,37 +6720,50 @@
                     <a:p>
                       <a:pPr algn="ctr"/>
                       <a:r>
-                        <a:rPr sz="900" b="0">
-                          <a:latin typeface="Arial"/>
+                        <a:rPr lang="en-US" sz="900" dirty="0">
+                          <a:latin typeface="Arial" panose="020B0604020202020204" pitchFamily="34" charset="0"/>
+                          <a:cs typeface="Arial" panose="020B0604020202020204" pitchFamily="34" charset="0"/>
                         </a:rPr>
-                        <a:t>{{MAT_SHELL_TYPE}}</a:t>
+                        <a:t>{{SPEC2}}</a:t>
                       </a:r>
                     </a:p>
                   </a:txBody>
-                  <a:tcPr>
-                    <a:lnL w="12700" cap="flat" cmpd="sng" algn="ctr">
-                      <a:solidFill>
-                        <a:srgbClr val="000000"/>
-                      </a:solidFill>
-                      <a:prstDash val="solid"/>
-                    </a:lnL>
-                    <a:lnR w="12700" cap="flat" cmpd="sng" algn="ctr">
-                      <a:solidFill>
-                        <a:srgbClr val="000000"/>
-                      </a:solidFill>
-                      <a:prstDash val="solid"/>
-                    </a:lnR>
-                    <a:lnT w="12700" cap="flat" cmpd="sng" algn="ctr">
-                      <a:solidFill>
-                        <a:srgbClr val="000000"/>
-                      </a:solidFill>
-                      <a:prstDash val="solid"/>
-                    </a:lnT>
-                    <a:lnB w="12700" cap="flat" cmpd="sng" algn="ctr">
-                      <a:solidFill>
-                        <a:srgbClr val="000000"/>
-                      </a:solidFill>
-                      <a:prstDash val="solid"/>
+                  <a:tcPr anchor="ctr">
+                    <a:lnL w="12700" cap="flat" cmpd="sng" algn="ctr">
+                      <a:solidFill>
+                        <a:schemeClr val="tx1"/>
+                      </a:solidFill>
+                      <a:prstDash val="solid"/>
+                      <a:round/>
+                      <a:headEnd type="none" w="med" len="med"/>
+                      <a:tailEnd type="none" w="med" len="med"/>
+                    </a:lnL>
+                    <a:lnR w="12700" cap="flat" cmpd="sng" algn="ctr">
+                      <a:solidFill>
+                        <a:schemeClr val="tx1"/>
+                      </a:solidFill>
+                      <a:prstDash val="solid"/>
+                      <a:round/>
+                      <a:headEnd type="none" w="med" len="med"/>
+                      <a:tailEnd type="none" w="med" len="med"/>
+                    </a:lnR>
+                    <a:lnT w="12700" cap="flat" cmpd="sng" algn="ctr">
+                      <a:solidFill>
+                        <a:schemeClr val="tx1"/>
+                      </a:solidFill>
+                      <a:prstDash val="solid"/>
+                      <a:round/>
+                      <a:headEnd type="none" w="med" len="med"/>
+                      <a:tailEnd type="none" w="med" len="med"/>
+                    </a:lnT>
+                    <a:lnB w="12700" cap="flat" cmpd="sng" algn="ctr">
+                      <a:solidFill>
+                        <a:schemeClr val="tx1"/>
+                      </a:solidFill>
+                      <a:prstDash val="solid"/>
+                      <a:round/>
+                      <a:headEnd type="none" w="med" len="med"/>
+                      <a:tailEnd type="none" w="med" len="med"/>
                     </a:lnB>
                   </a:tcPr>
                 </a:tc>
@@ -4864,37 +6774,50 @@
                     <a:p>
                       <a:pPr algn="ctr"/>
                       <a:r>
-                        <a:rPr sz="900" b="0">
-                          <a:latin typeface="Arial"/>
+                        <a:rPr lang="en-US" sz="900" dirty="0">
+                          <a:latin typeface="Arial" panose="020B0604020202020204" pitchFamily="34" charset="0"/>
+                          <a:cs typeface="Arial" panose="020B0604020202020204" pitchFamily="34" charset="0"/>
                         </a:rPr>
-                        <a:t>{{MAT_SHELL_SPEC}}</a:t>
+                        <a:t>{{GR2}}</a:t>
                       </a:r>
                     </a:p>
                   </a:txBody>
-                  <a:tcPr>
-                    <a:lnL w="12700" cap="flat" cmpd="sng" algn="ctr">
-                      <a:solidFill>
-                        <a:srgbClr val="000000"/>
-                      </a:solidFill>
-                      <a:prstDash val="solid"/>
-                    </a:lnL>
-                    <a:lnR w="12700" cap="flat" cmpd="sng" algn="ctr">
-                      <a:solidFill>
-                        <a:srgbClr val="000000"/>
-                      </a:solidFill>
-                      <a:prstDash val="solid"/>
-                    </a:lnR>
-                    <a:lnT w="12700" cap="flat" cmpd="sng" algn="ctr">
-                      <a:solidFill>
-                        <a:srgbClr val="000000"/>
-                      </a:solidFill>
-                      <a:prstDash val="solid"/>
-                    </a:lnT>
-                    <a:lnB w="12700" cap="flat" cmpd="sng" algn="ctr">
-                      <a:solidFill>
-                        <a:srgbClr val="000000"/>
-                      </a:solidFill>
-                      <a:prstDash val="solid"/>
+                  <a:tcPr anchor="ctr">
+                    <a:lnL w="12700" cap="flat" cmpd="sng" algn="ctr">
+                      <a:solidFill>
+                        <a:schemeClr val="tx1"/>
+                      </a:solidFill>
+                      <a:prstDash val="solid"/>
+                      <a:round/>
+                      <a:headEnd type="none" w="med" len="med"/>
+                      <a:tailEnd type="none" w="med" len="med"/>
+                    </a:lnL>
+                    <a:lnR w="12700" cap="flat" cmpd="sng" algn="ctr">
+                      <a:solidFill>
+                        <a:schemeClr val="tx1"/>
+                      </a:solidFill>
+                      <a:prstDash val="solid"/>
+                      <a:round/>
+                      <a:headEnd type="none" w="med" len="med"/>
+                      <a:tailEnd type="none" w="med" len="med"/>
+                    </a:lnR>
+                    <a:lnT w="12700" cap="flat" cmpd="sng" algn="ctr">
+                      <a:solidFill>
+                        <a:schemeClr val="tx1"/>
+                      </a:solidFill>
+                      <a:prstDash val="solid"/>
+                      <a:round/>
+                      <a:headEnd type="none" w="med" len="med"/>
+                      <a:tailEnd type="none" w="med" len="med"/>
+                    </a:lnT>
+                    <a:lnB w="12700" cap="flat" cmpd="sng" algn="ctr">
+                      <a:solidFill>
+                        <a:schemeClr val="tx1"/>
+                      </a:solidFill>
+                      <a:prstDash val="solid"/>
+                      <a:round/>
+                      <a:headEnd type="none" w="med" len="med"/>
+                      <a:tailEnd type="none" w="med" len="med"/>
                     </a:lnB>
                   </a:tcPr>
                 </a:tc>
@@ -4905,37 +6828,50 @@
                     <a:p>
                       <a:pPr algn="ctr"/>
                       <a:r>
-                        <a:rPr sz="900" b="0">
-                          <a:latin typeface="Arial"/>
+                        <a:rPr lang="en-US" sz="900" dirty="0">
+                          <a:latin typeface="Arial" panose="020B0604020202020204" pitchFamily="34" charset="0"/>
+                          <a:cs typeface="Arial" panose="020B0604020202020204" pitchFamily="34" charset="0"/>
                         </a:rPr>
-                        <a:t>{{MAT_SHELL_GRADE}}</a:t>
+                        <a:t>{{INS2}}</a:t>
                       </a:r>
                     </a:p>
                   </a:txBody>
-                  <a:tcPr>
-                    <a:lnL w="12700" cap="flat" cmpd="sng" algn="ctr">
-                      <a:solidFill>
-                        <a:srgbClr val="000000"/>
-                      </a:solidFill>
-                      <a:prstDash val="solid"/>
-                    </a:lnL>
-                    <a:lnR w="12700" cap="flat" cmpd="sng" algn="ctr">
-                      <a:solidFill>
-                        <a:srgbClr val="000000"/>
-                      </a:solidFill>
-                      <a:prstDash val="solid"/>
-                    </a:lnR>
-                    <a:lnT w="12700" cap="flat" cmpd="sng" algn="ctr">
-                      <a:solidFill>
-                        <a:srgbClr val="000000"/>
-                      </a:solidFill>
-                      <a:prstDash val="solid"/>
-                    </a:lnT>
-                    <a:lnB w="12700" cap="flat" cmpd="sng" algn="ctr">
-                      <a:solidFill>
-                        <a:srgbClr val="000000"/>
-                      </a:solidFill>
-                      <a:prstDash val="solid"/>
+                  <a:tcPr anchor="ctr">
+                    <a:lnL w="12700" cap="flat" cmpd="sng" algn="ctr">
+                      <a:solidFill>
+                        <a:schemeClr val="tx1"/>
+                      </a:solidFill>
+                      <a:prstDash val="solid"/>
+                      <a:round/>
+                      <a:headEnd type="none" w="med" len="med"/>
+                      <a:tailEnd type="none" w="med" len="med"/>
+                    </a:lnL>
+                    <a:lnR w="12700" cap="flat" cmpd="sng" algn="ctr">
+                      <a:solidFill>
+                        <a:schemeClr val="tx1"/>
+                      </a:solidFill>
+                      <a:prstDash val="solid"/>
+                      <a:round/>
+                      <a:headEnd type="none" w="med" len="med"/>
+                      <a:tailEnd type="none" w="med" len="med"/>
+                    </a:lnR>
+                    <a:lnT w="12700" cap="flat" cmpd="sng" algn="ctr">
+                      <a:solidFill>
+                        <a:schemeClr val="tx1"/>
+                      </a:solidFill>
+                      <a:prstDash val="solid"/>
+                      <a:round/>
+                      <a:headEnd type="none" w="med" len="med"/>
+                      <a:tailEnd type="none" w="med" len="med"/>
+                    </a:lnT>
+                    <a:lnB w="12700" cap="flat" cmpd="sng" algn="ctr">
+                      <a:solidFill>
+                        <a:schemeClr val="tx1"/>
+                      </a:solidFill>
+                      <a:prstDash val="solid"/>
+                      <a:round/>
+                      <a:headEnd type="none" w="med" len="med"/>
+                      <a:tailEnd type="none" w="med" len="med"/>
                     </a:lnB>
                   </a:tcPr>
                 </a:tc>
@@ -4946,37 +6882,50 @@
                     <a:p>
                       <a:pPr algn="ctr"/>
                       <a:r>
-                        <a:rPr sz="900" b="0">
-                          <a:latin typeface="Arial"/>
+                        <a:rPr lang="en-US" sz="900" dirty="0">
+                          <a:latin typeface="Arial" panose="020B0604020202020204" pitchFamily="34" charset="0"/>
+                          <a:cs typeface="Arial" panose="020B0604020202020204" pitchFamily="34" charset="0"/>
                         </a:rPr>
-                        <a:t>{{INSUL}}</a:t>
+                        <a:t>{{TEMP2}}</a:t>
                       </a:r>
                     </a:p>
                   </a:txBody>
-                  <a:tcPr>
-                    <a:lnL w="12700" cap="flat" cmpd="sng" algn="ctr">
-                      <a:solidFill>
-                        <a:srgbClr val="000000"/>
-                      </a:solidFill>
-                      <a:prstDash val="solid"/>
-                    </a:lnL>
-                    <a:lnR w="12700" cap="flat" cmpd="sng" algn="ctr">
-                      <a:solidFill>
-                        <a:srgbClr val="000000"/>
-                      </a:solidFill>
-                      <a:prstDash val="solid"/>
-                    </a:lnR>
-                    <a:lnT w="12700" cap="flat" cmpd="sng" algn="ctr">
-                      <a:solidFill>
-                        <a:srgbClr val="000000"/>
-                      </a:solidFill>
-                      <a:prstDash val="solid"/>
-                    </a:lnT>
-                    <a:lnB w="12700" cap="flat" cmpd="sng" algn="ctr">
-                      <a:solidFill>
-                        <a:srgbClr val="000000"/>
-                      </a:solidFill>
-                      <a:prstDash val="solid"/>
+                  <a:tcPr anchor="ctr">
+                    <a:lnL w="12700" cap="flat" cmpd="sng" algn="ctr">
+                      <a:solidFill>
+                        <a:schemeClr val="tx1"/>
+                      </a:solidFill>
+                      <a:prstDash val="solid"/>
+                      <a:round/>
+                      <a:headEnd type="none" w="med" len="med"/>
+                      <a:tailEnd type="none" w="med" len="med"/>
+                    </a:lnL>
+                    <a:lnR w="12700" cap="flat" cmpd="sng" algn="ctr">
+                      <a:solidFill>
+                        <a:schemeClr val="tx1"/>
+                      </a:solidFill>
+                      <a:prstDash val="solid"/>
+                      <a:round/>
+                      <a:headEnd type="none" w="med" len="med"/>
+                      <a:tailEnd type="none" w="med" len="med"/>
+                    </a:lnR>
+                    <a:lnT w="12700" cap="flat" cmpd="sng" algn="ctr">
+                      <a:solidFill>
+                        <a:schemeClr val="tx1"/>
+                      </a:solidFill>
+                      <a:prstDash val="solid"/>
+                      <a:round/>
+                      <a:headEnd type="none" w="med" len="med"/>
+                      <a:tailEnd type="none" w="med" len="med"/>
+                    </a:lnT>
+                    <a:lnB w="12700" cap="flat" cmpd="sng" algn="ctr">
+                      <a:solidFill>
+                        <a:schemeClr val="tx1"/>
+                      </a:solidFill>
+                      <a:prstDash val="solid"/>
+                      <a:round/>
+                      <a:headEnd type="none" w="med" len="med"/>
+                      <a:tailEnd type="none" w="med" len="med"/>
                     </a:lnB>
                   </a:tcPr>
                 </a:tc>
@@ -4987,37 +6936,229 @@
                     <a:p>
                       <a:pPr algn="ctr"/>
                       <a:r>
-                        <a:rPr sz="900" b="0">
-                          <a:latin typeface="Arial"/>
+                        <a:rPr lang="en-US" sz="900" dirty="0">
+                          <a:latin typeface="Arial" panose="020B0604020202020204" pitchFamily="34" charset="0"/>
+                          <a:cs typeface="Arial" panose="020B0604020202020204" pitchFamily="34" charset="0"/>
                         </a:rPr>
-                        <a:t>{{OP_TEMP}}</a:t>
+                        <a:t>{{PRESS2}}</a:t>
                       </a:r>
                     </a:p>
                   </a:txBody>
-                  <a:tcPr>
-                    <a:lnL w="12700" cap="flat" cmpd="sng" algn="ctr">
-                      <a:solidFill>
-                        <a:srgbClr val="000000"/>
-                      </a:solidFill>
-                      <a:prstDash val="solid"/>
-                    </a:lnL>
-                    <a:lnR w="12700" cap="flat" cmpd="sng" algn="ctr">
-                      <a:solidFill>
-                        <a:srgbClr val="000000"/>
-                      </a:solidFill>
-                      <a:prstDash val="solid"/>
-                    </a:lnR>
-                    <a:lnT w="12700" cap="flat" cmpd="sng" algn="ctr">
-                      <a:solidFill>
-                        <a:srgbClr val="000000"/>
-                      </a:solidFill>
-                      <a:prstDash val="solid"/>
-                    </a:lnT>
-                    <a:lnB w="12700" cap="flat" cmpd="sng" algn="ctr">
-                      <a:solidFill>
-                        <a:srgbClr val="000000"/>
-                      </a:solidFill>
-                      <a:prstDash val="solid"/>
+                  <a:tcPr anchor="ctr">
+                    <a:lnL w="12700" cap="flat" cmpd="sng" algn="ctr">
+                      <a:solidFill>
+                        <a:schemeClr val="tx1"/>
+                      </a:solidFill>
+                      <a:prstDash val="solid"/>
+                      <a:round/>
+                      <a:headEnd type="none" w="med" len="med"/>
+                      <a:tailEnd type="none" w="med" len="med"/>
+                    </a:lnL>
+                    <a:lnR w="12700" cap="flat" cmpd="sng" algn="ctr">
+                      <a:solidFill>
+                        <a:schemeClr val="tx1"/>
+                      </a:solidFill>
+                      <a:prstDash val="solid"/>
+                      <a:round/>
+                      <a:headEnd type="none" w="med" len="med"/>
+                      <a:tailEnd type="none" w="med" len="med"/>
+                    </a:lnR>
+                    <a:lnT w="12700" cap="flat" cmpd="sng" algn="ctr">
+                      <a:solidFill>
+                        <a:schemeClr val="tx1"/>
+                      </a:solidFill>
+                      <a:prstDash val="solid"/>
+                      <a:round/>
+                      <a:headEnd type="none" w="med" len="med"/>
+                      <a:tailEnd type="none" w="med" len="med"/>
+                    </a:lnT>
+                    <a:lnB w="12700" cap="flat" cmpd="sng" algn="ctr">
+                      <a:solidFill>
+                        <a:schemeClr val="tx1"/>
+                      </a:solidFill>
+                      <a:prstDash val="solid"/>
+                      <a:round/>
+                      <a:headEnd type="none" w="med" len="med"/>
+                      <a:tailEnd type="none" w="med" len="med"/>
+                    </a:lnB>
+                  </a:tcPr>
+                </a:tc>
+                <a:tc vMerge="1">
+                  <a:txBody>
+                    <a:bodyPr/>
+                    <a:lstStyle/>
+                    <a:p>
+                      <a:pPr algn="ctr"/>
+                      <a:endParaRPr lang="en-US" sz="900" dirty="0">
+                        <a:latin typeface="Arial" panose="020B0604020202020204" pitchFamily="34" charset="0"/>
+                        <a:cs typeface="Arial" panose="020B0604020202020204" pitchFamily="34" charset="0"/>
+                      </a:endParaRPr>
+                    </a:p>
+                  </a:txBody>
+                  <a:tcPr anchor="ctr">
+                    <a:lnL w="12700" cap="flat" cmpd="sng" algn="ctr">
+                      <a:solidFill>
+                        <a:schemeClr val="tx1"/>
+                      </a:solidFill>
+                      <a:prstDash val="solid"/>
+                      <a:round/>
+                      <a:headEnd type="none" w="med" len="med"/>
+                      <a:tailEnd type="none" w="med" len="med"/>
+                    </a:lnL>
+                    <a:lnR w="12700" cap="flat" cmpd="sng" algn="ctr">
+                      <a:solidFill>
+                        <a:schemeClr val="tx1"/>
+                      </a:solidFill>
+                      <a:prstDash val="solid"/>
+                      <a:round/>
+                      <a:headEnd type="none" w="med" len="med"/>
+                      <a:tailEnd type="none" w="med" len="med"/>
+                    </a:lnR>
+                    <a:lnT w="12700" cap="flat" cmpd="sng" algn="ctr">
+                      <a:solidFill>
+                        <a:schemeClr val="tx1"/>
+                      </a:solidFill>
+                      <a:prstDash val="solid"/>
+                      <a:round/>
+                      <a:headEnd type="none" w="med" len="med"/>
+                      <a:tailEnd type="none" w="med" len="med"/>
+                    </a:lnT>
+                    <a:lnB w="12700" cap="flat" cmpd="sng" algn="ctr">
+                      <a:solidFill>
+                        <a:schemeClr val="tx1"/>
+                      </a:solidFill>
+                      <a:prstDash val="solid"/>
+                      <a:round/>
+                      <a:headEnd type="none" w="med" len="med"/>
+                      <a:tailEnd type="none" w="med" len="med"/>
+                    </a:lnB>
+                  </a:tcPr>
+                </a:tc>
+                <a:tc vMerge="1">
+                  <a:txBody>
+                    <a:bodyPr/>
+                    <a:lstStyle/>
+                    <a:p>
+                      <a:pPr algn="ctr"/>
+                      <a:endParaRPr lang="en-US" sz="1000" dirty="0">
+                        <a:latin typeface="Arial" panose="020B0604020202020204" pitchFamily="34" charset="0"/>
+                        <a:cs typeface="Arial" panose="020B0604020202020204" pitchFamily="34" charset="0"/>
+                      </a:endParaRPr>
+                    </a:p>
+                  </a:txBody>
+                  <a:tcPr anchor="ctr">
+                    <a:lnL w="12700" cap="flat" cmpd="sng" algn="ctr">
+                      <a:solidFill>
+                        <a:schemeClr val="tx1"/>
+                      </a:solidFill>
+                      <a:prstDash val="solid"/>
+                      <a:round/>
+                      <a:headEnd type="none" w="med" len="med"/>
+                      <a:tailEnd type="none" w="med" len="med"/>
+                    </a:lnL>
+                    <a:lnR w="12700" cap="flat" cmpd="sng" algn="ctr">
+                      <a:solidFill>
+                        <a:schemeClr val="tx1"/>
+                      </a:solidFill>
+                      <a:prstDash val="solid"/>
+                      <a:round/>
+                      <a:headEnd type="none" w="med" len="med"/>
+                      <a:tailEnd type="none" w="med" len="med"/>
+                    </a:lnR>
+                    <a:lnT w="12700" cap="flat" cmpd="sng" algn="ctr">
+                      <a:solidFill>
+                        <a:schemeClr val="tx1"/>
+                      </a:solidFill>
+                      <a:prstDash val="solid"/>
+                      <a:round/>
+                      <a:headEnd type="none" w="med" len="med"/>
+                      <a:tailEnd type="none" w="med" len="med"/>
+                    </a:lnT>
+                    <a:lnB w="12700" cap="flat" cmpd="sng" algn="ctr">
+                      <a:solidFill>
+                        <a:schemeClr val="tx1"/>
+                      </a:solidFill>
+                      <a:prstDash val="solid"/>
+                      <a:round/>
+                      <a:headEnd type="none" w="med" len="med"/>
+                      <a:tailEnd type="none" w="med" len="med"/>
+                    </a:lnB>
+                  </a:tcPr>
+                </a:tc>
+                <a:extLst>
+                  <a:ext uri="{0D108BD9-81ED-4DB2-BD59-A6C34878D82A}">
+                    <a16:rowId xmlns:a16="http://schemas.microsoft.com/office/drawing/2014/main" val="2786855230"/>
+                  </a:ext>
+                </a:extLst>
+              </a:tr>
+              <a:tr h="370840">
+                <a:tc>
+                  <a:txBody>
+                    <a:bodyPr/>
+                    <a:lstStyle/>
+                    <a:p>
+                      <a:pPr marL="0" marR="0" lvl="0" indent="0" algn="ctr" defTabSz="457200" rtl="0" eaLnBrk="1" fontAlgn="auto" latinLnBrk="0" hangingPunct="1">
+                        <a:lnSpc>
+                          <a:spcPct val="100000"/>
+                        </a:lnSpc>
+                        <a:spcBef>
+                          <a:spcPts val="0"/>
+                        </a:spcBef>
+                        <a:spcAft>
+                          <a:spcPts val="0"/>
+                        </a:spcAft>
+                        <a:buClrTx/>
+                        <a:buSzTx/>
+                        <a:buFontTx/>
+                        <a:buNone/>
+                        <a:tabLst/>
+                        <a:defRPr/>
+                      </a:pPr>
+                      <a:r>
+                        <a:rPr lang="en-US" sz="900" dirty="0">
+                          <a:latin typeface="Arial" panose="020B0604020202020204" pitchFamily="34" charset="0"/>
+                          <a:cs typeface="Arial" panose="020B0604020202020204" pitchFamily="34" charset="0"/>
+                        </a:rPr>
+                        <a:t>{{FLUID3}}</a:t>
+                      </a:r>
+                    </a:p>
+                  </a:txBody>
+                  <a:tcPr anchor="ctr">
+                    <a:lnL w="12700" cap="flat" cmpd="sng" algn="ctr">
+                      <a:solidFill>
+                        <a:schemeClr val="tx1"/>
+                      </a:solidFill>
+                      <a:prstDash val="solid"/>
+                      <a:round/>
+                      <a:headEnd type="none" w="med" len="med"/>
+                      <a:tailEnd type="none" w="med" len="med"/>
+                    </a:lnL>
+                    <a:lnR w="12700" cap="flat" cmpd="sng" algn="ctr">
+                      <a:solidFill>
+                        <a:schemeClr val="tx1"/>
+                      </a:solidFill>
+                      <a:prstDash val="solid"/>
+                      <a:round/>
+                      <a:headEnd type="none" w="med" len="med"/>
+                      <a:tailEnd type="none" w="med" len="med"/>
+                    </a:lnR>
+                    <a:lnT w="12700" cap="flat" cmpd="sng" algn="ctr">
+                      <a:solidFill>
+                        <a:schemeClr val="tx1"/>
+                      </a:solidFill>
+                      <a:prstDash val="solid"/>
+                      <a:round/>
+                      <a:headEnd type="none" w="med" len="med"/>
+                      <a:tailEnd type="none" w="med" len="med"/>
+                    </a:lnT>
+                    <a:lnB w="12700" cap="flat" cmpd="sng" algn="ctr">
+                      <a:solidFill>
+                        <a:schemeClr val="tx1"/>
+                      </a:solidFill>
+                      <a:prstDash val="solid"/>
+                      <a:round/>
+                      <a:headEnd type="none" w="med" len="med"/>
+                      <a:tailEnd type="none" w="med" len="med"/>
                     </a:lnB>
                   </a:tcPr>
                 </a:tc>
@@ -5028,58 +7169,53 @@
                     <a:p>
                       <a:pPr algn="ctr"/>
                       <a:r>
-                        <a:rPr sz="900" b="0">
-                          <a:latin typeface="Arial"/>
+                        <a:rPr lang="en-US" sz="900" dirty="0">
+                          <a:latin typeface="Arial" panose="020B0604020202020204" pitchFamily="34" charset="0"/>
+                          <a:cs typeface="Arial" panose="020B0604020202020204" pitchFamily="34" charset="0"/>
                         </a:rPr>
-                        <a:t>{{OP_PRESS}}</a:t>
+                        <a:t>{{COMP3}}</a:t>
                       </a:r>
                     </a:p>
                   </a:txBody>
-                  <a:tcPr>
-                    <a:lnL w="12700" cap="flat" cmpd="sng" algn="ctr">
-                      <a:solidFill>
-                        <a:srgbClr val="000000"/>
-                      </a:solidFill>
-                      <a:prstDash val="solid"/>
-                    </a:lnL>
-                    <a:lnR w="12700" cap="flat" cmpd="sng" algn="ctr">
-                      <a:solidFill>
-                        <a:srgbClr val="000000"/>
-                      </a:solidFill>
-                      <a:prstDash val="solid"/>
-                    </a:lnR>
-                    <a:lnT w="12700" cap="flat" cmpd="sng" algn="ctr">
-                      <a:solidFill>
-                        <a:srgbClr val="000000"/>
-                      </a:solidFill>
-                      <a:prstDash val="solid"/>
-                    </a:lnT>
-                    <a:lnB w="12700" cap="flat" cmpd="sng" algn="ctr">
-                      <a:solidFill>
-                        <a:srgbClr val="000000"/>
-                      </a:solidFill>
-                      <a:prstDash val="solid"/>
-                    </a:lnB>
-                  </a:tcPr>
-                </a:tc>
-                <a:tc vMerge="1">
-                  <a:txBody>
-                    <a:bodyPr/>
-                    <a:lstStyle/>
-                    <a:p/>
-                  </a:txBody>
-                  <a:tcPr/>
-                </a:tc>
-                <a:tc vMerge="1">
-                  <a:txBody>
-                    <a:bodyPr/>
-                    <a:lstStyle/>
-                    <a:p/>
-                  </a:txBody>
-                  <a:tcPr/>
-                </a:tc>
-              </a:tr>
-              <a:tr h="365760">
+                  <a:tcPr anchor="ctr">
+                    <a:lnL w="12700" cap="flat" cmpd="sng" algn="ctr">
+                      <a:solidFill>
+                        <a:schemeClr val="tx1"/>
+                      </a:solidFill>
+                      <a:prstDash val="solid"/>
+                      <a:round/>
+                      <a:headEnd type="none" w="med" len="med"/>
+                      <a:tailEnd type="none" w="med" len="med"/>
+                    </a:lnL>
+                    <a:lnR w="12700" cap="flat" cmpd="sng" algn="ctr">
+                      <a:solidFill>
+                        <a:schemeClr val="tx1"/>
+                      </a:solidFill>
+                      <a:prstDash val="solid"/>
+                      <a:round/>
+                      <a:headEnd type="none" w="med" len="med"/>
+                      <a:tailEnd type="none" w="med" len="med"/>
+                    </a:lnR>
+                    <a:lnT w="12700" cap="flat" cmpd="sng" algn="ctr">
+                      <a:solidFill>
+                        <a:schemeClr val="tx1"/>
+                      </a:solidFill>
+                      <a:prstDash val="solid"/>
+                      <a:round/>
+                      <a:headEnd type="none" w="med" len="med"/>
+                      <a:tailEnd type="none" w="med" len="med"/>
+                    </a:lnT>
+                    <a:lnB w="12700" cap="flat" cmpd="sng" algn="ctr">
+                      <a:solidFill>
+                        <a:schemeClr val="tx1"/>
+                      </a:solidFill>
+                      <a:prstDash val="solid"/>
+                      <a:round/>
+                      <a:headEnd type="none" w="med" len="med"/>
+                      <a:tailEnd type="none" w="med" len="med"/>
+                    </a:lnB>
+                  </a:tcPr>
+                </a:tc>
                 <a:tc>
                   <a:txBody>
                     <a:bodyPr/>
@@ -5087,37 +7223,50 @@
                     <a:p>
                       <a:pPr algn="ctr"/>
                       <a:r>
-                        <a:rPr sz="900" b="0">
-                          <a:latin typeface="Arial"/>
+                        <a:rPr lang="en-US" sz="900" dirty="0">
+                          <a:latin typeface="Arial" panose="020B0604020202020204" pitchFamily="34" charset="0"/>
+                          <a:cs typeface="Arial" panose="020B0604020202020204" pitchFamily="34" charset="0"/>
                         </a:rPr>
-                        <a:t>{{FLUID_BOT}}</a:t>
+                        <a:t>{{DC3}}</a:t>
                       </a:r>
                     </a:p>
                   </a:txBody>
-                  <a:tcPr>
-                    <a:lnL w="12700" cap="flat" cmpd="sng" algn="ctr">
-                      <a:solidFill>
-                        <a:srgbClr val="000000"/>
-                      </a:solidFill>
-                      <a:prstDash val="solid"/>
-                    </a:lnL>
-                    <a:lnR w="12700" cap="flat" cmpd="sng" algn="ctr">
-                      <a:solidFill>
-                        <a:srgbClr val="000000"/>
-                      </a:solidFill>
-                      <a:prstDash val="solid"/>
-                    </a:lnR>
-                    <a:lnT w="12700" cap="flat" cmpd="sng" algn="ctr">
-                      <a:solidFill>
-                        <a:srgbClr val="000000"/>
-                      </a:solidFill>
-                      <a:prstDash val="solid"/>
-                    </a:lnT>
-                    <a:lnB w="12700" cap="flat" cmpd="sng" algn="ctr">
-                      <a:solidFill>
-                        <a:srgbClr val="000000"/>
-                      </a:solidFill>
-                      <a:prstDash val="solid"/>
+                  <a:tcPr anchor="ctr">
+                    <a:lnL w="12700" cap="flat" cmpd="sng" algn="ctr">
+                      <a:solidFill>
+                        <a:schemeClr val="tx1"/>
+                      </a:solidFill>
+                      <a:prstDash val="solid"/>
+                      <a:round/>
+                      <a:headEnd type="none" w="med" len="med"/>
+                      <a:tailEnd type="none" w="med" len="med"/>
+                    </a:lnL>
+                    <a:lnR w="12700" cap="flat" cmpd="sng" algn="ctr">
+                      <a:solidFill>
+                        <a:schemeClr val="tx1"/>
+                      </a:solidFill>
+                      <a:prstDash val="solid"/>
+                      <a:round/>
+                      <a:headEnd type="none" w="med" len="med"/>
+                      <a:tailEnd type="none" w="med" len="med"/>
+                    </a:lnR>
+                    <a:lnT w="12700" cap="flat" cmpd="sng" algn="ctr">
+                      <a:solidFill>
+                        <a:schemeClr val="tx1"/>
+                      </a:solidFill>
+                      <a:prstDash val="solid"/>
+                      <a:round/>
+                      <a:headEnd type="none" w="med" len="med"/>
+                      <a:tailEnd type="none" w="med" len="med"/>
+                    </a:lnT>
+                    <a:lnB w="12700" cap="flat" cmpd="sng" algn="ctr">
+                      <a:solidFill>
+                        <a:schemeClr val="tx1"/>
+                      </a:solidFill>
+                      <a:prstDash val="solid"/>
+                      <a:round/>
+                      <a:headEnd type="none" w="med" len="med"/>
+                      <a:tailEnd type="none" w="med" len="med"/>
                     </a:lnB>
                   </a:tcPr>
                 </a:tc>
@@ -5128,37 +7277,50 @@
                     <a:p>
                       <a:pPr algn="ctr"/>
                       <a:r>
-                        <a:rPr sz="900" b="0">
-                          <a:latin typeface="Arial"/>
+                        <a:rPr lang="en-US" sz="900" dirty="0">
+                          <a:latin typeface="Arial" panose="020B0604020202020204" pitchFamily="34" charset="0"/>
+                          <a:cs typeface="Arial" panose="020B0604020202020204" pitchFamily="34" charset="0"/>
                         </a:rPr>
-                        <a:t>Bottom Head</a:t>
+                        <a:t>{{TYPE3}}</a:t>
                       </a:r>
                     </a:p>
                   </a:txBody>
-                  <a:tcPr>
-                    <a:lnL w="12700" cap="flat" cmpd="sng" algn="ctr">
-                      <a:solidFill>
-                        <a:srgbClr val="000000"/>
-                      </a:solidFill>
-                      <a:prstDash val="solid"/>
-                    </a:lnL>
-                    <a:lnR w="12700" cap="flat" cmpd="sng" algn="ctr">
-                      <a:solidFill>
-                        <a:srgbClr val="000000"/>
-                      </a:solidFill>
-                      <a:prstDash val="solid"/>
-                    </a:lnR>
-                    <a:lnT w="12700" cap="flat" cmpd="sng" algn="ctr">
-                      <a:solidFill>
-                        <a:srgbClr val="000000"/>
-                      </a:solidFill>
-                      <a:prstDash val="solid"/>
-                    </a:lnT>
-                    <a:lnB w="12700" cap="flat" cmpd="sng" algn="ctr">
-                      <a:solidFill>
-                        <a:srgbClr val="000000"/>
-                      </a:solidFill>
-                      <a:prstDash val="solid"/>
+                  <a:tcPr anchor="ctr">
+                    <a:lnL w="12700" cap="flat" cmpd="sng" algn="ctr">
+                      <a:solidFill>
+                        <a:schemeClr val="tx1"/>
+                      </a:solidFill>
+                      <a:prstDash val="solid"/>
+                      <a:round/>
+                      <a:headEnd type="none" w="med" len="med"/>
+                      <a:tailEnd type="none" w="med" len="med"/>
+                    </a:lnL>
+                    <a:lnR w="12700" cap="flat" cmpd="sng" algn="ctr">
+                      <a:solidFill>
+                        <a:schemeClr val="tx1"/>
+                      </a:solidFill>
+                      <a:prstDash val="solid"/>
+                      <a:round/>
+                      <a:headEnd type="none" w="med" len="med"/>
+                      <a:tailEnd type="none" w="med" len="med"/>
+                    </a:lnR>
+                    <a:lnT w="12700" cap="flat" cmpd="sng" algn="ctr">
+                      <a:solidFill>
+                        <a:schemeClr val="tx1"/>
+                      </a:solidFill>
+                      <a:prstDash val="solid"/>
+                      <a:round/>
+                      <a:headEnd type="none" w="med" len="med"/>
+                      <a:tailEnd type="none" w="med" len="med"/>
+                    </a:lnT>
+                    <a:lnB w="12700" cap="flat" cmpd="sng" algn="ctr">
+                      <a:solidFill>
+                        <a:schemeClr val="tx1"/>
+                      </a:solidFill>
+                      <a:prstDash val="solid"/>
+                      <a:round/>
+                      <a:headEnd type="none" w="med" len="med"/>
+                      <a:tailEnd type="none" w="med" len="med"/>
                     </a:lnB>
                   </a:tcPr>
                 </a:tc>
@@ -5169,37 +7331,50 @@
                     <a:p>
                       <a:pPr algn="ctr"/>
                       <a:r>
-                        <a:rPr sz="900" b="0">
-                          <a:latin typeface="Arial"/>
+                        <a:rPr lang="en-US" sz="900" dirty="0">
+                          <a:latin typeface="Arial" panose="020B0604020202020204" pitchFamily="34" charset="0"/>
+                          <a:cs typeface="Arial" panose="020B0604020202020204" pitchFamily="34" charset="0"/>
                         </a:rPr>
-                        <a:t>{{CODE_BOT}}</a:t>
+                        <a:t>{{SPEC3}}</a:t>
                       </a:r>
                     </a:p>
                   </a:txBody>
-                  <a:tcPr>
-                    <a:lnL w="12700" cap="flat" cmpd="sng" algn="ctr">
-                      <a:solidFill>
-                        <a:srgbClr val="000000"/>
-                      </a:solidFill>
-                      <a:prstDash val="solid"/>
-                    </a:lnL>
-                    <a:lnR w="12700" cap="flat" cmpd="sng" algn="ctr">
-                      <a:solidFill>
-                        <a:srgbClr val="000000"/>
-                      </a:solidFill>
-                      <a:prstDash val="solid"/>
-                    </a:lnR>
-                    <a:lnT w="12700" cap="flat" cmpd="sng" algn="ctr">
-                      <a:solidFill>
-                        <a:srgbClr val="000000"/>
-                      </a:solidFill>
-                      <a:prstDash val="solid"/>
-                    </a:lnT>
-                    <a:lnB w="12700" cap="flat" cmpd="sng" algn="ctr">
-                      <a:solidFill>
-                        <a:srgbClr val="000000"/>
-                      </a:solidFill>
-                      <a:prstDash val="solid"/>
+                  <a:tcPr anchor="ctr">
+                    <a:lnL w="12700" cap="flat" cmpd="sng" algn="ctr">
+                      <a:solidFill>
+                        <a:schemeClr val="tx1"/>
+                      </a:solidFill>
+                      <a:prstDash val="solid"/>
+                      <a:round/>
+                      <a:headEnd type="none" w="med" len="med"/>
+                      <a:tailEnd type="none" w="med" len="med"/>
+                    </a:lnL>
+                    <a:lnR w="12700" cap="flat" cmpd="sng" algn="ctr">
+                      <a:solidFill>
+                        <a:schemeClr val="tx1"/>
+                      </a:solidFill>
+                      <a:prstDash val="solid"/>
+                      <a:round/>
+                      <a:headEnd type="none" w="med" len="med"/>
+                      <a:tailEnd type="none" w="med" len="med"/>
+                    </a:lnR>
+                    <a:lnT w="12700" cap="flat" cmpd="sng" algn="ctr">
+                      <a:solidFill>
+                        <a:schemeClr val="tx1"/>
+                      </a:solidFill>
+                      <a:prstDash val="solid"/>
+                      <a:round/>
+                      <a:headEnd type="none" w="med" len="med"/>
+                      <a:tailEnd type="none" w="med" len="med"/>
+                    </a:lnT>
+                    <a:lnB w="12700" cap="flat" cmpd="sng" algn="ctr">
+                      <a:solidFill>
+                        <a:schemeClr val="tx1"/>
+                      </a:solidFill>
+                      <a:prstDash val="solid"/>
+                      <a:round/>
+                      <a:headEnd type="none" w="med" len="med"/>
+                      <a:tailEnd type="none" w="med" len="med"/>
                     </a:lnB>
                   </a:tcPr>
                 </a:tc>
@@ -5210,37 +7385,50 @@
                     <a:p>
                       <a:pPr algn="ctr"/>
                       <a:r>
-                        <a:rPr sz="900" b="0">
-                          <a:latin typeface="Arial"/>
+                        <a:rPr lang="en-US" sz="900" dirty="0">
+                          <a:latin typeface="Arial" panose="020B0604020202020204" pitchFamily="34" charset="0"/>
+                          <a:cs typeface="Arial" panose="020B0604020202020204" pitchFamily="34" charset="0"/>
                         </a:rPr>
-                        <a:t>{{MAT_BOT_TYPE}}</a:t>
+                        <a:t>{{GR3}}</a:t>
                       </a:r>
                     </a:p>
                   </a:txBody>
-                  <a:tcPr>
-                    <a:lnL w="12700" cap="flat" cmpd="sng" algn="ctr">
-                      <a:solidFill>
-                        <a:srgbClr val="000000"/>
-                      </a:solidFill>
-                      <a:prstDash val="solid"/>
-                    </a:lnL>
-                    <a:lnR w="12700" cap="flat" cmpd="sng" algn="ctr">
-                      <a:solidFill>
-                        <a:srgbClr val="000000"/>
-                      </a:solidFill>
-                      <a:prstDash val="solid"/>
-                    </a:lnR>
-                    <a:lnT w="12700" cap="flat" cmpd="sng" algn="ctr">
-                      <a:solidFill>
-                        <a:srgbClr val="000000"/>
-                      </a:solidFill>
-                      <a:prstDash val="solid"/>
-                    </a:lnT>
-                    <a:lnB w="12700" cap="flat" cmpd="sng" algn="ctr">
-                      <a:solidFill>
-                        <a:srgbClr val="000000"/>
-                      </a:solidFill>
-                      <a:prstDash val="solid"/>
+                  <a:tcPr anchor="ctr">
+                    <a:lnL w="12700" cap="flat" cmpd="sng" algn="ctr">
+                      <a:solidFill>
+                        <a:schemeClr val="tx1"/>
+                      </a:solidFill>
+                      <a:prstDash val="solid"/>
+                      <a:round/>
+                      <a:headEnd type="none" w="med" len="med"/>
+                      <a:tailEnd type="none" w="med" len="med"/>
+                    </a:lnL>
+                    <a:lnR w="12700" cap="flat" cmpd="sng" algn="ctr">
+                      <a:solidFill>
+                        <a:schemeClr val="tx1"/>
+                      </a:solidFill>
+                      <a:prstDash val="solid"/>
+                      <a:round/>
+                      <a:headEnd type="none" w="med" len="med"/>
+                      <a:tailEnd type="none" w="med" len="med"/>
+                    </a:lnR>
+                    <a:lnT w="12700" cap="flat" cmpd="sng" algn="ctr">
+                      <a:solidFill>
+                        <a:schemeClr val="tx1"/>
+                      </a:solidFill>
+                      <a:prstDash val="solid"/>
+                      <a:round/>
+                      <a:headEnd type="none" w="med" len="med"/>
+                      <a:tailEnd type="none" w="med" len="med"/>
+                    </a:lnT>
+                    <a:lnB w="12700" cap="flat" cmpd="sng" algn="ctr">
+                      <a:solidFill>
+                        <a:schemeClr val="tx1"/>
+                      </a:solidFill>
+                      <a:prstDash val="solid"/>
+                      <a:round/>
+                      <a:headEnd type="none" w="med" len="med"/>
+                      <a:tailEnd type="none" w="med" len="med"/>
                     </a:lnB>
                   </a:tcPr>
                 </a:tc>
@@ -5251,37 +7439,50 @@
                     <a:p>
                       <a:pPr algn="ctr"/>
                       <a:r>
-                        <a:rPr sz="900" b="0">
-                          <a:latin typeface="Arial"/>
+                        <a:rPr lang="en-US" sz="900" dirty="0">
+                          <a:latin typeface="Arial" panose="020B0604020202020204" pitchFamily="34" charset="0"/>
+                          <a:cs typeface="Arial" panose="020B0604020202020204" pitchFamily="34" charset="0"/>
                         </a:rPr>
-                        <a:t>{{MAT_BOT_SPEC}}</a:t>
+                        <a:t>{{INS3}}</a:t>
                       </a:r>
                     </a:p>
                   </a:txBody>
-                  <a:tcPr>
-                    <a:lnL w="12700" cap="flat" cmpd="sng" algn="ctr">
-                      <a:solidFill>
-                        <a:srgbClr val="000000"/>
-                      </a:solidFill>
-                      <a:prstDash val="solid"/>
-                    </a:lnL>
-                    <a:lnR w="12700" cap="flat" cmpd="sng" algn="ctr">
-                      <a:solidFill>
-                        <a:srgbClr val="000000"/>
-                      </a:solidFill>
-                      <a:prstDash val="solid"/>
-                    </a:lnR>
-                    <a:lnT w="12700" cap="flat" cmpd="sng" algn="ctr">
-                      <a:solidFill>
-                        <a:srgbClr val="000000"/>
-                      </a:solidFill>
-                      <a:prstDash val="solid"/>
-                    </a:lnT>
-                    <a:lnB w="12700" cap="flat" cmpd="sng" algn="ctr">
-                      <a:solidFill>
-                        <a:srgbClr val="000000"/>
-                      </a:solidFill>
-                      <a:prstDash val="solid"/>
+                  <a:tcPr anchor="ctr">
+                    <a:lnL w="12700" cap="flat" cmpd="sng" algn="ctr">
+                      <a:solidFill>
+                        <a:schemeClr val="tx1"/>
+                      </a:solidFill>
+                      <a:prstDash val="solid"/>
+                      <a:round/>
+                      <a:headEnd type="none" w="med" len="med"/>
+                      <a:tailEnd type="none" w="med" len="med"/>
+                    </a:lnL>
+                    <a:lnR w="12700" cap="flat" cmpd="sng" algn="ctr">
+                      <a:solidFill>
+                        <a:schemeClr val="tx1"/>
+                      </a:solidFill>
+                      <a:prstDash val="solid"/>
+                      <a:round/>
+                      <a:headEnd type="none" w="med" len="med"/>
+                      <a:tailEnd type="none" w="med" len="med"/>
+                    </a:lnR>
+                    <a:lnT w="12700" cap="flat" cmpd="sng" algn="ctr">
+                      <a:solidFill>
+                        <a:schemeClr val="tx1"/>
+                      </a:solidFill>
+                      <a:prstDash val="solid"/>
+                      <a:round/>
+                      <a:headEnd type="none" w="med" len="med"/>
+                      <a:tailEnd type="none" w="med" len="med"/>
+                    </a:lnT>
+                    <a:lnB w="12700" cap="flat" cmpd="sng" algn="ctr">
+                      <a:solidFill>
+                        <a:schemeClr val="tx1"/>
+                      </a:solidFill>
+                      <a:prstDash val="solid"/>
+                      <a:round/>
+                      <a:headEnd type="none" w="med" len="med"/>
+                      <a:tailEnd type="none" w="med" len="med"/>
                     </a:lnB>
                   </a:tcPr>
                 </a:tc>
@@ -5292,37 +7493,50 @@
                     <a:p>
                       <a:pPr algn="ctr"/>
                       <a:r>
-                        <a:rPr sz="900" b="0">
-                          <a:latin typeface="Arial"/>
+                        <a:rPr lang="en-US" sz="900" dirty="0">
+                          <a:latin typeface="Arial" panose="020B0604020202020204" pitchFamily="34" charset="0"/>
+                          <a:cs typeface="Arial" panose="020B0604020202020204" pitchFamily="34" charset="0"/>
                         </a:rPr>
-                        <a:t>{{MAT_BOT_GRADE}}</a:t>
+                        <a:t>{{TEMP3}}</a:t>
                       </a:r>
                     </a:p>
                   </a:txBody>
-                  <a:tcPr>
-                    <a:lnL w="12700" cap="flat" cmpd="sng" algn="ctr">
-                      <a:solidFill>
-                        <a:srgbClr val="000000"/>
-                      </a:solidFill>
-                      <a:prstDash val="solid"/>
-                    </a:lnL>
-                    <a:lnR w="12700" cap="flat" cmpd="sng" algn="ctr">
-                      <a:solidFill>
-                        <a:srgbClr val="000000"/>
-                      </a:solidFill>
-                      <a:prstDash val="solid"/>
-                    </a:lnR>
-                    <a:lnT w="12700" cap="flat" cmpd="sng" algn="ctr">
-                      <a:solidFill>
-                        <a:srgbClr val="000000"/>
-                      </a:solidFill>
-                      <a:prstDash val="solid"/>
-                    </a:lnT>
-                    <a:lnB w="12700" cap="flat" cmpd="sng" algn="ctr">
-                      <a:solidFill>
-                        <a:srgbClr val="000000"/>
-                      </a:solidFill>
-                      <a:prstDash val="solid"/>
+                  <a:tcPr anchor="ctr">
+                    <a:lnL w="12700" cap="flat" cmpd="sng" algn="ctr">
+                      <a:solidFill>
+                        <a:schemeClr val="tx1"/>
+                      </a:solidFill>
+                      <a:prstDash val="solid"/>
+                      <a:round/>
+                      <a:headEnd type="none" w="med" len="med"/>
+                      <a:tailEnd type="none" w="med" len="med"/>
+                    </a:lnL>
+                    <a:lnR w="12700" cap="flat" cmpd="sng" algn="ctr">
+                      <a:solidFill>
+                        <a:schemeClr val="tx1"/>
+                      </a:solidFill>
+                      <a:prstDash val="solid"/>
+                      <a:round/>
+                      <a:headEnd type="none" w="med" len="med"/>
+                      <a:tailEnd type="none" w="med" len="med"/>
+                    </a:lnR>
+                    <a:lnT w="12700" cap="flat" cmpd="sng" algn="ctr">
+                      <a:solidFill>
+                        <a:schemeClr val="tx1"/>
+                      </a:solidFill>
+                      <a:prstDash val="solid"/>
+                      <a:round/>
+                      <a:headEnd type="none" w="med" len="med"/>
+                      <a:tailEnd type="none" w="med" len="med"/>
+                    </a:lnT>
+                    <a:lnB w="12700" cap="flat" cmpd="sng" algn="ctr">
+                      <a:solidFill>
+                        <a:schemeClr val="tx1"/>
+                      </a:solidFill>
+                      <a:prstDash val="solid"/>
+                      <a:round/>
+                      <a:headEnd type="none" w="med" len="med"/>
+                      <a:tailEnd type="none" w="med" len="med"/>
                     </a:lnB>
                   </a:tcPr>
                 </a:tc>
@@ -5333,138 +7547,160 @@
                     <a:p>
                       <a:pPr algn="ctr"/>
                       <a:r>
-                        <a:rPr sz="900" b="0">
-                          <a:latin typeface="Arial"/>
+                        <a:rPr lang="en-US" sz="900" dirty="0">
+                          <a:latin typeface="Arial" panose="020B0604020202020204" pitchFamily="34" charset="0"/>
+                          <a:cs typeface="Arial" panose="020B0604020202020204" pitchFamily="34" charset="0"/>
                         </a:rPr>
-                        <a:t>{{INSUL}}</a:t>
+                        <a:t>{{PRESS3}}</a:t>
                       </a:r>
                     </a:p>
                   </a:txBody>
-                  <a:tcPr>
-                    <a:lnL w="12700" cap="flat" cmpd="sng" algn="ctr">
-                      <a:solidFill>
-                        <a:srgbClr val="000000"/>
-                      </a:solidFill>
-                      <a:prstDash val="solid"/>
-                    </a:lnL>
-                    <a:lnR w="12700" cap="flat" cmpd="sng" algn="ctr">
-                      <a:solidFill>
-                        <a:srgbClr val="000000"/>
-                      </a:solidFill>
-                      <a:prstDash val="solid"/>
-                    </a:lnR>
-                    <a:lnT w="12700" cap="flat" cmpd="sng" algn="ctr">
-                      <a:solidFill>
-                        <a:srgbClr val="000000"/>
-                      </a:solidFill>
-                      <a:prstDash val="solid"/>
-                    </a:lnT>
-                    <a:lnB w="12700" cap="flat" cmpd="sng" algn="ctr">
-                      <a:solidFill>
-                        <a:srgbClr val="000000"/>
-                      </a:solidFill>
-                      <a:prstDash val="solid"/>
-                    </a:lnB>
-                  </a:tcPr>
-                </a:tc>
-                <a:tc>
+                  <a:tcPr anchor="ctr">
+                    <a:lnL w="12700" cap="flat" cmpd="sng" algn="ctr">
+                      <a:solidFill>
+                        <a:schemeClr val="tx1"/>
+                      </a:solidFill>
+                      <a:prstDash val="solid"/>
+                      <a:round/>
+                      <a:headEnd type="none" w="med" len="med"/>
+                      <a:tailEnd type="none" w="med" len="med"/>
+                    </a:lnL>
+                    <a:lnR w="12700" cap="flat" cmpd="sng" algn="ctr">
+                      <a:solidFill>
+                        <a:schemeClr val="tx1"/>
+                      </a:solidFill>
+                      <a:prstDash val="solid"/>
+                      <a:round/>
+                      <a:headEnd type="none" w="med" len="med"/>
+                      <a:tailEnd type="none" w="med" len="med"/>
+                    </a:lnR>
+                    <a:lnT w="12700" cap="flat" cmpd="sng" algn="ctr">
+                      <a:solidFill>
+                        <a:schemeClr val="tx1"/>
+                      </a:solidFill>
+                      <a:prstDash val="solid"/>
+                      <a:round/>
+                      <a:headEnd type="none" w="med" len="med"/>
+                      <a:tailEnd type="none" w="med" len="med"/>
+                    </a:lnT>
+                    <a:lnB w="12700" cap="flat" cmpd="sng" algn="ctr">
+                      <a:solidFill>
+                        <a:schemeClr val="tx1"/>
+                      </a:solidFill>
+                      <a:prstDash val="solid"/>
+                      <a:round/>
+                      <a:headEnd type="none" w="med" len="med"/>
+                      <a:tailEnd type="none" w="med" len="med"/>
+                    </a:lnB>
+                  </a:tcPr>
+                </a:tc>
+                <a:tc vMerge="1">
                   <a:txBody>
                     <a:bodyPr/>
                     <a:lstStyle/>
                     <a:p>
                       <a:pPr algn="ctr"/>
-                      <a:r>
-                        <a:rPr sz="900" b="0">
-                          <a:latin typeface="Arial"/>
-                        </a:rPr>
-                        <a:t>{{OP_TEMP}}</a:t>
-                      </a:r>
-                    </a:p>
-                  </a:txBody>
-                  <a:tcPr>
-                    <a:lnL w="12700" cap="flat" cmpd="sng" algn="ctr">
-                      <a:solidFill>
-                        <a:srgbClr val="000000"/>
-                      </a:solidFill>
-                      <a:prstDash val="solid"/>
-                    </a:lnL>
-                    <a:lnR w="12700" cap="flat" cmpd="sng" algn="ctr">
-                      <a:solidFill>
-                        <a:srgbClr val="000000"/>
-                      </a:solidFill>
-                      <a:prstDash val="solid"/>
-                    </a:lnR>
-                    <a:lnT w="12700" cap="flat" cmpd="sng" algn="ctr">
-                      <a:solidFill>
-                        <a:srgbClr val="000000"/>
-                      </a:solidFill>
-                      <a:prstDash val="solid"/>
-                    </a:lnT>
-                    <a:lnB w="12700" cap="flat" cmpd="sng" algn="ctr">
-                      <a:solidFill>
-                        <a:srgbClr val="000000"/>
-                      </a:solidFill>
-                      <a:prstDash val="solid"/>
-                    </a:lnB>
-                  </a:tcPr>
-                </a:tc>
-                <a:tc>
+                      <a:endParaRPr lang="en-US" sz="900" dirty="0">
+                        <a:latin typeface="Arial" panose="020B0604020202020204" pitchFamily="34" charset="0"/>
+                        <a:cs typeface="Arial" panose="020B0604020202020204" pitchFamily="34" charset="0"/>
+                      </a:endParaRPr>
+                    </a:p>
+                  </a:txBody>
+                  <a:tcPr anchor="ctr">
+                    <a:lnL w="12700" cap="flat" cmpd="sng" algn="ctr">
+                      <a:solidFill>
+                        <a:schemeClr val="tx1"/>
+                      </a:solidFill>
+                      <a:prstDash val="solid"/>
+                      <a:round/>
+                      <a:headEnd type="none" w="med" len="med"/>
+                      <a:tailEnd type="none" w="med" len="med"/>
+                    </a:lnL>
+                    <a:lnR w="12700" cap="flat" cmpd="sng" algn="ctr">
+                      <a:solidFill>
+                        <a:schemeClr val="tx1"/>
+                      </a:solidFill>
+                      <a:prstDash val="solid"/>
+                      <a:round/>
+                      <a:headEnd type="none" w="med" len="med"/>
+                      <a:tailEnd type="none" w="med" len="med"/>
+                    </a:lnR>
+                    <a:lnT w="12700" cap="flat" cmpd="sng" algn="ctr">
+                      <a:solidFill>
+                        <a:schemeClr val="tx1"/>
+                      </a:solidFill>
+                      <a:prstDash val="solid"/>
+                      <a:round/>
+                      <a:headEnd type="none" w="med" len="med"/>
+                      <a:tailEnd type="none" w="med" len="med"/>
+                    </a:lnT>
+                    <a:lnB w="12700" cap="flat" cmpd="sng" algn="ctr">
+                      <a:solidFill>
+                        <a:schemeClr val="tx1"/>
+                      </a:solidFill>
+                      <a:prstDash val="solid"/>
+                      <a:round/>
+                      <a:headEnd type="none" w="med" len="med"/>
+                      <a:tailEnd type="none" w="med" len="med"/>
+                    </a:lnB>
+                  </a:tcPr>
+                </a:tc>
+                <a:tc vMerge="1">
                   <a:txBody>
                     <a:bodyPr/>
                     <a:lstStyle/>
                     <a:p>
                       <a:pPr algn="ctr"/>
-                      <a:r>
-                        <a:rPr sz="900" b="0">
-                          <a:latin typeface="Arial"/>
-                        </a:rPr>
-                        <a:t>{{OP_PRESS}}</a:t>
-                      </a:r>
-                    </a:p>
-                  </a:txBody>
-                  <a:tcPr>
-                    <a:lnL w="12700" cap="flat" cmpd="sng" algn="ctr">
-                      <a:solidFill>
-                        <a:srgbClr val="000000"/>
-                      </a:solidFill>
-                      <a:prstDash val="solid"/>
-                    </a:lnL>
-                    <a:lnR w="12700" cap="flat" cmpd="sng" algn="ctr">
-                      <a:solidFill>
-                        <a:srgbClr val="000000"/>
-                      </a:solidFill>
-                      <a:prstDash val="solid"/>
-                    </a:lnR>
-                    <a:lnT w="12700" cap="flat" cmpd="sng" algn="ctr">
-                      <a:solidFill>
-                        <a:srgbClr val="000000"/>
-                      </a:solidFill>
-                      <a:prstDash val="solid"/>
-                    </a:lnT>
-                    <a:lnB w="12700" cap="flat" cmpd="sng" algn="ctr">
-                      <a:solidFill>
-                        <a:srgbClr val="000000"/>
-                      </a:solidFill>
-                      <a:prstDash val="solid"/>
-                    </a:lnB>
-                  </a:tcPr>
-                </a:tc>
-                <a:tc vMerge="1">
-                  <a:txBody>
-                    <a:bodyPr/>
-                    <a:lstStyle/>
-                    <a:p/>
-                  </a:txBody>
-                  <a:tcPr/>
-                </a:tc>
-                <a:tc vMerge="1">
-                  <a:txBody>
-                    <a:bodyPr/>
-                    <a:lstStyle/>
-                    <a:p/>
-                  </a:txBody>
-                  <a:tcPr/>
-                </a:tc>
+                      <a:endParaRPr lang="en-US" sz="1000" dirty="0">
+                        <a:latin typeface="Arial" panose="020B0604020202020204" pitchFamily="34" charset="0"/>
+                        <a:cs typeface="Arial" panose="020B0604020202020204" pitchFamily="34" charset="0"/>
+                      </a:endParaRPr>
+                    </a:p>
+                  </a:txBody>
+                  <a:tcPr anchor="ctr">
+                    <a:lnL w="12700" cap="flat" cmpd="sng" algn="ctr">
+                      <a:solidFill>
+                        <a:schemeClr val="tx1"/>
+                      </a:solidFill>
+                      <a:prstDash val="solid"/>
+                      <a:round/>
+                      <a:headEnd type="none" w="med" len="med"/>
+                      <a:tailEnd type="none" w="med" len="med"/>
+                    </a:lnL>
+                    <a:lnR w="12700" cap="flat" cmpd="sng" algn="ctr">
+                      <a:solidFill>
+                        <a:schemeClr val="tx1"/>
+                      </a:solidFill>
+                      <a:prstDash val="solid"/>
+                      <a:round/>
+                      <a:headEnd type="none" w="med" len="med"/>
+                      <a:tailEnd type="none" w="med" len="med"/>
+                    </a:lnR>
+                    <a:lnT w="12700" cap="flat" cmpd="sng" algn="ctr">
+                      <a:solidFill>
+                        <a:schemeClr val="tx1"/>
+                      </a:solidFill>
+                      <a:prstDash val="solid"/>
+                      <a:round/>
+                      <a:headEnd type="none" w="med" len="med"/>
+                      <a:tailEnd type="none" w="med" len="med"/>
+                    </a:lnT>
+                    <a:lnB w="12700" cap="flat" cmpd="sng" algn="ctr">
+                      <a:solidFill>
+                        <a:schemeClr val="tx1"/>
+                      </a:solidFill>
+                      <a:prstDash val="solid"/>
+                      <a:round/>
+                      <a:headEnd type="none" w="med" len="med"/>
+                      <a:tailEnd type="none" w="med" len="med"/>
+                    </a:lnB>
+                  </a:tcPr>
+                </a:tc>
+                <a:extLst>
+                  <a:ext uri="{0D108BD9-81ED-4DB2-BD59-A6C34878D82A}">
+                    <a16:rowId xmlns:a16="http://schemas.microsoft.com/office/drawing/2014/main" val="3982011359"/>
+                  </a:ext>
+                </a:extLst>
               </a:tr>
             </a:tbl>
           </a:graphicData>
@@ -5472,28 +7708,58 @@
       </p:graphicFrame>
       <p:graphicFrame>
         <p:nvGraphicFramePr>
-          <p:cNvPr id="6" name="Table 5"/>
+          <p:cNvPr id="15" name="Table 14">
+            <a:extLst>
+              <a:ext uri="{FF2B5EF4-FFF2-40B4-BE49-F238E27FC236}">
+                <a16:creationId xmlns:a16="http://schemas.microsoft.com/office/drawing/2014/main" id="{E4180583-59AB-4535-5E32-7CDDB3979562}"/>
+              </a:ext>
+            </a:extLst>
+          </p:cNvPr>
           <p:cNvGraphicFramePr>
             <a:graphicFrameLocks noGrp="1"/>
           </p:cNvGraphicFramePr>
-          <p:nvPr/>
+          <p:nvPr>
+            <p:extLst>
+              <p:ext uri="{D42A27DB-BD31-4B8C-83A1-F6EECF244321}">
+                <p14:modId xmlns:p14="http://schemas.microsoft.com/office/powerpoint/2010/main" val="2176370812"/>
+              </p:ext>
+            </p:extLst>
+          </p:nvPr>
         </p:nvGraphicFramePr>
         <p:xfrm>
-          <a:off x="457200" y="4251960"/>
-          <a:ext cx="4572000" cy="2286000"/>
+          <a:off x="271647" y="3847966"/>
+          <a:ext cx="5891409" cy="2443106"/>
         </p:xfrm>
         <a:graphic>
           <a:graphicData uri="http://schemas.openxmlformats.org/drawingml/2006/table">
             <a:tbl>
               <a:tblPr firstRow="1" bandRow="1">
-                <a:tableStyleId>{5C22544A-7EE6-4342-B048-85BDC9FD1C3A}</a:tableStyleId>
+                <a:tableStyleId>{2D5ABB26-0587-4C30-8999-92F81FD0307C}</a:tableStyleId>
               </a:tblPr>
               <a:tblGrid>
-                <a:gridCol w="1097280"/>
-                <a:gridCol w="2103120"/>
-                <a:gridCol w="1371600"/>
+                <a:gridCol w="1529721">
+                  <a:extLst>
+                    <a:ext uri="{9D8B030D-6E8A-4147-A177-3AD203B41FA5}">
+                      <a16:colId xmlns:a16="http://schemas.microsoft.com/office/drawing/2014/main" val="639182057"/>
+                    </a:ext>
+                  </a:extLst>
+                </a:gridCol>
+                <a:gridCol w="2331720">
+                  <a:extLst>
+                    <a:ext uri="{9D8B030D-6E8A-4147-A177-3AD203B41FA5}">
+                      <a16:colId xmlns:a16="http://schemas.microsoft.com/office/drawing/2014/main" val="1538567353"/>
+                    </a:ext>
+                  </a:extLst>
+                </a:gridCol>
+                <a:gridCol w="2029968">
+                  <a:extLst>
+                    <a:ext uri="{9D8B030D-6E8A-4147-A177-3AD203B41FA5}">
+                      <a16:colId xmlns:a16="http://schemas.microsoft.com/office/drawing/2014/main" val="1643263953"/>
+                    </a:ext>
+                  </a:extLst>
+                </a:gridCol>
               </a:tblGrid>
-              <a:tr h="762000">
+              <a:tr h="322044">
                 <a:tc>
                   <a:txBody>
                     <a:bodyPr/>
@@ -5501,103 +7767,115 @@
                     <a:p>
                       <a:pPr algn="ctr"/>
                       <a:r>
-                        <a:rPr sz="900" b="1">
-                          <a:solidFill>
-                            <a:srgbClr val="000000"/>
-                          </a:solidFill>
-                          <a:latin typeface="Arial"/>
+                        <a:rPr lang="en-US" sz="900" dirty="0">
+                          <a:latin typeface="Arial" panose="020B0604020202020204" pitchFamily="34" charset="0"/>
+                          <a:cs typeface="Arial" panose="020B0604020202020204" pitchFamily="34" charset="0"/>
                         </a:rPr>
-                        <a:t>INSPECTION</a:t>
+                        <a:t>INSPECTION METHOD</a:t>
                       </a:r>
                     </a:p>
+                  </a:txBody>
+                  <a:tcPr anchor="ctr">
+                    <a:lnL w="12700" cap="flat" cmpd="sng" algn="ctr">
+                      <a:solidFill>
+                        <a:schemeClr val="tx1"/>
+                      </a:solidFill>
+                      <a:prstDash val="solid"/>
+                      <a:round/>
+                      <a:headEnd type="none" w="med" len="med"/>
+                      <a:tailEnd type="none" w="med" len="med"/>
+                    </a:lnL>
+                    <a:lnR w="12700" cap="flat" cmpd="sng" algn="ctr">
+                      <a:solidFill>
+                        <a:schemeClr val="tx1"/>
+                      </a:solidFill>
+                      <a:prstDash val="solid"/>
+                      <a:round/>
+                      <a:headEnd type="none" w="med" len="med"/>
+                      <a:tailEnd type="none" w="med" len="med"/>
+                    </a:lnR>
+                    <a:lnT w="12700" cap="flat" cmpd="sng" algn="ctr">
+                      <a:solidFill>
+                        <a:schemeClr val="tx1"/>
+                      </a:solidFill>
+                      <a:prstDash val="solid"/>
+                      <a:round/>
+                      <a:headEnd type="none" w="med" len="med"/>
+                      <a:tailEnd type="none" w="med" len="med"/>
+                    </a:lnT>
+                    <a:lnB w="12700" cap="flat" cmpd="sng" algn="ctr">
+                      <a:solidFill>
+                        <a:schemeClr val="tx1"/>
+                      </a:solidFill>
+                      <a:prstDash val="solid"/>
+                      <a:round/>
+                      <a:headEnd type="none" w="med" len="med"/>
+                      <a:tailEnd type="none" w="med" len="med"/>
+                    </a:lnB>
+                    <a:solidFill>
+                      <a:schemeClr val="bg1">
+                        <a:lumMod val="75000"/>
+                      </a:schemeClr>
+                    </a:solidFill>
+                  </a:tcPr>
+                </a:tc>
+                <a:tc>
+                  <a:txBody>
+                    <a:bodyPr/>
+                    <a:lstStyle/>
                     <a:p>
                       <a:pPr algn="ctr"/>
                       <a:r>
-                        <a:rPr sz="900" b="1">
-                          <a:solidFill>
-                            <a:srgbClr val="000000"/>
-                          </a:solidFill>
-                          <a:latin typeface="Arial"/>
-                        </a:rPr>
-                        <a:t>METHOD</a:t>
-                      </a:r>
-                    </a:p>
-                  </a:txBody>
-                  <a:tcPr>
-                    <a:solidFill>
-                      <a:srgbClr val="D9D9D9"/>
-                    </a:solidFill>
-                    <a:lnL w="12700" cap="flat" cmpd="sng" algn="ctr">
-                      <a:solidFill>
-                        <a:srgbClr val="000000"/>
-                      </a:solidFill>
-                      <a:prstDash val="solid"/>
-                    </a:lnL>
-                    <a:lnR w="12700" cap="flat" cmpd="sng" algn="ctr">
-                      <a:solidFill>
-                        <a:srgbClr val="000000"/>
-                      </a:solidFill>
-                      <a:prstDash val="solid"/>
-                    </a:lnR>
-                    <a:lnT w="12700" cap="flat" cmpd="sng" algn="ctr">
-                      <a:solidFill>
-                        <a:srgbClr val="000000"/>
-                      </a:solidFill>
-                      <a:prstDash val="solid"/>
-                    </a:lnT>
-                    <a:lnB w="12700" cap="flat" cmpd="sng" algn="ctr">
-                      <a:solidFill>
-                        <a:srgbClr val="000000"/>
-                      </a:solidFill>
-                      <a:prstDash val="solid"/>
-                    </a:lnB>
-                  </a:tcPr>
-                </a:tc>
-                <a:tc>
-                  <a:txBody>
-                    <a:bodyPr/>
-                    <a:lstStyle/>
-                    <a:p>
-                      <a:pPr algn="ctr"/>
-                      <a:r>
-                        <a:rPr sz="900" b="1">
-                          <a:solidFill>
-                            <a:srgbClr val="000000"/>
-                          </a:solidFill>
-                          <a:latin typeface="Arial"/>
+                        <a:rPr lang="en-US" sz="900" dirty="0">
+                          <a:latin typeface="Arial" panose="020B0604020202020204" pitchFamily="34" charset="0"/>
+                          <a:cs typeface="Arial" panose="020B0604020202020204" pitchFamily="34" charset="0"/>
                         </a:rPr>
                         <a:t>INSPECTION COVERAGE</a:t>
                       </a:r>
                     </a:p>
                   </a:txBody>
-                  <a:tcPr>
+                  <a:tcPr anchor="ctr">
+                    <a:lnL w="12700" cap="flat" cmpd="sng" algn="ctr">
+                      <a:solidFill>
+                        <a:schemeClr val="tx1"/>
+                      </a:solidFill>
+                      <a:prstDash val="solid"/>
+                      <a:round/>
+                      <a:headEnd type="none" w="med" len="med"/>
+                      <a:tailEnd type="none" w="med" len="med"/>
+                    </a:lnL>
+                    <a:lnR w="12700" cap="flat" cmpd="sng" algn="ctr">
+                      <a:solidFill>
+                        <a:schemeClr val="tx1"/>
+                      </a:solidFill>
+                      <a:prstDash val="solid"/>
+                      <a:round/>
+                      <a:headEnd type="none" w="med" len="med"/>
+                      <a:tailEnd type="none" w="med" len="med"/>
+                    </a:lnR>
+                    <a:lnT w="12700" cap="flat" cmpd="sng" algn="ctr">
+                      <a:solidFill>
+                        <a:schemeClr val="tx1"/>
+                      </a:solidFill>
+                      <a:prstDash val="solid"/>
+                      <a:round/>
+                      <a:headEnd type="none" w="med" len="med"/>
+                      <a:tailEnd type="none" w="med" len="med"/>
+                    </a:lnT>
+                    <a:lnB w="12700" cap="flat" cmpd="sng" algn="ctr">
+                      <a:solidFill>
+                        <a:schemeClr val="tx1"/>
+                      </a:solidFill>
+                      <a:prstDash val="solid"/>
+                      <a:round/>
+                      <a:headEnd type="none" w="med" len="med"/>
+                      <a:tailEnd type="none" w="med" len="med"/>
+                    </a:lnB>
                     <a:solidFill>
-                      <a:srgbClr val="D9D9D9"/>
+                      <a:schemeClr val="bg1">
+                        <a:lumMod val="75000"/>
+                      </a:schemeClr>
                     </a:solidFill>
-                    <a:lnL w="12700" cap="flat" cmpd="sng" algn="ctr">
-                      <a:solidFill>
-                        <a:srgbClr val="000000"/>
-                      </a:solidFill>
-                      <a:prstDash val="solid"/>
-                    </a:lnL>
-                    <a:lnR w="12700" cap="flat" cmpd="sng" algn="ctr">
-                      <a:solidFill>
-                        <a:srgbClr val="000000"/>
-                      </a:solidFill>
-                      <a:prstDash val="solid"/>
-                    </a:lnR>
-                    <a:lnT w="12700" cap="flat" cmpd="sng" algn="ctr">
-                      <a:solidFill>
-                        <a:srgbClr val="000000"/>
-                      </a:solidFill>
-                      <a:prstDash val="solid"/>
-                    </a:lnT>
-                    <a:lnB w="12700" cap="flat" cmpd="sng" algn="ctr">
-                      <a:solidFill>
-                        <a:srgbClr val="000000"/>
-                      </a:solidFill>
-                      <a:prstDash val="solid"/>
-                    </a:lnB>
                   </a:tcPr>
                 </a:tc>
                 <a:tc>
@@ -5607,90 +7885,282 @@
                     <a:p>
                       <a:pPr algn="ctr"/>
                       <a:r>
-                        <a:rPr sz="900" b="1">
-                          <a:solidFill>
-                            <a:srgbClr val="000000"/>
-                          </a:solidFill>
-                          <a:latin typeface="Arial"/>
+                        <a:rPr lang="en-US" sz="900" dirty="0">
+                          <a:latin typeface="Arial" panose="020B0604020202020204" pitchFamily="34" charset="0"/>
+                          <a:cs typeface="Arial" panose="020B0604020202020204" pitchFamily="34" charset="0"/>
                         </a:rPr>
                         <a:t>DAMAGE MECHANISM</a:t>
                       </a:r>
                     </a:p>
                   </a:txBody>
+                  <a:tcPr anchor="ctr">
+                    <a:lnL w="12700" cap="flat" cmpd="sng" algn="ctr">
+                      <a:solidFill>
+                        <a:schemeClr val="tx1"/>
+                      </a:solidFill>
+                      <a:prstDash val="solid"/>
+                      <a:round/>
+                      <a:headEnd type="none" w="med" len="med"/>
+                      <a:tailEnd type="none" w="med" len="med"/>
+                    </a:lnL>
+                    <a:lnR w="12700" cap="flat" cmpd="sng" algn="ctr">
+                      <a:solidFill>
+                        <a:schemeClr val="tx1"/>
+                      </a:solidFill>
+                      <a:prstDash val="solid"/>
+                      <a:round/>
+                      <a:headEnd type="none" w="med" len="med"/>
+                      <a:tailEnd type="none" w="med" len="med"/>
+                    </a:lnR>
+                    <a:lnT w="12700" cap="flat" cmpd="sng" algn="ctr">
+                      <a:solidFill>
+                        <a:schemeClr val="tx1"/>
+                      </a:solidFill>
+                      <a:prstDash val="solid"/>
+                      <a:round/>
+                      <a:headEnd type="none" w="med" len="med"/>
+                      <a:tailEnd type="none" w="med" len="med"/>
+                    </a:lnT>
+                    <a:lnB w="12700" cap="flat" cmpd="sng" algn="ctr">
+                      <a:solidFill>
+                        <a:schemeClr val="tx1"/>
+                      </a:solidFill>
+                      <a:prstDash val="solid"/>
+                      <a:round/>
+                      <a:headEnd type="none" w="med" len="med"/>
+                      <a:tailEnd type="none" w="med" len="med"/>
+                    </a:lnB>
+                    <a:solidFill>
+                      <a:schemeClr val="bg1">
+                        <a:lumMod val="75000"/>
+                      </a:schemeClr>
+                    </a:solidFill>
+                  </a:tcPr>
+                </a:tc>
+                <a:extLst>
+                  <a:ext uri="{0D108BD9-81ED-4DB2-BD59-A6C34878D82A}">
+                    <a16:rowId xmlns:a16="http://schemas.microsoft.com/office/drawing/2014/main" val="961903079"/>
+                  </a:ext>
+                </a:extLst>
+              </a:tr>
+              <a:tr h="1060531">
+                <a:tc>
+                  <a:txBody>
+                    <a:bodyPr/>
+                    <a:lstStyle/>
+                    <a:p>
+                      <a:endParaRPr lang="en-US" sz="900" dirty="0">
+                        <a:latin typeface="Arial" panose="020B0604020202020204" pitchFamily="34" charset="0"/>
+                        <a:cs typeface="Arial" panose="020B0604020202020204" pitchFamily="34" charset="0"/>
+                      </a:endParaRPr>
+                    </a:p>
+                  </a:txBody>
                   <a:tcPr>
+                    <a:lnL w="12700" cap="flat" cmpd="sng" algn="ctr">
+                      <a:solidFill>
+                        <a:schemeClr val="tx1"/>
+                      </a:solidFill>
+                      <a:prstDash val="solid"/>
+                      <a:round/>
+                      <a:headEnd type="none" w="med" len="med"/>
+                      <a:tailEnd type="none" w="med" len="med"/>
+                    </a:lnL>
+                    <a:lnR w="12700" cap="flat" cmpd="sng" algn="ctr">
+                      <a:solidFill>
+                        <a:schemeClr val="tx1"/>
+                      </a:solidFill>
+                      <a:prstDash val="solid"/>
+                      <a:round/>
+                      <a:headEnd type="none" w="med" len="med"/>
+                      <a:tailEnd type="none" w="med" len="med"/>
+                    </a:lnR>
+                    <a:lnT w="12700" cap="flat" cmpd="sng" algn="ctr">
+                      <a:solidFill>
+                        <a:schemeClr val="tx1"/>
+                      </a:solidFill>
+                      <a:prstDash val="solid"/>
+                      <a:round/>
+                      <a:headEnd type="none" w="med" len="med"/>
+                      <a:tailEnd type="none" w="med" len="med"/>
+                    </a:lnT>
+                    <a:lnB w="12700" cap="flat" cmpd="sng" algn="ctr">
+                      <a:solidFill>
+                        <a:schemeClr val="tx1"/>
+                      </a:solidFill>
+                      <a:prstDash val="solid"/>
+                      <a:round/>
+                      <a:headEnd type="none" w="med" len="med"/>
+                      <a:tailEnd type="none" w="med" len="med"/>
+                    </a:lnB>
                     <a:solidFill>
-                      <a:srgbClr val="D9D9D9"/>
+                      <a:srgbClr val="E7F3F4"/>
                     </a:solidFill>
-                    <a:lnL w="12700" cap="flat" cmpd="sng" algn="ctr">
-                      <a:solidFill>
-                        <a:srgbClr val="000000"/>
-                      </a:solidFill>
-                      <a:prstDash val="solid"/>
-                    </a:lnL>
-                    <a:lnR w="12700" cap="flat" cmpd="sng" algn="ctr">
-                      <a:solidFill>
-                        <a:srgbClr val="000000"/>
-                      </a:solidFill>
-                      <a:prstDash val="solid"/>
-                    </a:lnR>
-                    <a:lnT w="12700" cap="flat" cmpd="sng" algn="ctr">
-                      <a:solidFill>
-                        <a:srgbClr val="000000"/>
-                      </a:solidFill>
-                      <a:prstDash val="solid"/>
-                    </a:lnT>
-                    <a:lnB w="12700" cap="flat" cmpd="sng" algn="ctr">
-                      <a:solidFill>
-                        <a:srgbClr val="000000"/>
-                      </a:solidFill>
-                      <a:prstDash val="solid"/>
-                    </a:lnB>
-                  </a:tcPr>
-                </a:tc>
+                  </a:tcPr>
+                </a:tc>
+                <a:tc>
+                  <a:txBody>
+                    <a:bodyPr/>
+                    <a:lstStyle/>
+                    <a:p>
+                      <a:endParaRPr lang="en-US" sz="900" dirty="0">
+                        <a:latin typeface="Arial" panose="020B0604020202020204" pitchFamily="34" charset="0"/>
+                        <a:cs typeface="Arial" panose="020B0604020202020204" pitchFamily="34" charset="0"/>
+                      </a:endParaRPr>
+                    </a:p>
+                  </a:txBody>
+                  <a:tcPr>
+                    <a:lnL w="12700" cap="flat" cmpd="sng" algn="ctr">
+                      <a:solidFill>
+                        <a:schemeClr val="tx1"/>
+                      </a:solidFill>
+                      <a:prstDash val="solid"/>
+                      <a:round/>
+                      <a:headEnd type="none" w="med" len="med"/>
+                      <a:tailEnd type="none" w="med" len="med"/>
+                    </a:lnL>
+                    <a:lnR w="12700" cap="flat" cmpd="sng" algn="ctr">
+                      <a:solidFill>
+                        <a:schemeClr val="tx1"/>
+                      </a:solidFill>
+                      <a:prstDash val="solid"/>
+                      <a:round/>
+                      <a:headEnd type="none" w="med" len="med"/>
+                      <a:tailEnd type="none" w="med" len="med"/>
+                    </a:lnR>
+                    <a:lnT w="12700" cap="flat" cmpd="sng" algn="ctr">
+                      <a:solidFill>
+                        <a:schemeClr val="tx1"/>
+                      </a:solidFill>
+                      <a:prstDash val="solid"/>
+                      <a:round/>
+                      <a:headEnd type="none" w="med" len="med"/>
+                      <a:tailEnd type="none" w="med" len="med"/>
+                    </a:lnT>
+                    <a:lnB w="12700" cap="flat" cmpd="sng" algn="ctr">
+                      <a:solidFill>
+                        <a:schemeClr val="tx1"/>
+                      </a:solidFill>
+                      <a:prstDash val="solid"/>
+                      <a:round/>
+                      <a:headEnd type="none" w="med" len="med"/>
+                      <a:tailEnd type="none" w="med" len="med"/>
+                    </a:lnB>
+                    <a:solidFill>
+                      <a:srgbClr val="E7F3F4"/>
+                    </a:solidFill>
+                  </a:tcPr>
+                </a:tc>
+                <a:tc>
+                  <a:txBody>
+                    <a:bodyPr/>
+                    <a:lstStyle/>
+                    <a:p>
+                      <a:endParaRPr lang="en-US" sz="900">
+                        <a:latin typeface="Arial" panose="020B0604020202020204" pitchFamily="34" charset="0"/>
+                        <a:cs typeface="Arial" panose="020B0604020202020204" pitchFamily="34" charset="0"/>
+                      </a:endParaRPr>
+                    </a:p>
+                  </a:txBody>
+                  <a:tcPr>
+                    <a:lnL w="12700" cap="flat" cmpd="sng" algn="ctr">
+                      <a:solidFill>
+                        <a:schemeClr val="tx1"/>
+                      </a:solidFill>
+                      <a:prstDash val="solid"/>
+                      <a:round/>
+                      <a:headEnd type="none" w="med" len="med"/>
+                      <a:tailEnd type="none" w="med" len="med"/>
+                    </a:lnL>
+                    <a:lnR w="12700" cap="flat" cmpd="sng" algn="ctr">
+                      <a:solidFill>
+                        <a:schemeClr val="tx1"/>
+                      </a:solidFill>
+                      <a:prstDash val="solid"/>
+                      <a:round/>
+                      <a:headEnd type="none" w="med" len="med"/>
+                      <a:tailEnd type="none" w="med" len="med"/>
+                    </a:lnR>
+                    <a:lnT w="12700" cap="flat" cmpd="sng" algn="ctr">
+                      <a:solidFill>
+                        <a:schemeClr val="tx1"/>
+                      </a:solidFill>
+                      <a:prstDash val="solid"/>
+                      <a:round/>
+                      <a:headEnd type="none" w="med" len="med"/>
+                      <a:tailEnd type="none" w="med" len="med"/>
+                    </a:lnT>
+                    <a:lnB w="12700" cap="flat" cmpd="sng" algn="ctr">
+                      <a:solidFill>
+                        <a:schemeClr val="tx1"/>
+                      </a:solidFill>
+                      <a:prstDash val="solid"/>
+                      <a:round/>
+                      <a:headEnd type="none" w="med" len="med"/>
+                      <a:tailEnd type="none" w="med" len="med"/>
+                    </a:lnB>
+                    <a:solidFill>
+                      <a:srgbClr val="E7F3F4"/>
+                    </a:solidFill>
+                  </a:tcPr>
+                </a:tc>
+                <a:extLst>
+                  <a:ext uri="{0D108BD9-81ED-4DB2-BD59-A6C34878D82A}">
+                    <a16:rowId xmlns:a16="http://schemas.microsoft.com/office/drawing/2014/main" val="480744586"/>
+                  </a:ext>
+                </a:extLst>
               </a:tr>
-              <a:tr h="762000">
+              <a:tr h="1060531">
                 <a:tc>
                   <a:txBody>
                     <a:bodyPr/>
                     <a:lstStyle/>
                     <a:p>
-                      <a:pPr algn="ctr"/>
-                      <a:r>
-                        <a:rPr sz="900" b="0">
-                          <a:latin typeface="Arial"/>
-                        </a:rPr>
-                        <a:t/>
-                      </a:r>
+                      <a:endParaRPr lang="en-US" sz="900" dirty="0">
+                        <a:latin typeface="Arial" panose="020B0604020202020204" pitchFamily="34" charset="0"/>
+                        <a:cs typeface="Arial" panose="020B0604020202020204" pitchFamily="34" charset="0"/>
+                      </a:endParaRPr>
                     </a:p>
                   </a:txBody>
                   <a:tcPr>
+                    <a:lnL w="12700" cap="flat" cmpd="sng" algn="ctr">
+                      <a:solidFill>
+                        <a:schemeClr val="tx1"/>
+                      </a:solidFill>
+                      <a:prstDash val="solid"/>
+                      <a:round/>
+                      <a:headEnd type="none" w="med" len="med"/>
+                      <a:tailEnd type="none" w="med" len="med"/>
+                    </a:lnL>
+                    <a:lnR w="12700" cap="flat" cmpd="sng" algn="ctr">
+                      <a:solidFill>
+                        <a:schemeClr val="tx1"/>
+                      </a:solidFill>
+                      <a:prstDash val="solid"/>
+                      <a:round/>
+                      <a:headEnd type="none" w="med" len="med"/>
+                      <a:tailEnd type="none" w="med" len="med"/>
+                    </a:lnR>
+                    <a:lnT w="12700" cap="flat" cmpd="sng" algn="ctr">
+                      <a:solidFill>
+                        <a:schemeClr val="tx1"/>
+                      </a:solidFill>
+                      <a:prstDash val="solid"/>
+                      <a:round/>
+                      <a:headEnd type="none" w="med" len="med"/>
+                      <a:tailEnd type="none" w="med" len="med"/>
+                    </a:lnT>
+                    <a:lnB w="12700" cap="flat" cmpd="sng" algn="ctr">
+                      <a:solidFill>
+                        <a:schemeClr val="tx1"/>
+                      </a:solidFill>
+                      <a:prstDash val="solid"/>
+                      <a:round/>
+                      <a:headEnd type="none" w="med" len="med"/>
+                      <a:tailEnd type="none" w="med" len="med"/>
+                    </a:lnB>
                     <a:solidFill>
-                      <a:srgbClr val="EBF1DE"/>
+                      <a:srgbClr val="E7F3F4"/>
                     </a:solidFill>
-                    <a:lnL w="12700" cap="flat" cmpd="sng" algn="ctr">
-                      <a:solidFill>
-                        <a:srgbClr val="000000"/>
-                      </a:solidFill>
-                      <a:prstDash val="solid"/>
-                    </a:lnL>
-                    <a:lnR w="12700" cap="flat" cmpd="sng" algn="ctr">
-                      <a:solidFill>
-                        <a:srgbClr val="000000"/>
-                      </a:solidFill>
-                      <a:prstDash val="solid"/>
-                    </a:lnR>
-                    <a:lnT w="12700" cap="flat" cmpd="sng" algn="ctr">
-                      <a:solidFill>
-                        <a:srgbClr val="000000"/>
-                      </a:solidFill>
-                      <a:prstDash val="solid"/>
-                    </a:lnT>
-                    <a:lnB w="12700" cap="flat" cmpd="sng" algn="ctr">
-                      <a:solidFill>
-                        <a:srgbClr val="000000"/>
-                      </a:solidFill>
-                      <a:prstDash val="solid"/>
-                    </a:lnB>
                   </a:tcPr>
                 </a:tc>
                 <a:tc>
@@ -5698,43 +8168,52 @@
                     <a:bodyPr/>
                     <a:lstStyle/>
                     <a:p>
-                      <a:pPr algn="ctr"/>
-                      <a:r>
-                        <a:rPr sz="900" b="0">
-                          <a:latin typeface="Arial"/>
-                        </a:rPr>
-                        <a:t/>
-                      </a:r>
+                      <a:endParaRPr lang="en-US" sz="900" dirty="0">
+                        <a:latin typeface="Arial" panose="020B0604020202020204" pitchFamily="34" charset="0"/>
+                        <a:cs typeface="Arial" panose="020B0604020202020204" pitchFamily="34" charset="0"/>
+                      </a:endParaRPr>
                     </a:p>
                   </a:txBody>
                   <a:tcPr>
+                    <a:lnL w="12700" cap="flat" cmpd="sng" algn="ctr">
+                      <a:solidFill>
+                        <a:schemeClr val="tx1"/>
+                      </a:solidFill>
+                      <a:prstDash val="solid"/>
+                      <a:round/>
+                      <a:headEnd type="none" w="med" len="med"/>
+                      <a:tailEnd type="none" w="med" len="med"/>
+                    </a:lnL>
+                    <a:lnR w="12700" cap="flat" cmpd="sng" algn="ctr">
+                      <a:solidFill>
+                        <a:schemeClr val="tx1"/>
+                      </a:solidFill>
+                      <a:prstDash val="solid"/>
+                      <a:round/>
+                      <a:headEnd type="none" w="med" len="med"/>
+                      <a:tailEnd type="none" w="med" len="med"/>
+                    </a:lnR>
+                    <a:lnT w="12700" cap="flat" cmpd="sng" algn="ctr">
+                      <a:solidFill>
+                        <a:schemeClr val="tx1"/>
+                      </a:solidFill>
+                      <a:prstDash val="solid"/>
+                      <a:round/>
+                      <a:headEnd type="none" w="med" len="med"/>
+                      <a:tailEnd type="none" w="med" len="med"/>
+                    </a:lnT>
+                    <a:lnB w="12700" cap="flat" cmpd="sng" algn="ctr">
+                      <a:solidFill>
+                        <a:schemeClr val="tx1"/>
+                      </a:solidFill>
+                      <a:prstDash val="solid"/>
+                      <a:round/>
+                      <a:headEnd type="none" w="med" len="med"/>
+                      <a:tailEnd type="none" w="med" len="med"/>
+                    </a:lnB>
                     <a:solidFill>
-                      <a:srgbClr val="EBF1DE"/>
+                      <a:srgbClr val="E7F3F4"/>
                     </a:solidFill>
-                    <a:lnL w="12700" cap="flat" cmpd="sng" algn="ctr">
-                      <a:solidFill>
-                        <a:srgbClr val="000000"/>
-                      </a:solidFill>
-                      <a:prstDash val="solid"/>
-                    </a:lnL>
-                    <a:lnR w="12700" cap="flat" cmpd="sng" algn="ctr">
-                      <a:solidFill>
-                        <a:srgbClr val="000000"/>
-                      </a:solidFill>
-                      <a:prstDash val="solid"/>
-                    </a:lnR>
-                    <a:lnT w="12700" cap="flat" cmpd="sng" algn="ctr">
-                      <a:solidFill>
-                        <a:srgbClr val="000000"/>
-                      </a:solidFill>
-                      <a:prstDash val="solid"/>
-                    </a:lnT>
-                    <a:lnB w="12700" cap="flat" cmpd="sng" algn="ctr">
-                      <a:solidFill>
-                        <a:srgbClr val="000000"/>
-                      </a:solidFill>
-                      <a:prstDash val="solid"/>
-                    </a:lnB>
                   </a:tcPr>
                 </a:tc>
                 <a:tc>
@@ -5742,291 +8221,291 @@
                     <a:bodyPr/>
                     <a:lstStyle/>
                     <a:p>
-                      <a:pPr algn="ctr"/>
-                      <a:r>
-                        <a:rPr sz="900" b="0">
-                          <a:latin typeface="Arial"/>
-                        </a:rPr>
-                        <a:t/>
-                      </a:r>
+                      <a:endParaRPr lang="en-US" sz="900" dirty="0">
+                        <a:latin typeface="Arial" panose="020B0604020202020204" pitchFamily="34" charset="0"/>
+                        <a:cs typeface="Arial" panose="020B0604020202020204" pitchFamily="34" charset="0"/>
+                      </a:endParaRPr>
                     </a:p>
                   </a:txBody>
                   <a:tcPr>
+                    <a:lnL w="12700" cap="flat" cmpd="sng" algn="ctr">
+                      <a:solidFill>
+                        <a:schemeClr val="tx1"/>
+                      </a:solidFill>
+                      <a:prstDash val="solid"/>
+                      <a:round/>
+                      <a:headEnd type="none" w="med" len="med"/>
+                      <a:tailEnd type="none" w="med" len="med"/>
+                    </a:lnL>
+                    <a:lnR w="12700" cap="flat" cmpd="sng" algn="ctr">
+                      <a:solidFill>
+                        <a:schemeClr val="tx1"/>
+                      </a:solidFill>
+                      <a:prstDash val="solid"/>
+                      <a:round/>
+                      <a:headEnd type="none" w="med" len="med"/>
+                      <a:tailEnd type="none" w="med" len="med"/>
+                    </a:lnR>
+                    <a:lnT w="12700" cap="flat" cmpd="sng" algn="ctr">
+                      <a:solidFill>
+                        <a:schemeClr val="tx1"/>
+                      </a:solidFill>
+                      <a:prstDash val="solid"/>
+                      <a:round/>
+                      <a:headEnd type="none" w="med" len="med"/>
+                      <a:tailEnd type="none" w="med" len="med"/>
+                    </a:lnT>
+                    <a:lnB w="12700" cap="flat" cmpd="sng" algn="ctr">
+                      <a:solidFill>
+                        <a:schemeClr val="tx1"/>
+                      </a:solidFill>
+                      <a:prstDash val="solid"/>
+                      <a:round/>
+                      <a:headEnd type="none" w="med" len="med"/>
+                      <a:tailEnd type="none" w="med" len="med"/>
+                    </a:lnB>
                     <a:solidFill>
-                      <a:srgbClr val="EBF1DE"/>
+                      <a:srgbClr val="E7F3F4"/>
                     </a:solidFill>
-                    <a:lnL w="12700" cap="flat" cmpd="sng" algn="ctr">
-                      <a:solidFill>
-                        <a:srgbClr val="000000"/>
-                      </a:solidFill>
-                      <a:prstDash val="solid"/>
-                    </a:lnL>
-                    <a:lnR w="12700" cap="flat" cmpd="sng" algn="ctr">
-                      <a:solidFill>
-                        <a:srgbClr val="000000"/>
-                      </a:solidFill>
-                      <a:prstDash val="solid"/>
-                    </a:lnR>
-                    <a:lnT w="12700" cap="flat" cmpd="sng" algn="ctr">
-                      <a:solidFill>
-                        <a:srgbClr val="000000"/>
-                      </a:solidFill>
-                      <a:prstDash val="solid"/>
-                    </a:lnT>
-                    <a:lnB w="12700" cap="flat" cmpd="sng" algn="ctr">
-                      <a:solidFill>
-                        <a:srgbClr val="000000"/>
-                      </a:solidFill>
-                      <a:prstDash val="solid"/>
-                    </a:lnB>
-                  </a:tcPr>
-                </a:tc>
-              </a:tr>
-              <a:tr h="762000">
-                <a:tc>
-                  <a:txBody>
-                    <a:bodyPr/>
-                    <a:lstStyle/>
-                    <a:p>
-                      <a:pPr algn="ctr"/>
-                      <a:r>
-                        <a:rPr sz="900" b="0">
-                          <a:latin typeface="Arial"/>
-                        </a:rPr>
-                        <a:t/>
-                      </a:r>
-                    </a:p>
-                  </a:txBody>
-                  <a:tcPr>
-                    <a:solidFill>
-                      <a:srgbClr val="EBF1DE"/>
-                    </a:solidFill>
-                    <a:lnL w="12700" cap="flat" cmpd="sng" algn="ctr">
-                      <a:solidFill>
-                        <a:srgbClr val="000000"/>
-                      </a:solidFill>
-                      <a:prstDash val="solid"/>
-                    </a:lnL>
-                    <a:lnR w="12700" cap="flat" cmpd="sng" algn="ctr">
-                      <a:solidFill>
-                        <a:srgbClr val="000000"/>
-                      </a:solidFill>
-                      <a:prstDash val="solid"/>
-                    </a:lnR>
-                    <a:lnT w="12700" cap="flat" cmpd="sng" algn="ctr">
-                      <a:solidFill>
-                        <a:srgbClr val="000000"/>
-                      </a:solidFill>
-                      <a:prstDash val="solid"/>
-                    </a:lnT>
-                    <a:lnB w="12700" cap="flat" cmpd="sng" algn="ctr">
-                      <a:solidFill>
-                        <a:srgbClr val="000000"/>
-                      </a:solidFill>
-                      <a:prstDash val="solid"/>
-                    </a:lnB>
-                  </a:tcPr>
-                </a:tc>
-                <a:tc>
-                  <a:txBody>
-                    <a:bodyPr/>
-                    <a:lstStyle/>
-                    <a:p>
-                      <a:pPr algn="ctr"/>
-                      <a:r>
-                        <a:rPr sz="900" b="0">
-                          <a:latin typeface="Arial"/>
-                        </a:rPr>
-                        <a:t/>
-                      </a:r>
-                    </a:p>
-                  </a:txBody>
-                  <a:tcPr>
-                    <a:solidFill>
-                      <a:srgbClr val="EBF1DE"/>
-                    </a:solidFill>
-                    <a:lnL w="12700" cap="flat" cmpd="sng" algn="ctr">
-                      <a:solidFill>
-                        <a:srgbClr val="000000"/>
-                      </a:solidFill>
-                      <a:prstDash val="solid"/>
-                    </a:lnL>
-                    <a:lnR w="12700" cap="flat" cmpd="sng" algn="ctr">
-                      <a:solidFill>
-                        <a:srgbClr val="000000"/>
-                      </a:solidFill>
-                      <a:prstDash val="solid"/>
-                    </a:lnR>
-                    <a:lnT w="12700" cap="flat" cmpd="sng" algn="ctr">
-                      <a:solidFill>
-                        <a:srgbClr val="000000"/>
-                      </a:solidFill>
-                      <a:prstDash val="solid"/>
-                    </a:lnT>
-                    <a:lnB w="12700" cap="flat" cmpd="sng" algn="ctr">
-                      <a:solidFill>
-                        <a:srgbClr val="000000"/>
-                      </a:solidFill>
-                      <a:prstDash val="solid"/>
-                    </a:lnB>
-                  </a:tcPr>
-                </a:tc>
-                <a:tc>
-                  <a:txBody>
-                    <a:bodyPr/>
-                    <a:lstStyle/>
-                    <a:p>
-                      <a:pPr algn="ctr"/>
-                      <a:r>
-                        <a:rPr sz="900" b="0">
-                          <a:latin typeface="Arial"/>
-                        </a:rPr>
-                        <a:t/>
-                      </a:r>
-                    </a:p>
-                  </a:txBody>
-                  <a:tcPr>
-                    <a:solidFill>
-                      <a:srgbClr val="EBF1DE"/>
-                    </a:solidFill>
-                    <a:lnL w="12700" cap="flat" cmpd="sng" algn="ctr">
-                      <a:solidFill>
-                        <a:srgbClr val="000000"/>
-                      </a:solidFill>
-                      <a:prstDash val="solid"/>
-                    </a:lnL>
-                    <a:lnR w="12700" cap="flat" cmpd="sng" algn="ctr">
-                      <a:solidFill>
-                        <a:srgbClr val="000000"/>
-                      </a:solidFill>
-                      <a:prstDash val="solid"/>
-                    </a:lnR>
-                    <a:lnT w="12700" cap="flat" cmpd="sng" algn="ctr">
-                      <a:solidFill>
-                        <a:srgbClr val="000000"/>
-                      </a:solidFill>
-                      <a:prstDash val="solid"/>
-                    </a:lnT>
-                    <a:lnB w="12700" cap="flat" cmpd="sng" algn="ctr">
-                      <a:solidFill>
-                        <a:srgbClr val="000000"/>
-                      </a:solidFill>
-                      <a:prstDash val="solid"/>
-                    </a:lnB>
-                  </a:tcPr>
-                </a:tc>
+                  </a:tcPr>
+                </a:tc>
+                <a:extLst>
+                  <a:ext uri="{0D108BD9-81ED-4DB2-BD59-A6C34878D82A}">
+                    <a16:rowId xmlns:a16="http://schemas.microsoft.com/office/drawing/2014/main" val="2354677743"/>
+                  </a:ext>
+                </a:extLst>
               </a:tr>
             </a:tbl>
           </a:graphicData>
         </a:graphic>
       </p:graphicFrame>
-      <p:sp>
-        <p:nvSpPr>
-          <p:cNvPr id="7" name="Rectangle 6"/>
-          <p:cNvSpPr/>
-          <p:nvPr/>
-        </p:nvSpPr>
-        <p:spPr>
-          <a:xfrm>
-            <a:off x="5303520" y="3474720"/>
-            <a:ext cx="4928616" cy="3200400"/>
-          </a:xfrm>
-          <a:prstGeom prst="rect">
-            <a:avLst/>
-          </a:prstGeom>
-          <a:noFill/>
-          <a:ln>
-            <a:solidFill>
-              <a:srgbClr val="B4B4B4"/>
-            </a:solidFill>
-          </a:ln>
-        </p:spPr>
-        <p:style>
-          <a:lnRef idx="1">
-            <a:schemeClr val="accent1"/>
-          </a:lnRef>
-          <a:fillRef idx="3">
-            <a:schemeClr val="accent1"/>
-          </a:fillRef>
-          <a:effectRef idx="2">
-            <a:schemeClr val="accent1"/>
-          </a:effectRef>
-          <a:fontRef idx="minor">
-            <a:schemeClr val="lt1"/>
-          </a:fontRef>
-        </p:style>
-        <p:txBody>
-          <a:bodyPr rtlCol="0" anchor="ctr"/>
-          <a:lstStyle/>
-          <a:p>
-            <a:r>
-              <a:t>[EQUIPMENT DRAWING]</a:t>
-            </a:r>
-          </a:p>
-        </p:txBody>
-      </p:sp>
       <p:graphicFrame>
         <p:nvGraphicFramePr>
-          <p:cNvPr id="8" name="Table 7"/>
+          <p:cNvPr id="16" name="Table 15">
+            <a:extLst>
+              <a:ext uri="{FF2B5EF4-FFF2-40B4-BE49-F238E27FC236}">
+                <a16:creationId xmlns:a16="http://schemas.microsoft.com/office/drawing/2014/main" id="{D76B5779-9E72-843C-9681-E96B45AA03DF}"/>
+              </a:ext>
+            </a:extLst>
+          </p:cNvPr>
           <p:cNvGraphicFramePr>
             <a:graphicFrameLocks noGrp="1"/>
           </p:cNvGraphicFramePr>
-          <p:nvPr/>
+          <p:nvPr>
+            <p:extLst>
+              <p:ext uri="{D42A27DB-BD31-4B8C-83A1-F6EECF244321}">
+                <p14:modId xmlns:p14="http://schemas.microsoft.com/office/powerpoint/2010/main" val="1563346445"/>
+              </p:ext>
+            </p:extLst>
+          </p:nvPr>
         </p:nvGraphicFramePr>
         <p:xfrm>
-          <a:off x="457200" y="6858000"/>
-          <a:ext cx="9774936" cy="548640"/>
+          <a:off x="6254496" y="3441446"/>
+          <a:ext cx="4158681" cy="3290997"/>
         </p:xfrm>
         <a:graphic>
           <a:graphicData uri="http://schemas.openxmlformats.org/drawingml/2006/table">
             <a:tbl>
               <a:tblPr firstRow="1" bandRow="1">
-                <a:tableStyleId>{5C22544A-7EE6-4342-B048-85BDC9FD1C3A}</a:tableStyleId>
+                <a:tableStyleId>{2D5ABB26-0587-4C30-8999-92F81FD0307C}</a:tableStyleId>
               </a:tblPr>
               <a:tblGrid>
-                <a:gridCol w="3258312"/>
-                <a:gridCol w="3258312"/>
-                <a:gridCol w="3258312"/>
+                <a:gridCol w="4158681">
+                  <a:extLst>
+                    <a:ext uri="{9D8B030D-6E8A-4147-A177-3AD203B41FA5}">
+                      <a16:colId xmlns:a16="http://schemas.microsoft.com/office/drawing/2014/main" val="3367809070"/>
+                    </a:ext>
+                  </a:extLst>
+                </a:gridCol>
               </a:tblGrid>
-              <a:tr h="274320">
+              <a:tr h="3290997">
                 <a:tc>
                   <a:txBody>
                     <a:bodyPr/>
                     <a:lstStyle/>
                     <a:p>
-                      <a:pPr algn="l"/>
+                      <a:pPr algn="ctr"/>
                       <a:r>
-                        <a:rPr sz="800" b="1">
-                          <a:latin typeface="Arial"/>
+                        <a:rPr lang="en-US" dirty="0"/>
+                        <a:t>{{IMAGE_PLACEHOLDER}}</a:t>
+                      </a:r>
+                    </a:p>
+                  </a:txBody>
+                  <a:tcPr anchor="ctr">
+                    <a:lnL w="12700" cap="flat" cmpd="sng" algn="ctr">
+                      <a:solidFill>
+                        <a:schemeClr val="tx1"/>
+                      </a:solidFill>
+                      <a:prstDash val="solid"/>
+                      <a:round/>
+                      <a:headEnd type="none" w="med" len="med"/>
+                      <a:tailEnd type="none" w="med" len="med"/>
+                    </a:lnL>
+                    <a:lnR w="12700" cap="flat" cmpd="sng" algn="ctr">
+                      <a:solidFill>
+                        <a:schemeClr val="tx1"/>
+                      </a:solidFill>
+                      <a:prstDash val="solid"/>
+                      <a:round/>
+                      <a:headEnd type="none" w="med" len="med"/>
+                      <a:tailEnd type="none" w="med" len="med"/>
+                    </a:lnR>
+                    <a:lnT w="12700" cap="flat" cmpd="sng" algn="ctr">
+                      <a:solidFill>
+                        <a:schemeClr val="tx1"/>
+                      </a:solidFill>
+                      <a:prstDash val="solid"/>
+                      <a:round/>
+                      <a:headEnd type="none" w="med" len="med"/>
+                      <a:tailEnd type="none" w="med" len="med"/>
+                    </a:lnT>
+                    <a:lnB w="12700" cap="flat" cmpd="sng" algn="ctr">
+                      <a:solidFill>
+                        <a:schemeClr val="tx1"/>
+                      </a:solidFill>
+                      <a:prstDash val="solid"/>
+                      <a:round/>
+                      <a:headEnd type="none" w="med" len="med"/>
+                      <a:tailEnd type="none" w="med" len="med"/>
+                    </a:lnB>
+                  </a:tcPr>
+                </a:tc>
+                <a:extLst>
+                  <a:ext uri="{0D108BD9-81ED-4DB2-BD59-A6C34878D82A}">
+                    <a16:rowId xmlns:a16="http://schemas.microsoft.com/office/drawing/2014/main" val="1299368562"/>
+                  </a:ext>
+                </a:extLst>
+              </a:tr>
+            </a:tbl>
+          </a:graphicData>
+        </a:graphic>
+      </p:graphicFrame>
+      <p:graphicFrame>
+        <p:nvGraphicFramePr>
+          <p:cNvPr id="17" name="Table 16">
+            <a:extLst>
+              <a:ext uri="{FF2B5EF4-FFF2-40B4-BE49-F238E27FC236}">
+                <a16:creationId xmlns:a16="http://schemas.microsoft.com/office/drawing/2014/main" id="{A92D6A2B-9080-C255-73E7-433A57EE1196}"/>
+              </a:ext>
+            </a:extLst>
+          </p:cNvPr>
+          <p:cNvGraphicFramePr>
+            <a:graphicFrameLocks noGrp="1"/>
+          </p:cNvGraphicFramePr>
+          <p:nvPr>
+            <p:extLst>
+              <p:ext uri="{D42A27DB-BD31-4B8C-83A1-F6EECF244321}">
+                <p14:modId xmlns:p14="http://schemas.microsoft.com/office/powerpoint/2010/main" val="1088465781"/>
+              </p:ext>
+            </p:extLst>
+          </p:nvPr>
+        </p:nvGraphicFramePr>
+        <p:xfrm>
+          <a:off x="273554" y="6841762"/>
+          <a:ext cx="10141529" cy="502920"/>
+        </p:xfrm>
+        <a:graphic>
+          <a:graphicData uri="http://schemas.openxmlformats.org/drawingml/2006/table">
+            <a:tbl>
+              <a:tblPr firstRow="1" bandRow="1">
+                <a:tableStyleId>{2D5ABB26-0587-4C30-8999-92F81FD0307C}</a:tableStyleId>
+              </a:tblPr>
+              <a:tblGrid>
+                <a:gridCol w="957589">
+                  <a:extLst>
+                    <a:ext uri="{9D8B030D-6E8A-4147-A177-3AD203B41FA5}">
+                      <a16:colId xmlns:a16="http://schemas.microsoft.com/office/drawing/2014/main" val="1720480731"/>
+                    </a:ext>
+                  </a:extLst>
+                </a:gridCol>
+                <a:gridCol w="1836788">
+                  <a:extLst>
+                    <a:ext uri="{9D8B030D-6E8A-4147-A177-3AD203B41FA5}">
+                      <a16:colId xmlns:a16="http://schemas.microsoft.com/office/drawing/2014/main" val="3666789379"/>
+                    </a:ext>
+                  </a:extLst>
+                </a:gridCol>
+                <a:gridCol w="1836788">
+                  <a:extLst>
+                    <a:ext uri="{9D8B030D-6E8A-4147-A177-3AD203B41FA5}">
+                      <a16:colId xmlns:a16="http://schemas.microsoft.com/office/drawing/2014/main" val="1954990030"/>
+                    </a:ext>
+                  </a:extLst>
+                </a:gridCol>
+                <a:gridCol w="1836788">
+                  <a:extLst>
+                    <a:ext uri="{9D8B030D-6E8A-4147-A177-3AD203B41FA5}">
+                      <a16:colId xmlns:a16="http://schemas.microsoft.com/office/drawing/2014/main" val="2291449436"/>
+                    </a:ext>
+                  </a:extLst>
+                </a:gridCol>
+                <a:gridCol w="1836788">
+                  <a:extLst>
+                    <a:ext uri="{9D8B030D-6E8A-4147-A177-3AD203B41FA5}">
+                      <a16:colId xmlns:a16="http://schemas.microsoft.com/office/drawing/2014/main" val="3328928104"/>
+                    </a:ext>
+                  </a:extLst>
+                </a:gridCol>
+                <a:gridCol w="1836788">
+                  <a:extLst>
+                    <a:ext uri="{9D8B030D-6E8A-4147-A177-3AD203B41FA5}">
+                      <a16:colId xmlns:a16="http://schemas.microsoft.com/office/drawing/2014/main" val="1666164065"/>
+                    </a:ext>
+                  </a:extLst>
+                </a:gridCol>
+              </a:tblGrid>
+              <a:tr h="251460">
+                <a:tc>
+                  <a:txBody>
+                    <a:bodyPr/>
+                    <a:lstStyle/>
+                    <a:p>
+                      <a:pPr algn="ctr"/>
+                      <a:r>
+                        <a:rPr lang="en-US" sz="900" b="1" dirty="0">
+                          <a:latin typeface="Arial" panose="020B0604020202020204" pitchFamily="34" charset="0"/>
+                          <a:cs typeface="Arial" panose="020B0604020202020204" pitchFamily="34" charset="0"/>
                         </a:rPr>
                         <a:t>Prepared by</a:t>
                       </a:r>
                     </a:p>
                   </a:txBody>
-                  <a:tcPr>
-                    <a:lnL w="12700" cap="flat" cmpd="sng" algn="ctr">
-                      <a:solidFill>
-                        <a:srgbClr val="000000"/>
-                      </a:solidFill>
-                      <a:prstDash val="solid"/>
-                    </a:lnL>
-                    <a:lnR w="12700" cap="flat" cmpd="sng" algn="ctr">
-                      <a:solidFill>
-                        <a:srgbClr val="000000"/>
-                      </a:solidFill>
-                      <a:prstDash val="solid"/>
-                    </a:lnR>
-                    <a:lnT w="12700" cap="flat" cmpd="sng" algn="ctr">
-                      <a:solidFill>
-                        <a:srgbClr val="000000"/>
-                      </a:solidFill>
-                      <a:prstDash val="solid"/>
-                    </a:lnT>
-                    <a:lnB w="12700" cap="flat" cmpd="sng" algn="ctr">
-                      <a:solidFill>
-                        <a:srgbClr val="000000"/>
-                      </a:solidFill>
-                      <a:prstDash val="solid"/>
+                  <a:tcPr anchor="ctr">
+                    <a:lnL w="12700" cap="flat" cmpd="sng" algn="ctr">
+                      <a:solidFill>
+                        <a:schemeClr val="tx1"/>
+                      </a:solidFill>
+                      <a:prstDash val="solid"/>
+                      <a:round/>
+                      <a:headEnd type="none" w="med" len="med"/>
+                      <a:tailEnd type="none" w="med" len="med"/>
+                    </a:lnL>
+                    <a:lnR w="12700" cap="flat" cmpd="sng" algn="ctr">
+                      <a:solidFill>
+                        <a:schemeClr val="tx1"/>
+                      </a:solidFill>
+                      <a:prstDash val="solid"/>
+                      <a:round/>
+                      <a:headEnd type="none" w="med" len="med"/>
+                      <a:tailEnd type="none" w="med" len="med"/>
+                    </a:lnR>
+                    <a:lnT w="12700" cap="flat" cmpd="sng" algn="ctr">
+                      <a:solidFill>
+                        <a:schemeClr val="tx1"/>
+                      </a:solidFill>
+                      <a:prstDash val="solid"/>
+                      <a:round/>
+                      <a:headEnd type="none" w="med" len="med"/>
+                      <a:tailEnd type="none" w="med" len="med"/>
+                    </a:lnT>
+                    <a:lnB w="12700" cap="flat" cmpd="sng" algn="ctr">
+                      <a:solidFill>
+                        <a:schemeClr val="tx1"/>
+                      </a:solidFill>
+                      <a:prstDash val="solid"/>
+                      <a:round/>
+                      <a:headEnd type="none" w="med" len="med"/>
+                      <a:tailEnd type="none" w="med" len="med"/>
                     </a:lnB>
                   </a:tcPr>
                 </a:tc>
@@ -6035,85 +8514,109 @@
                     <a:bodyPr/>
                     <a:lstStyle/>
                     <a:p>
-                      <a:pPr algn="l"/>
+                      <a:pPr algn="ctr"/>
                       <a:r>
-                        <a:rPr sz="800" b="1">
-                          <a:latin typeface="Arial"/>
+                        <a:rPr lang="en-US" sz="900" b="0" dirty="0">
+                          <a:latin typeface="Arial" panose="020B0604020202020204" pitchFamily="34" charset="0"/>
+                          <a:cs typeface="Arial" panose="020B0604020202020204" pitchFamily="34" charset="0"/>
+                        </a:rPr>
+                        <a:t>{{PREPARED_BY}}</a:t>
+                      </a:r>
+                    </a:p>
+                  </a:txBody>
+                  <a:tcPr anchor="ctr">
+                    <a:lnL w="12700" cap="flat" cmpd="sng" algn="ctr">
+                      <a:solidFill>
+                        <a:schemeClr val="tx1"/>
+                      </a:solidFill>
+                      <a:prstDash val="solid"/>
+                      <a:round/>
+                      <a:headEnd type="none" w="med" len="med"/>
+                      <a:tailEnd type="none" w="med" len="med"/>
+                    </a:lnL>
+                    <a:lnR w="12700" cap="flat" cmpd="sng" algn="ctr">
+                      <a:solidFill>
+                        <a:schemeClr val="tx1"/>
+                      </a:solidFill>
+                      <a:prstDash val="solid"/>
+                      <a:round/>
+                      <a:headEnd type="none" w="med" len="med"/>
+                      <a:tailEnd type="none" w="med" len="med"/>
+                    </a:lnR>
+                    <a:lnT w="12700" cap="flat" cmpd="sng" algn="ctr">
+                      <a:solidFill>
+                        <a:schemeClr val="tx1"/>
+                      </a:solidFill>
+                      <a:prstDash val="solid"/>
+                      <a:round/>
+                      <a:headEnd type="none" w="med" len="med"/>
+                      <a:tailEnd type="none" w="med" len="med"/>
+                    </a:lnT>
+                    <a:lnB w="12700" cap="flat" cmpd="sng" algn="ctr">
+                      <a:solidFill>
+                        <a:schemeClr val="tx1"/>
+                      </a:solidFill>
+                      <a:prstDash val="solid"/>
+                      <a:round/>
+                      <a:headEnd type="none" w="med" len="med"/>
+                      <a:tailEnd type="none" w="med" len="med"/>
+                    </a:lnB>
+                  </a:tcPr>
+                </a:tc>
+                <a:tc>
+                  <a:txBody>
+                    <a:bodyPr/>
+                    <a:lstStyle/>
+                    <a:p>
+                      <a:pPr algn="ctr"/>
+                      <a:r>
+                        <a:rPr lang="en-US" sz="900" b="1" dirty="0">
+                          <a:latin typeface="Arial" panose="020B0604020202020204" pitchFamily="34" charset="0"/>
+                          <a:cs typeface="Arial" panose="020B0604020202020204" pitchFamily="34" charset="0"/>
                         </a:rPr>
                         <a:t>Review and Approved by</a:t>
                       </a:r>
                     </a:p>
                   </a:txBody>
-                  <a:tcPr>
-                    <a:lnL w="12700" cap="flat" cmpd="sng" algn="ctr">
-                      <a:solidFill>
-                        <a:srgbClr val="000000"/>
-                      </a:solidFill>
-                      <a:prstDash val="solid"/>
-                    </a:lnL>
-                    <a:lnR w="12700" cap="flat" cmpd="sng" algn="ctr">
-                      <a:solidFill>
-                        <a:srgbClr val="000000"/>
-                      </a:solidFill>
-                      <a:prstDash val="solid"/>
-                    </a:lnR>
-                    <a:lnT w="12700" cap="flat" cmpd="sng" algn="ctr">
-                      <a:solidFill>
-                        <a:srgbClr val="000000"/>
-                      </a:solidFill>
-                      <a:prstDash val="solid"/>
-                    </a:lnT>
-                    <a:lnB w="12700" cap="flat" cmpd="sng" algn="ctr">
-                      <a:solidFill>
-                        <a:srgbClr val="000000"/>
-                      </a:solidFill>
-                      <a:prstDash val="solid"/>
-                    </a:lnB>
-                  </a:tcPr>
-                </a:tc>
-                <a:tc>
-                  <a:txBody>
-                    <a:bodyPr/>
-                    <a:lstStyle/>
-                    <a:p>
-                      <a:pPr algn="l"/>
-                      <a:r>
-                        <a:rPr sz="800" b="1">
-                          <a:latin typeface="Arial"/>
-                        </a:rPr>
-                        <a:t>Acknowledge and Acc. by</a:t>
-                      </a:r>
-                    </a:p>
-                  </a:txBody>
-                  <a:tcPr>
-                    <a:lnL w="12700" cap="flat" cmpd="sng" algn="ctr">
-                      <a:solidFill>
-                        <a:srgbClr val="000000"/>
-                      </a:solidFill>
-                      <a:prstDash val="solid"/>
-                    </a:lnL>
-                    <a:lnR w="12700" cap="flat" cmpd="sng" algn="ctr">
-                      <a:solidFill>
-                        <a:srgbClr val="000000"/>
-                      </a:solidFill>
-                      <a:prstDash val="solid"/>
-                    </a:lnR>
-                    <a:lnT w="12700" cap="flat" cmpd="sng" algn="ctr">
-                      <a:solidFill>
-                        <a:srgbClr val="000000"/>
-                      </a:solidFill>
-                      <a:prstDash val="solid"/>
-                    </a:lnT>
-                    <a:lnB w="12700" cap="flat" cmpd="sng" algn="ctr">
-                      <a:solidFill>
-                        <a:srgbClr val="000000"/>
-                      </a:solidFill>
-                      <a:prstDash val="solid"/>
-                    </a:lnB>
-                  </a:tcPr>
-                </a:tc>
-              </a:tr>
-              <a:tr h="274320">
+                  <a:tcPr anchor="ctr">
+                    <a:lnL w="12700" cap="flat" cmpd="sng" algn="ctr">
+                      <a:solidFill>
+                        <a:schemeClr val="tx1"/>
+                      </a:solidFill>
+                      <a:prstDash val="solid"/>
+                      <a:round/>
+                      <a:headEnd type="none" w="med" len="med"/>
+                      <a:tailEnd type="none" w="med" len="med"/>
+                    </a:lnL>
+                    <a:lnR w="12700" cap="flat" cmpd="sng" algn="ctr">
+                      <a:solidFill>
+                        <a:schemeClr val="tx1"/>
+                      </a:solidFill>
+                      <a:prstDash val="solid"/>
+                      <a:round/>
+                      <a:headEnd type="none" w="med" len="med"/>
+                      <a:tailEnd type="none" w="med" len="med"/>
+                    </a:lnR>
+                    <a:lnT w="12700" cap="flat" cmpd="sng" algn="ctr">
+                      <a:solidFill>
+                        <a:schemeClr val="tx1"/>
+                      </a:solidFill>
+                      <a:prstDash val="solid"/>
+                      <a:round/>
+                      <a:headEnd type="none" w="med" len="med"/>
+                      <a:tailEnd type="none" w="med" len="med"/>
+                    </a:lnT>
+                    <a:lnB w="12700" cap="flat" cmpd="sng" algn="ctr">
+                      <a:solidFill>
+                        <a:schemeClr val="tx1"/>
+                      </a:solidFill>
+                      <a:prstDash val="solid"/>
+                      <a:round/>
+                      <a:headEnd type="none" w="med" len="med"/>
+                      <a:tailEnd type="none" w="med" len="med"/>
+                    </a:lnB>
+                  </a:tcPr>
+                </a:tc>
                 <a:tc>
                   <a:txBody>
                     <a:bodyPr/>
@@ -6121,37 +8624,219 @@
                     <a:p>
                       <a:pPr algn="ctr"/>
                       <a:r>
-                        <a:rPr sz="800" b="1">
-                          <a:latin typeface="Arial"/>
+                        <a:rPr lang="en-US" sz="900" b="0" dirty="0">
+                          <a:latin typeface="Arial" panose="020B0604020202020204" pitchFamily="34" charset="0"/>
+                          <a:cs typeface="Arial" panose="020B0604020202020204" pitchFamily="34" charset="0"/>
+                        </a:rPr>
+                        <a:t>{{APPROVED_BY}}</a:t>
+                      </a:r>
+                    </a:p>
+                  </a:txBody>
+                  <a:tcPr anchor="ctr">
+                    <a:lnL w="12700" cap="flat" cmpd="sng" algn="ctr">
+                      <a:solidFill>
+                        <a:schemeClr val="tx1"/>
+                      </a:solidFill>
+                      <a:prstDash val="solid"/>
+                      <a:round/>
+                      <a:headEnd type="none" w="med" len="med"/>
+                      <a:tailEnd type="none" w="med" len="med"/>
+                    </a:lnL>
+                    <a:lnR w="12700" cap="flat" cmpd="sng" algn="ctr">
+                      <a:solidFill>
+                        <a:schemeClr val="tx1"/>
+                      </a:solidFill>
+                      <a:prstDash val="solid"/>
+                      <a:round/>
+                      <a:headEnd type="none" w="med" len="med"/>
+                      <a:tailEnd type="none" w="med" len="med"/>
+                    </a:lnR>
+                    <a:lnT w="12700" cap="flat" cmpd="sng" algn="ctr">
+                      <a:solidFill>
+                        <a:schemeClr val="tx1"/>
+                      </a:solidFill>
+                      <a:prstDash val="solid"/>
+                      <a:round/>
+                      <a:headEnd type="none" w="med" len="med"/>
+                      <a:tailEnd type="none" w="med" len="med"/>
+                    </a:lnT>
+                    <a:lnB w="12700" cap="flat" cmpd="sng" algn="ctr">
+                      <a:solidFill>
+                        <a:schemeClr val="tx1"/>
+                      </a:solidFill>
+                      <a:prstDash val="solid"/>
+                      <a:round/>
+                      <a:headEnd type="none" w="med" len="med"/>
+                      <a:tailEnd type="none" w="med" len="med"/>
+                    </a:lnB>
+                  </a:tcPr>
+                </a:tc>
+                <a:tc>
+                  <a:txBody>
+                    <a:bodyPr/>
+                    <a:lstStyle/>
+                    <a:p>
+                      <a:pPr algn="ctr"/>
+                      <a:r>
+                        <a:rPr lang="en-US" sz="900" b="1" dirty="0">
+                          <a:latin typeface="Arial" panose="020B0604020202020204" pitchFamily="34" charset="0"/>
+                          <a:cs typeface="Arial" panose="020B0604020202020204" pitchFamily="34" charset="0"/>
+                        </a:rPr>
+                        <a:t>Acknowledged and Acc. by</a:t>
+                      </a:r>
+                    </a:p>
+                  </a:txBody>
+                  <a:tcPr anchor="ctr">
+                    <a:lnL w="12700" cap="flat" cmpd="sng" algn="ctr">
+                      <a:solidFill>
+                        <a:schemeClr val="tx1"/>
+                      </a:solidFill>
+                      <a:prstDash val="solid"/>
+                      <a:round/>
+                      <a:headEnd type="none" w="med" len="med"/>
+                      <a:tailEnd type="none" w="med" len="med"/>
+                    </a:lnL>
+                    <a:lnR w="12700" cap="flat" cmpd="sng" algn="ctr">
+                      <a:solidFill>
+                        <a:schemeClr val="tx1"/>
+                      </a:solidFill>
+                      <a:prstDash val="solid"/>
+                      <a:round/>
+                      <a:headEnd type="none" w="med" len="med"/>
+                      <a:tailEnd type="none" w="med" len="med"/>
+                    </a:lnR>
+                    <a:lnT w="12700" cap="flat" cmpd="sng" algn="ctr">
+                      <a:solidFill>
+                        <a:schemeClr val="tx1"/>
+                      </a:solidFill>
+                      <a:prstDash val="solid"/>
+                      <a:round/>
+                      <a:headEnd type="none" w="med" len="med"/>
+                      <a:tailEnd type="none" w="med" len="med"/>
+                    </a:lnT>
+                    <a:lnB w="12700" cap="flat" cmpd="sng" algn="ctr">
+                      <a:solidFill>
+                        <a:schemeClr val="tx1"/>
+                      </a:solidFill>
+                      <a:prstDash val="solid"/>
+                      <a:round/>
+                      <a:headEnd type="none" w="med" len="med"/>
+                      <a:tailEnd type="none" w="med" len="med"/>
+                    </a:lnB>
+                  </a:tcPr>
+                </a:tc>
+                <a:tc>
+                  <a:txBody>
+                    <a:bodyPr/>
+                    <a:lstStyle/>
+                    <a:p>
+                      <a:pPr algn="ctr"/>
+                      <a:r>
+                        <a:rPr lang="en-US" sz="900" b="0" dirty="0">
+                          <a:latin typeface="Arial" panose="020B0604020202020204" pitchFamily="34" charset="0"/>
+                          <a:cs typeface="Arial" panose="020B0604020202020204" pitchFamily="34" charset="0"/>
+                        </a:rPr>
+                        <a:t>{{ACK._BY}}</a:t>
+                      </a:r>
+                    </a:p>
+                  </a:txBody>
+                  <a:tcPr anchor="ctr">
+                    <a:lnL w="12700" cap="flat" cmpd="sng" algn="ctr">
+                      <a:solidFill>
+                        <a:schemeClr val="tx1"/>
+                      </a:solidFill>
+                      <a:prstDash val="solid"/>
+                      <a:round/>
+                      <a:headEnd type="none" w="med" len="med"/>
+                      <a:tailEnd type="none" w="med" len="med"/>
+                    </a:lnL>
+                    <a:lnR w="12700" cap="flat" cmpd="sng" algn="ctr">
+                      <a:solidFill>
+                        <a:schemeClr val="tx1"/>
+                      </a:solidFill>
+                      <a:prstDash val="solid"/>
+                      <a:round/>
+                      <a:headEnd type="none" w="med" len="med"/>
+                      <a:tailEnd type="none" w="med" len="med"/>
+                    </a:lnR>
+                    <a:lnT w="12700" cap="flat" cmpd="sng" algn="ctr">
+                      <a:solidFill>
+                        <a:schemeClr val="tx1"/>
+                      </a:solidFill>
+                      <a:prstDash val="solid"/>
+                      <a:round/>
+                      <a:headEnd type="none" w="med" len="med"/>
+                      <a:tailEnd type="none" w="med" len="med"/>
+                    </a:lnT>
+                    <a:lnB w="12700" cap="flat" cmpd="sng" algn="ctr">
+                      <a:solidFill>
+                        <a:schemeClr val="tx1"/>
+                      </a:solidFill>
+                      <a:prstDash val="solid"/>
+                      <a:round/>
+                      <a:headEnd type="none" w="med" len="med"/>
+                      <a:tailEnd type="none" w="med" len="med"/>
+                    </a:lnB>
+                  </a:tcPr>
+                </a:tc>
+                <a:extLst>
+                  <a:ext uri="{0D108BD9-81ED-4DB2-BD59-A6C34878D82A}">
+                    <a16:rowId xmlns:a16="http://schemas.microsoft.com/office/drawing/2014/main" val="3521833829"/>
+                  </a:ext>
+                </a:extLst>
+              </a:tr>
+              <a:tr h="251460">
+                <a:tc>
+                  <a:txBody>
+                    <a:bodyPr/>
+                    <a:lstStyle/>
+                    <a:p>
+                      <a:pPr algn="ctr"/>
+                      <a:r>
+                        <a:rPr lang="en-US" sz="900" b="1" dirty="0">
+                          <a:latin typeface="Arial" panose="020B0604020202020204" pitchFamily="34" charset="0"/>
+                          <a:cs typeface="Arial" panose="020B0604020202020204" pitchFamily="34" charset="0"/>
                         </a:rPr>
                         <a:t>Date</a:t>
                       </a:r>
                     </a:p>
                   </a:txBody>
-                  <a:tcPr>
-                    <a:lnL w="12700" cap="flat" cmpd="sng" algn="ctr">
-                      <a:solidFill>
-                        <a:srgbClr val="000000"/>
-                      </a:solidFill>
-                      <a:prstDash val="solid"/>
-                    </a:lnL>
-                    <a:lnR w="12700" cap="flat" cmpd="sng" algn="ctr">
-                      <a:solidFill>
-                        <a:srgbClr val="000000"/>
-                      </a:solidFill>
-                      <a:prstDash val="solid"/>
-                    </a:lnR>
-                    <a:lnT w="12700" cap="flat" cmpd="sng" algn="ctr">
-                      <a:solidFill>
-                        <a:srgbClr val="000000"/>
-                      </a:solidFill>
-                      <a:prstDash val="solid"/>
-                    </a:lnT>
-                    <a:lnB w="12700" cap="flat" cmpd="sng" algn="ctr">
-                      <a:solidFill>
-                        <a:srgbClr val="000000"/>
-                      </a:solidFill>
-                      <a:prstDash val="solid"/>
+                  <a:tcPr anchor="ctr">
+                    <a:lnL w="12700" cap="flat" cmpd="sng" algn="ctr">
+                      <a:solidFill>
+                        <a:schemeClr val="tx1"/>
+                      </a:solidFill>
+                      <a:prstDash val="solid"/>
+                      <a:round/>
+                      <a:headEnd type="none" w="med" len="med"/>
+                      <a:tailEnd type="none" w="med" len="med"/>
+                    </a:lnL>
+                    <a:lnR w="12700" cap="flat" cmpd="sng" algn="ctr">
+                      <a:solidFill>
+                        <a:schemeClr val="tx1"/>
+                      </a:solidFill>
+                      <a:prstDash val="solid"/>
+                      <a:round/>
+                      <a:headEnd type="none" w="med" len="med"/>
+                      <a:tailEnd type="none" w="med" len="med"/>
+                    </a:lnR>
+                    <a:lnT w="12700" cap="flat" cmpd="sng" algn="ctr">
+                      <a:solidFill>
+                        <a:schemeClr val="tx1"/>
+                      </a:solidFill>
+                      <a:prstDash val="solid"/>
+                      <a:round/>
+                      <a:headEnd type="none" w="med" len="med"/>
+                      <a:tailEnd type="none" w="med" len="med"/>
+                    </a:lnT>
+                    <a:lnB w="12700" cap="flat" cmpd="sng" algn="ctr">
+                      <a:solidFill>
+                        <a:schemeClr val="tx1"/>
+                      </a:solidFill>
+                      <a:prstDash val="solid"/>
+                      <a:round/>
+                      <a:headEnd type="none" w="med" len="med"/>
+                      <a:tailEnd type="none" w="med" len="med"/>
                     </a:lnB>
                   </a:tcPr>
                 </a:tc>
@@ -6162,37 +8847,104 @@
                     <a:p>
                       <a:pPr algn="ctr"/>
                       <a:r>
-                        <a:rPr sz="800" b="1">
-                          <a:latin typeface="Arial"/>
+                        <a:rPr lang="en-US" sz="900" b="0" dirty="0">
+                          <a:latin typeface="Arial" panose="020B0604020202020204" pitchFamily="34" charset="0"/>
+                          <a:cs typeface="Arial" panose="020B0604020202020204" pitchFamily="34" charset="0"/>
+                        </a:rPr>
+                        <a:t>{{DATE1}}</a:t>
+                      </a:r>
+                    </a:p>
+                  </a:txBody>
+                  <a:tcPr anchor="ctr">
+                    <a:lnL w="12700" cap="flat" cmpd="sng" algn="ctr">
+                      <a:solidFill>
+                        <a:schemeClr val="tx1"/>
+                      </a:solidFill>
+                      <a:prstDash val="solid"/>
+                      <a:round/>
+                      <a:headEnd type="none" w="med" len="med"/>
+                      <a:tailEnd type="none" w="med" len="med"/>
+                    </a:lnL>
+                    <a:lnR w="12700" cap="flat" cmpd="sng" algn="ctr">
+                      <a:solidFill>
+                        <a:schemeClr val="tx1"/>
+                      </a:solidFill>
+                      <a:prstDash val="solid"/>
+                      <a:round/>
+                      <a:headEnd type="none" w="med" len="med"/>
+                      <a:tailEnd type="none" w="med" len="med"/>
+                    </a:lnR>
+                    <a:lnT w="12700" cap="flat" cmpd="sng" algn="ctr">
+                      <a:solidFill>
+                        <a:schemeClr val="tx1"/>
+                      </a:solidFill>
+                      <a:prstDash val="solid"/>
+                      <a:round/>
+                      <a:headEnd type="none" w="med" len="med"/>
+                      <a:tailEnd type="none" w="med" len="med"/>
+                    </a:lnT>
+                    <a:lnB w="12700" cap="flat" cmpd="sng" algn="ctr">
+                      <a:solidFill>
+                        <a:schemeClr val="tx1"/>
+                      </a:solidFill>
+                      <a:prstDash val="solid"/>
+                      <a:round/>
+                      <a:headEnd type="none" w="med" len="med"/>
+                      <a:tailEnd type="none" w="med" len="med"/>
+                    </a:lnB>
+                  </a:tcPr>
+                </a:tc>
+                <a:tc>
+                  <a:txBody>
+                    <a:bodyPr/>
+                    <a:lstStyle/>
+                    <a:p>
+                      <a:pPr algn="ctr"/>
+                      <a:r>
+                        <a:rPr lang="en-US" sz="900" b="1" dirty="0">
+                          <a:latin typeface="Arial" panose="020B0604020202020204" pitchFamily="34" charset="0"/>
+                          <a:cs typeface="Arial" panose="020B0604020202020204" pitchFamily="34" charset="0"/>
                         </a:rPr>
                         <a:t>Date</a:t>
                       </a:r>
                     </a:p>
                   </a:txBody>
-                  <a:tcPr>
-                    <a:lnL w="12700" cap="flat" cmpd="sng" algn="ctr">
-                      <a:solidFill>
-                        <a:srgbClr val="000000"/>
-                      </a:solidFill>
-                      <a:prstDash val="solid"/>
-                    </a:lnL>
-                    <a:lnR w="12700" cap="flat" cmpd="sng" algn="ctr">
-                      <a:solidFill>
-                        <a:srgbClr val="000000"/>
-                      </a:solidFill>
-                      <a:prstDash val="solid"/>
-                    </a:lnR>
-                    <a:lnT w="12700" cap="flat" cmpd="sng" algn="ctr">
-                      <a:solidFill>
-                        <a:srgbClr val="000000"/>
-                      </a:solidFill>
-                      <a:prstDash val="solid"/>
-                    </a:lnT>
-                    <a:lnB w="12700" cap="flat" cmpd="sng" algn="ctr">
-                      <a:solidFill>
-                        <a:srgbClr val="000000"/>
-                      </a:solidFill>
-                      <a:prstDash val="solid"/>
+                  <a:tcPr anchor="ctr">
+                    <a:lnL w="12700" cap="flat" cmpd="sng" algn="ctr">
+                      <a:solidFill>
+                        <a:schemeClr val="tx1"/>
+                      </a:solidFill>
+                      <a:prstDash val="solid"/>
+                      <a:round/>
+                      <a:headEnd type="none" w="med" len="med"/>
+                      <a:tailEnd type="none" w="med" len="med"/>
+                    </a:lnL>
+                    <a:lnR w="12700" cap="flat" cmpd="sng" algn="ctr">
+                      <a:solidFill>
+                        <a:schemeClr val="tx1"/>
+                      </a:solidFill>
+                      <a:prstDash val="solid"/>
+                      <a:round/>
+                      <a:headEnd type="none" w="med" len="med"/>
+                      <a:tailEnd type="none" w="med" len="med"/>
+                    </a:lnR>
+                    <a:lnT w="12700" cap="flat" cmpd="sng" algn="ctr">
+                      <a:solidFill>
+                        <a:schemeClr val="tx1"/>
+                      </a:solidFill>
+                      <a:prstDash val="solid"/>
+                      <a:round/>
+                      <a:headEnd type="none" w="med" len="med"/>
+                      <a:tailEnd type="none" w="med" len="med"/>
+                    </a:lnT>
+                    <a:lnB w="12700" cap="flat" cmpd="sng" algn="ctr">
+                      <a:solidFill>
+                        <a:schemeClr val="tx1"/>
+                      </a:solidFill>
+                      <a:prstDash val="solid"/>
+                      <a:round/>
+                      <a:headEnd type="none" w="med" len="med"/>
+                      <a:tailEnd type="none" w="med" len="med"/>
                     </a:lnB>
                   </a:tcPr>
                 </a:tc>
@@ -6203,40 +8955,166 @@
                     <a:p>
                       <a:pPr algn="ctr"/>
                       <a:r>
-                        <a:rPr sz="800" b="1">
-                          <a:latin typeface="Arial"/>
+                        <a:rPr lang="en-US" sz="900" b="0" dirty="0">
+                          <a:latin typeface="Arial" panose="020B0604020202020204" pitchFamily="34" charset="0"/>
+                          <a:cs typeface="Arial" panose="020B0604020202020204" pitchFamily="34" charset="0"/>
+                        </a:rPr>
+                        <a:t>{{DATE2}}</a:t>
+                      </a:r>
+                    </a:p>
+                  </a:txBody>
+                  <a:tcPr anchor="ctr">
+                    <a:lnL w="12700" cap="flat" cmpd="sng" algn="ctr">
+                      <a:solidFill>
+                        <a:schemeClr val="tx1"/>
+                      </a:solidFill>
+                      <a:prstDash val="solid"/>
+                      <a:round/>
+                      <a:headEnd type="none" w="med" len="med"/>
+                      <a:tailEnd type="none" w="med" len="med"/>
+                    </a:lnL>
+                    <a:lnR w="12700" cap="flat" cmpd="sng" algn="ctr">
+                      <a:solidFill>
+                        <a:schemeClr val="tx1"/>
+                      </a:solidFill>
+                      <a:prstDash val="solid"/>
+                      <a:round/>
+                      <a:headEnd type="none" w="med" len="med"/>
+                      <a:tailEnd type="none" w="med" len="med"/>
+                    </a:lnR>
+                    <a:lnT w="12700" cap="flat" cmpd="sng" algn="ctr">
+                      <a:solidFill>
+                        <a:schemeClr val="tx1"/>
+                      </a:solidFill>
+                      <a:prstDash val="solid"/>
+                      <a:round/>
+                      <a:headEnd type="none" w="med" len="med"/>
+                      <a:tailEnd type="none" w="med" len="med"/>
+                    </a:lnT>
+                    <a:lnB w="12700" cap="flat" cmpd="sng" algn="ctr">
+                      <a:solidFill>
+                        <a:schemeClr val="tx1"/>
+                      </a:solidFill>
+                      <a:prstDash val="solid"/>
+                      <a:round/>
+                      <a:headEnd type="none" w="med" len="med"/>
+                      <a:tailEnd type="none" w="med" len="med"/>
+                    </a:lnB>
+                  </a:tcPr>
+                </a:tc>
+                <a:tc>
+                  <a:txBody>
+                    <a:bodyPr/>
+                    <a:lstStyle/>
+                    <a:p>
+                      <a:pPr algn="ctr"/>
+                      <a:r>
+                        <a:rPr lang="en-US" sz="900" b="1" dirty="0">
+                          <a:latin typeface="Arial" panose="020B0604020202020204" pitchFamily="34" charset="0"/>
+                          <a:cs typeface="Arial" panose="020B0604020202020204" pitchFamily="34" charset="0"/>
                         </a:rPr>
                         <a:t>Date</a:t>
                       </a:r>
                     </a:p>
                   </a:txBody>
-                  <a:tcPr>
-                    <a:lnL w="12700" cap="flat" cmpd="sng" algn="ctr">
-                      <a:solidFill>
-                        <a:srgbClr val="000000"/>
-                      </a:solidFill>
-                      <a:prstDash val="solid"/>
-                    </a:lnL>
-                    <a:lnR w="12700" cap="flat" cmpd="sng" algn="ctr">
-                      <a:solidFill>
-                        <a:srgbClr val="000000"/>
-                      </a:solidFill>
-                      <a:prstDash val="solid"/>
-                    </a:lnR>
-                    <a:lnT w="12700" cap="flat" cmpd="sng" algn="ctr">
-                      <a:solidFill>
-                        <a:srgbClr val="000000"/>
-                      </a:solidFill>
-                      <a:prstDash val="solid"/>
-                    </a:lnT>
-                    <a:lnB w="12700" cap="flat" cmpd="sng" algn="ctr">
-                      <a:solidFill>
-                        <a:srgbClr val="000000"/>
-                      </a:solidFill>
-                      <a:prstDash val="solid"/>
-                    </a:lnB>
-                  </a:tcPr>
-                </a:tc>
+                  <a:tcPr anchor="ctr">
+                    <a:lnL w="12700" cap="flat" cmpd="sng" algn="ctr">
+                      <a:solidFill>
+                        <a:schemeClr val="tx1"/>
+                      </a:solidFill>
+                      <a:prstDash val="solid"/>
+                      <a:round/>
+                      <a:headEnd type="none" w="med" len="med"/>
+                      <a:tailEnd type="none" w="med" len="med"/>
+                    </a:lnL>
+                    <a:lnR w="12700" cap="flat" cmpd="sng" algn="ctr">
+                      <a:solidFill>
+                        <a:schemeClr val="tx1"/>
+                      </a:solidFill>
+                      <a:prstDash val="solid"/>
+                      <a:round/>
+                      <a:headEnd type="none" w="med" len="med"/>
+                      <a:tailEnd type="none" w="med" len="med"/>
+                    </a:lnR>
+                    <a:lnT w="12700" cap="flat" cmpd="sng" algn="ctr">
+                      <a:solidFill>
+                        <a:schemeClr val="tx1"/>
+                      </a:solidFill>
+                      <a:prstDash val="solid"/>
+                      <a:round/>
+                      <a:headEnd type="none" w="med" len="med"/>
+                      <a:tailEnd type="none" w="med" len="med"/>
+                    </a:lnT>
+                    <a:lnB w="12700" cap="flat" cmpd="sng" algn="ctr">
+                      <a:solidFill>
+                        <a:schemeClr val="tx1"/>
+                      </a:solidFill>
+                      <a:prstDash val="solid"/>
+                      <a:round/>
+                      <a:headEnd type="none" w="med" len="med"/>
+                      <a:tailEnd type="none" w="med" len="med"/>
+                    </a:lnB>
+                  </a:tcPr>
+                </a:tc>
+                <a:tc>
+                  <a:txBody>
+                    <a:bodyPr/>
+                    <a:lstStyle/>
+                    <a:p>
+                      <a:pPr algn="ctr"/>
+                      <a:r>
+                        <a:rPr lang="en-US" sz="900" b="0" dirty="0">
+                          <a:latin typeface="Arial" panose="020B0604020202020204" pitchFamily="34" charset="0"/>
+                          <a:cs typeface="Arial" panose="020B0604020202020204" pitchFamily="34" charset="0"/>
+                        </a:rPr>
+                        <a:t>{{DATE3}}</a:t>
+                      </a:r>
+                    </a:p>
+                  </a:txBody>
+                  <a:tcPr anchor="ctr">
+                    <a:lnL w="12700" cap="flat" cmpd="sng" algn="ctr">
+                      <a:solidFill>
+                        <a:schemeClr val="tx1"/>
+                      </a:solidFill>
+                      <a:prstDash val="solid"/>
+                      <a:round/>
+                      <a:headEnd type="none" w="med" len="med"/>
+                      <a:tailEnd type="none" w="med" len="med"/>
+                    </a:lnL>
+                    <a:lnR w="12700" cap="flat" cmpd="sng" algn="ctr">
+                      <a:solidFill>
+                        <a:schemeClr val="tx1"/>
+                      </a:solidFill>
+                      <a:prstDash val="solid"/>
+                      <a:round/>
+                      <a:headEnd type="none" w="med" len="med"/>
+                      <a:tailEnd type="none" w="med" len="med"/>
+                    </a:lnR>
+                    <a:lnT w="12700" cap="flat" cmpd="sng" algn="ctr">
+                      <a:solidFill>
+                        <a:schemeClr val="tx1"/>
+                      </a:solidFill>
+                      <a:prstDash val="solid"/>
+                      <a:round/>
+                      <a:headEnd type="none" w="med" len="med"/>
+                      <a:tailEnd type="none" w="med" len="med"/>
+                    </a:lnT>
+                    <a:lnB w="12700" cap="flat" cmpd="sng" algn="ctr">
+                      <a:solidFill>
+                        <a:schemeClr val="tx1"/>
+                      </a:solidFill>
+                      <a:prstDash val="solid"/>
+                      <a:round/>
+                      <a:headEnd type="none" w="med" len="med"/>
+                      <a:tailEnd type="none" w="med" len="med"/>
+                    </a:lnB>
+                  </a:tcPr>
+                </a:tc>
+                <a:extLst>
+                  <a:ext uri="{0D108BD9-81ED-4DB2-BD59-A6C34878D82A}">
+                    <a16:rowId xmlns:a16="http://schemas.microsoft.com/office/drawing/2014/main" val="4076806031"/>
+                  </a:ext>
+                </a:extLst>
               </a:tr>
             </a:tbl>
           </a:graphicData>
